--- a/Doc/Manuels/Panneau config.pptx
+++ b/Doc/Manuels/Panneau config.pptx
@@ -244,7 +244,7 @@
           <a:p>
             <a:fld id="{A019C843-81E1-4383-9F8F-73842B62BEA2}" type="datetimeFigureOut">
               <a:rPr lang="fr-CH" smtClean="0"/>
-              <a:t>14.04.2020</a:t>
+              <a:t>30.04.2020</a:t>
             </a:fld>
             <a:endParaRPr lang="fr-CH"/>
           </a:p>
@@ -414,7 +414,7 @@
           <a:p>
             <a:fld id="{A019C843-81E1-4383-9F8F-73842B62BEA2}" type="datetimeFigureOut">
               <a:rPr lang="fr-CH" smtClean="0"/>
-              <a:t>14.04.2020</a:t>
+              <a:t>30.04.2020</a:t>
             </a:fld>
             <a:endParaRPr lang="fr-CH"/>
           </a:p>
@@ -594,7 +594,7 @@
           <a:p>
             <a:fld id="{A019C843-81E1-4383-9F8F-73842B62BEA2}" type="datetimeFigureOut">
               <a:rPr lang="fr-CH" smtClean="0"/>
-              <a:t>14.04.2020</a:t>
+              <a:t>30.04.2020</a:t>
             </a:fld>
             <a:endParaRPr lang="fr-CH"/>
           </a:p>
@@ -764,7 +764,7 @@
           <a:p>
             <a:fld id="{A019C843-81E1-4383-9F8F-73842B62BEA2}" type="datetimeFigureOut">
               <a:rPr lang="fr-CH" smtClean="0"/>
-              <a:t>14.04.2020</a:t>
+              <a:t>30.04.2020</a:t>
             </a:fld>
             <a:endParaRPr lang="fr-CH"/>
           </a:p>
@@ -1008,7 +1008,7 @@
           <a:p>
             <a:fld id="{A019C843-81E1-4383-9F8F-73842B62BEA2}" type="datetimeFigureOut">
               <a:rPr lang="fr-CH" smtClean="0"/>
-              <a:t>14.04.2020</a:t>
+              <a:t>30.04.2020</a:t>
             </a:fld>
             <a:endParaRPr lang="fr-CH"/>
           </a:p>
@@ -1240,7 +1240,7 @@
           <a:p>
             <a:fld id="{A019C843-81E1-4383-9F8F-73842B62BEA2}" type="datetimeFigureOut">
               <a:rPr lang="fr-CH" smtClean="0"/>
-              <a:t>14.04.2020</a:t>
+              <a:t>30.04.2020</a:t>
             </a:fld>
             <a:endParaRPr lang="fr-CH"/>
           </a:p>
@@ -1607,7 +1607,7 @@
           <a:p>
             <a:fld id="{A019C843-81E1-4383-9F8F-73842B62BEA2}" type="datetimeFigureOut">
               <a:rPr lang="fr-CH" smtClean="0"/>
-              <a:t>14.04.2020</a:t>
+              <a:t>30.04.2020</a:t>
             </a:fld>
             <a:endParaRPr lang="fr-CH"/>
           </a:p>
@@ -1725,7 +1725,7 @@
           <a:p>
             <a:fld id="{A019C843-81E1-4383-9F8F-73842B62BEA2}" type="datetimeFigureOut">
               <a:rPr lang="fr-CH" smtClean="0"/>
-              <a:t>14.04.2020</a:t>
+              <a:t>30.04.2020</a:t>
             </a:fld>
             <a:endParaRPr lang="fr-CH"/>
           </a:p>
@@ -1820,7 +1820,7 @@
           <a:p>
             <a:fld id="{A019C843-81E1-4383-9F8F-73842B62BEA2}" type="datetimeFigureOut">
               <a:rPr lang="fr-CH" smtClean="0"/>
-              <a:t>14.04.2020</a:t>
+              <a:t>30.04.2020</a:t>
             </a:fld>
             <a:endParaRPr lang="fr-CH"/>
           </a:p>
@@ -2097,7 +2097,7 @@
           <a:p>
             <a:fld id="{A019C843-81E1-4383-9F8F-73842B62BEA2}" type="datetimeFigureOut">
               <a:rPr lang="fr-CH" smtClean="0"/>
-              <a:t>14.04.2020</a:t>
+              <a:t>30.04.2020</a:t>
             </a:fld>
             <a:endParaRPr lang="fr-CH"/>
           </a:p>
@@ -2354,7 +2354,7 @@
           <a:p>
             <a:fld id="{A019C843-81E1-4383-9F8F-73842B62BEA2}" type="datetimeFigureOut">
               <a:rPr lang="fr-CH" smtClean="0"/>
-              <a:t>14.04.2020</a:t>
+              <a:t>30.04.2020</a:t>
             </a:fld>
             <a:endParaRPr lang="fr-CH"/>
           </a:p>
@@ -2567,7 +2567,7 @@
           <a:p>
             <a:fld id="{A019C843-81E1-4383-9F8F-73842B62BEA2}" type="datetimeFigureOut">
               <a:rPr lang="fr-CH" smtClean="0"/>
-              <a:t>14.04.2020</a:t>
+              <a:t>30.04.2020</a:t>
             </a:fld>
             <a:endParaRPr lang="fr-CH"/>
           </a:p>
@@ -2974,10 +2974,10 @@
       </p:grpSpPr>
       <p:pic>
         <p:nvPicPr>
-          <p:cNvPr id="2" name="Image 1">
+          <p:cNvPr id="8" name="Image 7">
             <a:extLst>
               <a:ext uri="{FF2B5EF4-FFF2-40B4-BE49-F238E27FC236}">
-                <a16:creationId xmlns:a16="http://schemas.microsoft.com/office/drawing/2014/main" id="{09CE5ADF-07DE-4AC1-9AA6-A53871113CB4}"/>
+                <a16:creationId xmlns:a16="http://schemas.microsoft.com/office/drawing/2014/main" id="{34FFAE9D-6192-4080-98AB-839D1A7616AB}"/>
               </a:ext>
             </a:extLst>
           </p:cNvPr>
@@ -2994,8 +2994,8 @@
         </p:blipFill>
         <p:spPr>
           <a:xfrm>
-            <a:off x="2242067" y="2404635"/>
-            <a:ext cx="2500865" cy="3975734"/>
+            <a:off x="2239912" y="2418641"/>
+            <a:ext cx="2502000" cy="3952023"/>
           </a:xfrm>
           <a:prstGeom prst="rect">
             <a:avLst/>
@@ -3795,8 +3795,8 @@
         </p:nvSpPr>
         <p:spPr>
           <a:xfrm>
-            <a:off x="2743200" y="3128963"/>
-            <a:ext cx="1495425" cy="117474"/>
+            <a:off x="3514451" y="3128963"/>
+            <a:ext cx="724174" cy="117474"/>
           </a:xfrm>
           <a:prstGeom prst="ellipse">
             <a:avLst/>
@@ -3848,7 +3848,7 @@
         <p:spPr>
           <a:xfrm>
             <a:off x="5048250" y="4472573"/>
-            <a:ext cx="1076324" cy="480427"/>
+            <a:ext cx="1076324" cy="680452"/>
           </a:xfrm>
           <a:prstGeom prst="rect">
             <a:avLst/>
@@ -3888,6 +3888,21 @@
                 </a:solidFill>
               </a:rPr>
               <a:t>Réinitialise à la configuration par défaut</a:t>
+            </a:r>
+            <a:br>
+              <a:rPr lang="fr-CH" sz="1100" dirty="0">
+                <a:solidFill>
+                  <a:srgbClr val="FF0000"/>
+                </a:solidFill>
+              </a:rPr>
+            </a:br>
+            <a:r>
+              <a:rPr lang="fr-CH" sz="1100" dirty="0">
+                <a:solidFill>
+                  <a:srgbClr val="FF0000"/>
+                </a:solidFill>
+              </a:rPr>
+              <a:t>CERAS (rosé)</a:t>
             </a:r>
           </a:p>
         </p:txBody>
@@ -3902,6 +3917,7 @@
             </a:extLst>
           </p:cNvPr>
           <p:cNvCxnSpPr>
+            <a:cxnSpLocks/>
             <a:stCxn id="31" idx="4"/>
             <a:endCxn id="32" idx="1"/>
           </p:cNvCxnSpPr>
@@ -3909,8 +3925,8 @@
         </p:nvCxnSpPr>
         <p:spPr>
           <a:xfrm>
-            <a:off x="3490913" y="3246437"/>
-            <a:ext cx="1557337" cy="1466350"/>
+            <a:off x="3876538" y="3246437"/>
+            <a:ext cx="1171712" cy="1566362"/>
           </a:xfrm>
           <a:prstGeom prst="line">
             <a:avLst/>
@@ -4091,6 +4107,177 @@
           </a:fontRef>
         </p:style>
       </p:cxnSp>
+      <p:sp>
+        <p:nvSpPr>
+          <p:cNvPr id="30" name="Rectangle 29">
+            <a:extLst>
+              <a:ext uri="{FF2B5EF4-FFF2-40B4-BE49-F238E27FC236}">
+                <a16:creationId xmlns:a16="http://schemas.microsoft.com/office/drawing/2014/main" id="{CCA16F7F-B355-4C4E-B507-9EDEEC4ACDFA}"/>
+              </a:ext>
+            </a:extLst>
+          </p:cNvPr>
+          <p:cNvSpPr/>
+          <p:nvPr/>
+        </p:nvSpPr>
+        <p:spPr>
+          <a:xfrm>
+            <a:off x="1031876" y="4394652"/>
+            <a:ext cx="1076324" cy="680452"/>
+          </a:xfrm>
+          <a:prstGeom prst="rect">
+            <a:avLst/>
+          </a:prstGeom>
+          <a:solidFill>
+            <a:schemeClr val="bg1"/>
+          </a:solidFill>
+          <a:ln>
+            <a:noFill/>
+          </a:ln>
+        </p:spPr>
+        <p:style>
+          <a:lnRef idx="2">
+            <a:schemeClr val="accent1">
+              <a:shade val="50000"/>
+            </a:schemeClr>
+          </a:lnRef>
+          <a:fillRef idx="1">
+            <a:schemeClr val="accent1"/>
+          </a:fillRef>
+          <a:effectRef idx="0">
+            <a:schemeClr val="accent1"/>
+          </a:effectRef>
+          <a:fontRef idx="minor">
+            <a:schemeClr val="lt1"/>
+          </a:fontRef>
+        </p:style>
+        <p:txBody>
+          <a:bodyPr rtlCol="0" anchor="ctr"/>
+          <a:lstStyle/>
+          <a:p>
+            <a:pPr algn="ctr"/>
+            <a:r>
+              <a:rPr lang="fr-CH" sz="1100" dirty="0">
+                <a:solidFill>
+                  <a:srgbClr val="FF0000"/>
+                </a:solidFill>
+              </a:rPr>
+              <a:t>Réinitialise à la configuration par défaut</a:t>
+            </a:r>
+            <a:br>
+              <a:rPr lang="fr-CH" sz="1100" dirty="0">
+                <a:solidFill>
+                  <a:srgbClr val="FF0000"/>
+                </a:solidFill>
+              </a:rPr>
+            </a:br>
+            <a:r>
+              <a:rPr lang="fr-CH" sz="1100" dirty="0">
+                <a:solidFill>
+                  <a:srgbClr val="FF0000"/>
+                </a:solidFill>
+              </a:rPr>
+              <a:t>CERAS (foncé)</a:t>
+            </a:r>
+          </a:p>
+        </p:txBody>
+      </p:sp>
+      <p:cxnSp>
+        <p:nvCxnSpPr>
+          <p:cNvPr id="33" name="Connecteur droit 32">
+            <a:extLst>
+              <a:ext uri="{FF2B5EF4-FFF2-40B4-BE49-F238E27FC236}">
+                <a16:creationId xmlns:a16="http://schemas.microsoft.com/office/drawing/2014/main" id="{44744918-30E2-41BD-8522-DD37142AD20D}"/>
+              </a:ext>
+            </a:extLst>
+          </p:cNvPr>
+          <p:cNvCxnSpPr>
+            <a:cxnSpLocks/>
+            <a:stCxn id="35" idx="4"/>
+            <a:endCxn id="30" idx="3"/>
+          </p:cNvCxnSpPr>
+          <p:nvPr/>
+        </p:nvCxnSpPr>
+        <p:spPr>
+          <a:xfrm flipH="1">
+            <a:off x="2108200" y="3246437"/>
+            <a:ext cx="996618" cy="1488441"/>
+          </a:xfrm>
+          <a:prstGeom prst="line">
+            <a:avLst/>
+          </a:prstGeom>
+          <a:ln w="12700">
+            <a:solidFill>
+              <a:srgbClr val="FF0000"/>
+            </a:solidFill>
+          </a:ln>
+        </p:spPr>
+        <p:style>
+          <a:lnRef idx="1">
+            <a:schemeClr val="accent1"/>
+          </a:lnRef>
+          <a:fillRef idx="0">
+            <a:schemeClr val="accent1"/>
+          </a:fillRef>
+          <a:effectRef idx="0">
+            <a:schemeClr val="accent1"/>
+          </a:effectRef>
+          <a:fontRef idx="minor">
+            <a:schemeClr val="tx1"/>
+          </a:fontRef>
+        </p:style>
+      </p:cxnSp>
+      <p:sp>
+        <p:nvSpPr>
+          <p:cNvPr id="35" name="Ellipse 34">
+            <a:extLst>
+              <a:ext uri="{FF2B5EF4-FFF2-40B4-BE49-F238E27FC236}">
+                <a16:creationId xmlns:a16="http://schemas.microsoft.com/office/drawing/2014/main" id="{0BDFD3EA-7EBE-4574-AFFA-081D46AE3FFA}"/>
+              </a:ext>
+            </a:extLst>
+          </p:cNvPr>
+          <p:cNvSpPr/>
+          <p:nvPr/>
+        </p:nvSpPr>
+        <p:spPr>
+          <a:xfrm>
+            <a:off x="2742731" y="3128963"/>
+            <a:ext cx="724174" cy="117474"/>
+          </a:xfrm>
+          <a:prstGeom prst="ellipse">
+            <a:avLst/>
+          </a:prstGeom>
+          <a:noFill/>
+          <a:ln>
+            <a:solidFill>
+              <a:srgbClr val="FF0000"/>
+            </a:solidFill>
+          </a:ln>
+        </p:spPr>
+        <p:style>
+          <a:lnRef idx="2">
+            <a:schemeClr val="accent1">
+              <a:shade val="50000"/>
+            </a:schemeClr>
+          </a:lnRef>
+          <a:fillRef idx="1">
+            <a:schemeClr val="accent1"/>
+          </a:fillRef>
+          <a:effectRef idx="0">
+            <a:schemeClr val="accent1"/>
+          </a:effectRef>
+          <a:fontRef idx="minor">
+            <a:schemeClr val="lt1"/>
+          </a:fontRef>
+        </p:style>
+        <p:txBody>
+          <a:bodyPr rtlCol="0" anchor="ctr"/>
+          <a:lstStyle/>
+          <a:p>
+            <a:pPr algn="ctr"/>
+            <a:endParaRPr lang="fr-CH"/>
+          </a:p>
+        </p:txBody>
+      </p:sp>
     </p:spTree>
     <p:extLst>
       <p:ext uri="{BB962C8B-B14F-4D97-AF65-F5344CB8AC3E}">

--- a/Doc/Manuels/Panneau config.pptx
+++ b/Doc/Manuels/Panneau config.pptx
@@ -7,6 +7,7 @@
   <p:sldIdLst>
     <p:sldId id="257" r:id="rId2"/>
     <p:sldId id="258" r:id="rId3"/>
+    <p:sldId id="259" r:id="rId4"/>
   </p:sldIdLst>
   <p:sldSz cx="6858000" cy="9906000" type="A4"/>
   <p:notesSz cx="6858000" cy="9144000"/>
@@ -244,7 +245,7 @@
           <a:p>
             <a:fld id="{A019C843-81E1-4383-9F8F-73842B62BEA2}" type="datetimeFigureOut">
               <a:rPr lang="fr-CH" smtClean="0"/>
-              <a:t>30.04.2020</a:t>
+              <a:t>13.05.2020</a:t>
             </a:fld>
             <a:endParaRPr lang="fr-CH"/>
           </a:p>
@@ -414,7 +415,7 @@
           <a:p>
             <a:fld id="{A019C843-81E1-4383-9F8F-73842B62BEA2}" type="datetimeFigureOut">
               <a:rPr lang="fr-CH" smtClean="0"/>
-              <a:t>30.04.2020</a:t>
+              <a:t>13.05.2020</a:t>
             </a:fld>
             <a:endParaRPr lang="fr-CH"/>
           </a:p>
@@ -594,7 +595,7 @@
           <a:p>
             <a:fld id="{A019C843-81E1-4383-9F8F-73842B62BEA2}" type="datetimeFigureOut">
               <a:rPr lang="fr-CH" smtClean="0"/>
-              <a:t>30.04.2020</a:t>
+              <a:t>13.05.2020</a:t>
             </a:fld>
             <a:endParaRPr lang="fr-CH"/>
           </a:p>
@@ -764,7 +765,7 @@
           <a:p>
             <a:fld id="{A019C843-81E1-4383-9F8F-73842B62BEA2}" type="datetimeFigureOut">
               <a:rPr lang="fr-CH" smtClean="0"/>
-              <a:t>30.04.2020</a:t>
+              <a:t>13.05.2020</a:t>
             </a:fld>
             <a:endParaRPr lang="fr-CH"/>
           </a:p>
@@ -1008,7 +1009,7 @@
           <a:p>
             <a:fld id="{A019C843-81E1-4383-9F8F-73842B62BEA2}" type="datetimeFigureOut">
               <a:rPr lang="fr-CH" smtClean="0"/>
-              <a:t>30.04.2020</a:t>
+              <a:t>13.05.2020</a:t>
             </a:fld>
             <a:endParaRPr lang="fr-CH"/>
           </a:p>
@@ -1240,7 +1241,7 @@
           <a:p>
             <a:fld id="{A019C843-81E1-4383-9F8F-73842B62BEA2}" type="datetimeFigureOut">
               <a:rPr lang="fr-CH" smtClean="0"/>
-              <a:t>30.04.2020</a:t>
+              <a:t>13.05.2020</a:t>
             </a:fld>
             <a:endParaRPr lang="fr-CH"/>
           </a:p>
@@ -1607,7 +1608,7 @@
           <a:p>
             <a:fld id="{A019C843-81E1-4383-9F8F-73842B62BEA2}" type="datetimeFigureOut">
               <a:rPr lang="fr-CH" smtClean="0"/>
-              <a:t>30.04.2020</a:t>
+              <a:t>13.05.2020</a:t>
             </a:fld>
             <a:endParaRPr lang="fr-CH"/>
           </a:p>
@@ -1725,7 +1726,7 @@
           <a:p>
             <a:fld id="{A019C843-81E1-4383-9F8F-73842B62BEA2}" type="datetimeFigureOut">
               <a:rPr lang="fr-CH" smtClean="0"/>
-              <a:t>30.04.2020</a:t>
+              <a:t>13.05.2020</a:t>
             </a:fld>
             <a:endParaRPr lang="fr-CH"/>
           </a:p>
@@ -1820,7 +1821,7 @@
           <a:p>
             <a:fld id="{A019C843-81E1-4383-9F8F-73842B62BEA2}" type="datetimeFigureOut">
               <a:rPr lang="fr-CH" smtClean="0"/>
-              <a:t>30.04.2020</a:t>
+              <a:t>13.05.2020</a:t>
             </a:fld>
             <a:endParaRPr lang="fr-CH"/>
           </a:p>
@@ -2097,7 +2098,7 @@
           <a:p>
             <a:fld id="{A019C843-81E1-4383-9F8F-73842B62BEA2}" type="datetimeFigureOut">
               <a:rPr lang="fr-CH" smtClean="0"/>
-              <a:t>30.04.2020</a:t>
+              <a:t>13.05.2020</a:t>
             </a:fld>
             <a:endParaRPr lang="fr-CH"/>
           </a:p>
@@ -2354,7 +2355,7 @@
           <a:p>
             <a:fld id="{A019C843-81E1-4383-9F8F-73842B62BEA2}" type="datetimeFigureOut">
               <a:rPr lang="fr-CH" smtClean="0"/>
-              <a:t>30.04.2020</a:t>
+              <a:t>13.05.2020</a:t>
             </a:fld>
             <a:endParaRPr lang="fr-CH"/>
           </a:p>
@@ -2567,7 +2568,7 @@
           <a:p>
             <a:fld id="{A019C843-81E1-4383-9F8F-73842B62BEA2}" type="datetimeFigureOut">
               <a:rPr lang="fr-CH" smtClean="0"/>
-              <a:t>30.04.2020</a:t>
+              <a:t>13.05.2020</a:t>
             </a:fld>
             <a:endParaRPr lang="fr-CH"/>
           </a:p>
@@ -2974,10 +2975,10 @@
       </p:grpSpPr>
       <p:pic>
         <p:nvPicPr>
-          <p:cNvPr id="8" name="Image 7">
-            <a:extLst>
-              <a:ext uri="{FF2B5EF4-FFF2-40B4-BE49-F238E27FC236}">
-                <a16:creationId xmlns:a16="http://schemas.microsoft.com/office/drawing/2014/main" id="{34FFAE9D-6192-4080-98AB-839D1A7616AB}"/>
+          <p:cNvPr id="2" name="Image 1">
+            <a:extLst>
+              <a:ext uri="{FF2B5EF4-FFF2-40B4-BE49-F238E27FC236}">
+                <a16:creationId xmlns:a16="http://schemas.microsoft.com/office/drawing/2014/main" id="{2C9CB4DE-F3EC-40A7-B4D5-705C9608D4CD}"/>
               </a:ext>
             </a:extLst>
           </p:cNvPr>
@@ -2994,8 +2995,8 @@
         </p:blipFill>
         <p:spPr>
           <a:xfrm>
-            <a:off x="2239912" y="2418641"/>
-            <a:ext cx="2502000" cy="3952023"/>
+            <a:off x="2283030" y="2416232"/>
+            <a:ext cx="2451298" cy="3966386"/>
           </a:xfrm>
           <a:prstGeom prst="rect">
             <a:avLst/>
@@ -3016,8 +3017,8 @@
         </p:nvSpPr>
         <p:spPr>
           <a:xfrm>
-            <a:off x="2185988" y="2603319"/>
-            <a:ext cx="1624012" cy="179568"/>
+            <a:off x="2185987" y="2603319"/>
+            <a:ext cx="1933575" cy="179568"/>
           </a:xfrm>
           <a:prstGeom prst="ellipse">
             <a:avLst/>
@@ -3132,7 +3133,7 @@
         <p:spPr>
           <a:xfrm flipH="1" flipV="1">
             <a:off x="2787650" y="2317903"/>
-            <a:ext cx="210344" cy="285416"/>
+            <a:ext cx="365125" cy="285416"/>
           </a:xfrm>
           <a:prstGeom prst="line">
             <a:avLst/>
@@ -3387,7 +3388,7 @@
         </p:nvSpPr>
         <p:spPr>
           <a:xfrm>
-            <a:off x="4305558" y="2806700"/>
+            <a:off x="4318258" y="2806700"/>
             <a:ext cx="367783" cy="298450"/>
           </a:xfrm>
           <a:prstGeom prst="ellipse">
@@ -3443,8 +3444,8 @@
         </p:nvCxnSpPr>
         <p:spPr>
           <a:xfrm flipV="1">
-            <a:off x="4673341" y="2918756"/>
-            <a:ext cx="374909" cy="37169"/>
+            <a:off x="4686041" y="2918756"/>
+            <a:ext cx="362209" cy="37169"/>
           </a:xfrm>
           <a:prstGeom prst="line">
             <a:avLst/>
@@ -3543,7 +3544,7 @@
         </p:nvSpPr>
         <p:spPr>
           <a:xfrm>
-            <a:off x="2327403" y="3128963"/>
+            <a:off x="2333753" y="3119437"/>
             <a:ext cx="367783" cy="117474"/>
           </a:xfrm>
           <a:prstGeom prst="ellipse">
@@ -3598,8 +3599,8 @@
         </p:nvCxnSpPr>
         <p:spPr>
           <a:xfrm flipV="1">
-            <a:off x="2108200" y="3229233"/>
-            <a:ext cx="273064" cy="676723"/>
+            <a:off x="2108200" y="3219707"/>
+            <a:ext cx="279414" cy="686249"/>
           </a:xfrm>
           <a:prstGeom prst="line">
             <a:avLst/>
@@ -3698,7 +3699,7 @@
         </p:nvSpPr>
         <p:spPr>
           <a:xfrm>
-            <a:off x="4276853" y="3128963"/>
+            <a:off x="4289553" y="3119437"/>
             <a:ext cx="367783" cy="117474"/>
           </a:xfrm>
           <a:prstGeom prst="ellipse">
@@ -3754,8 +3755,8 @@
         </p:nvCxnSpPr>
         <p:spPr>
           <a:xfrm>
-            <a:off x="4590775" y="3229233"/>
-            <a:ext cx="457475" cy="676723"/>
+            <a:off x="4603475" y="3219707"/>
+            <a:ext cx="444775" cy="686249"/>
           </a:xfrm>
           <a:prstGeom prst="line">
             <a:avLst/>
@@ -3795,8 +3796,8 @@
         </p:nvSpPr>
         <p:spPr>
           <a:xfrm>
-            <a:off x="3514451" y="3128963"/>
-            <a:ext cx="724174" cy="117474"/>
+            <a:off x="3527151" y="3105150"/>
+            <a:ext cx="724174" cy="141287"/>
           </a:xfrm>
           <a:prstGeom prst="ellipse">
             <a:avLst/>
@@ -3925,8 +3926,8 @@
         </p:nvCxnSpPr>
         <p:spPr>
           <a:xfrm>
-            <a:off x="3876538" y="3246437"/>
-            <a:ext cx="1171712" cy="1566362"/>
+            <a:off x="3889238" y="3246437"/>
+            <a:ext cx="1159012" cy="1566362"/>
           </a:xfrm>
           <a:prstGeom prst="line">
             <a:avLst/>
@@ -4240,8 +4241,8 @@
         </p:nvSpPr>
         <p:spPr>
           <a:xfrm>
-            <a:off x="2742731" y="3128963"/>
-            <a:ext cx="724174" cy="117474"/>
+            <a:off x="2742731" y="3105150"/>
+            <a:ext cx="724174" cy="141287"/>
           </a:xfrm>
           <a:prstGeom prst="ellipse">
             <a:avLst/>
@@ -6050,6 +6051,829 @@
     <p:extLst>
       <p:ext uri="{BB962C8B-B14F-4D97-AF65-F5344CB8AC3E}">
         <p14:creationId xmlns:p14="http://schemas.microsoft.com/office/powerpoint/2010/main" val="622426086"/>
+      </p:ext>
+    </p:extLst>
+  </p:cSld>
+  <p:clrMapOvr>
+    <a:masterClrMapping/>
+  </p:clrMapOvr>
+</p:sld>
+</file>
+
+<file path=ppt/slides/slide3.xml><?xml version="1.0" encoding="utf-8"?>
+<p:sld xmlns:a="http://schemas.openxmlformats.org/drawingml/2006/main" xmlns:r="http://schemas.openxmlformats.org/officeDocument/2006/relationships" xmlns:p="http://schemas.openxmlformats.org/presentationml/2006/main">
+  <p:cSld>
+    <p:spTree>
+      <p:nvGrpSpPr>
+        <p:cNvPr id="1" name=""/>
+        <p:cNvGrpSpPr/>
+        <p:nvPr/>
+      </p:nvGrpSpPr>
+      <p:grpSpPr>
+        <a:xfrm>
+          <a:off x="0" y="0"/>
+          <a:ext cx="0" cy="0"/>
+          <a:chOff x="0" y="0"/>
+          <a:chExt cx="0" cy="0"/>
+        </a:xfrm>
+      </p:grpSpPr>
+      <p:pic>
+        <p:nvPicPr>
+          <p:cNvPr id="2" name="Image 1">
+            <a:extLst>
+              <a:ext uri="{FF2B5EF4-FFF2-40B4-BE49-F238E27FC236}">
+                <a16:creationId xmlns:a16="http://schemas.microsoft.com/office/drawing/2014/main" id="{F4A9522F-FBBC-4D62-8F46-D0DF863EB594}"/>
+              </a:ext>
+            </a:extLst>
+          </p:cNvPr>
+          <p:cNvPicPr>
+            <a:picLocks noChangeAspect="1"/>
+          </p:cNvPicPr>
+          <p:nvPr/>
+        </p:nvPicPr>
+        <p:blipFill>
+          <a:blip r:embed="rId2"/>
+          <a:stretch>
+            <a:fillRect/>
+          </a:stretch>
+        </p:blipFill>
+        <p:spPr>
+          <a:xfrm>
+            <a:off x="1809952" y="2324428"/>
+            <a:ext cx="3238095" cy="5257143"/>
+          </a:xfrm>
+          <a:prstGeom prst="rect">
+            <a:avLst/>
+          </a:prstGeom>
+        </p:spPr>
+      </p:pic>
+      <p:sp>
+        <p:nvSpPr>
+          <p:cNvPr id="3" name="Rectangle 2">
+            <a:extLst>
+              <a:ext uri="{FF2B5EF4-FFF2-40B4-BE49-F238E27FC236}">
+                <a16:creationId xmlns:a16="http://schemas.microsoft.com/office/drawing/2014/main" id="{D125CE23-BC74-4AD0-8023-07659B16E48F}"/>
+              </a:ext>
+            </a:extLst>
+          </p:cNvPr>
+          <p:cNvSpPr/>
+          <p:nvPr/>
+        </p:nvSpPr>
+        <p:spPr>
+          <a:xfrm>
+            <a:off x="5282053" y="2643809"/>
+            <a:ext cx="1059112" cy="536415"/>
+          </a:xfrm>
+          <a:prstGeom prst="rect">
+            <a:avLst/>
+          </a:prstGeom>
+          <a:solidFill>
+            <a:schemeClr val="bg1"/>
+          </a:solidFill>
+          <a:ln>
+            <a:noFill/>
+          </a:ln>
+        </p:spPr>
+        <p:style>
+          <a:lnRef idx="2">
+            <a:schemeClr val="accent1">
+              <a:shade val="50000"/>
+            </a:schemeClr>
+          </a:lnRef>
+          <a:fillRef idx="1">
+            <a:schemeClr val="accent1"/>
+          </a:fillRef>
+          <a:effectRef idx="0">
+            <a:schemeClr val="accent1"/>
+          </a:effectRef>
+          <a:fontRef idx="minor">
+            <a:schemeClr val="lt1"/>
+          </a:fontRef>
+        </p:style>
+        <p:txBody>
+          <a:bodyPr rtlCol="0" anchor="ctr"/>
+          <a:lstStyle/>
+          <a:p>
+            <a:pPr algn="ctr"/>
+            <a:r>
+              <a:rPr lang="fr-CH" sz="1100" dirty="0">
+                <a:solidFill>
+                  <a:srgbClr val="FF0000"/>
+                </a:solidFill>
+              </a:rPr>
+              <a:t>Nom de la configuration.</a:t>
+            </a:r>
+          </a:p>
+        </p:txBody>
+      </p:sp>
+      <p:sp>
+        <p:nvSpPr>
+          <p:cNvPr id="4" name="Ellipse 3">
+            <a:extLst>
+              <a:ext uri="{FF2B5EF4-FFF2-40B4-BE49-F238E27FC236}">
+                <a16:creationId xmlns:a16="http://schemas.microsoft.com/office/drawing/2014/main" id="{167821CA-ECEC-42DA-98BC-1DB8BE700CF0}"/>
+              </a:ext>
+            </a:extLst>
+          </p:cNvPr>
+          <p:cNvSpPr/>
+          <p:nvPr/>
+        </p:nvSpPr>
+        <p:spPr>
+          <a:xfrm>
+            <a:off x="2832652" y="3289852"/>
+            <a:ext cx="2215395" cy="258418"/>
+          </a:xfrm>
+          <a:prstGeom prst="ellipse">
+            <a:avLst/>
+          </a:prstGeom>
+          <a:ln w="12700">
+            <a:solidFill>
+              <a:srgbClr val="FF0000"/>
+            </a:solidFill>
+          </a:ln>
+        </p:spPr>
+        <p:style>
+          <a:lnRef idx="1">
+            <a:schemeClr val="accent1"/>
+          </a:lnRef>
+          <a:fillRef idx="0">
+            <a:schemeClr val="accent1"/>
+          </a:fillRef>
+          <a:effectRef idx="0">
+            <a:schemeClr val="accent1"/>
+          </a:effectRef>
+          <a:fontRef idx="minor">
+            <a:schemeClr val="tx1"/>
+          </a:fontRef>
+        </p:style>
+        <p:txBody>
+          <a:bodyPr rtlCol="0" anchor="ctr"/>
+          <a:lstStyle/>
+          <a:p>
+            <a:pPr algn="ctr"/>
+            <a:endParaRPr lang="fr-CH"/>
+          </a:p>
+        </p:txBody>
+      </p:sp>
+      <p:cxnSp>
+        <p:nvCxnSpPr>
+          <p:cNvPr id="6" name="Connecteur droit 5">
+            <a:extLst>
+              <a:ext uri="{FF2B5EF4-FFF2-40B4-BE49-F238E27FC236}">
+                <a16:creationId xmlns:a16="http://schemas.microsoft.com/office/drawing/2014/main" id="{8A9749F5-0EED-4F00-812F-7F02C613D966}"/>
+              </a:ext>
+            </a:extLst>
+          </p:cNvPr>
+          <p:cNvCxnSpPr>
+            <a:cxnSpLocks/>
+            <a:stCxn id="4" idx="6"/>
+            <a:endCxn id="3" idx="2"/>
+          </p:cNvCxnSpPr>
+          <p:nvPr/>
+        </p:nvCxnSpPr>
+        <p:spPr>
+          <a:xfrm flipV="1">
+            <a:off x="5048047" y="3180224"/>
+            <a:ext cx="763562" cy="238837"/>
+          </a:xfrm>
+          <a:prstGeom prst="line">
+            <a:avLst/>
+          </a:prstGeom>
+          <a:ln>
+            <a:solidFill>
+              <a:srgbClr val="FF0000"/>
+            </a:solidFill>
+          </a:ln>
+        </p:spPr>
+        <p:style>
+          <a:lnRef idx="1">
+            <a:schemeClr val="accent1"/>
+          </a:lnRef>
+          <a:fillRef idx="0">
+            <a:schemeClr val="accent1"/>
+          </a:fillRef>
+          <a:effectRef idx="0">
+            <a:schemeClr val="accent1"/>
+          </a:effectRef>
+          <a:fontRef idx="minor">
+            <a:schemeClr val="tx1"/>
+          </a:fontRef>
+        </p:style>
+      </p:cxnSp>
+      <p:sp>
+        <p:nvSpPr>
+          <p:cNvPr id="8" name="Rectangle 7">
+            <a:extLst>
+              <a:ext uri="{FF2B5EF4-FFF2-40B4-BE49-F238E27FC236}">
+                <a16:creationId xmlns:a16="http://schemas.microsoft.com/office/drawing/2014/main" id="{6B839AA3-BCFA-43D4-95FC-B25C3A4DD9C7}"/>
+              </a:ext>
+            </a:extLst>
+          </p:cNvPr>
+          <p:cNvSpPr/>
+          <p:nvPr/>
+        </p:nvSpPr>
+        <p:spPr>
+          <a:xfrm>
+            <a:off x="636104" y="3422374"/>
+            <a:ext cx="939842" cy="466841"/>
+          </a:xfrm>
+          <a:prstGeom prst="rect">
+            <a:avLst/>
+          </a:prstGeom>
+          <a:solidFill>
+            <a:schemeClr val="bg1"/>
+          </a:solidFill>
+          <a:ln>
+            <a:noFill/>
+          </a:ln>
+        </p:spPr>
+        <p:style>
+          <a:lnRef idx="2">
+            <a:schemeClr val="accent1">
+              <a:shade val="50000"/>
+            </a:schemeClr>
+          </a:lnRef>
+          <a:fillRef idx="1">
+            <a:schemeClr val="accent1"/>
+          </a:fillRef>
+          <a:effectRef idx="0">
+            <a:schemeClr val="accent1"/>
+          </a:effectRef>
+          <a:fontRef idx="minor">
+            <a:schemeClr val="lt1"/>
+          </a:fontRef>
+        </p:style>
+        <p:txBody>
+          <a:bodyPr rtlCol="0" anchor="ctr"/>
+          <a:lstStyle/>
+          <a:p>
+            <a:pPr algn="ctr"/>
+            <a:r>
+              <a:rPr lang="fr-CH" sz="1100" dirty="0">
+                <a:solidFill>
+                  <a:srgbClr val="FF0000"/>
+                </a:solidFill>
+              </a:rPr>
+              <a:t>Bouton sauvegarder.</a:t>
+            </a:r>
+          </a:p>
+        </p:txBody>
+      </p:sp>
+      <p:sp>
+        <p:nvSpPr>
+          <p:cNvPr id="9" name="Ellipse 8">
+            <a:extLst>
+              <a:ext uri="{FF2B5EF4-FFF2-40B4-BE49-F238E27FC236}">
+                <a16:creationId xmlns:a16="http://schemas.microsoft.com/office/drawing/2014/main" id="{E8B3CD15-7CC0-4339-98A4-08FFFC0BF53D}"/>
+              </a:ext>
+            </a:extLst>
+          </p:cNvPr>
+          <p:cNvSpPr/>
+          <p:nvPr/>
+        </p:nvSpPr>
+        <p:spPr>
+          <a:xfrm>
+            <a:off x="2633867" y="3675672"/>
+            <a:ext cx="1590264" cy="258418"/>
+          </a:xfrm>
+          <a:prstGeom prst="ellipse">
+            <a:avLst/>
+          </a:prstGeom>
+          <a:ln w="12700">
+            <a:solidFill>
+              <a:srgbClr val="FF0000"/>
+            </a:solidFill>
+          </a:ln>
+        </p:spPr>
+        <p:style>
+          <a:lnRef idx="1">
+            <a:schemeClr val="accent1"/>
+          </a:lnRef>
+          <a:fillRef idx="0">
+            <a:schemeClr val="accent1"/>
+          </a:fillRef>
+          <a:effectRef idx="0">
+            <a:schemeClr val="accent1"/>
+          </a:effectRef>
+          <a:fontRef idx="minor">
+            <a:schemeClr val="tx1"/>
+          </a:fontRef>
+        </p:style>
+        <p:txBody>
+          <a:bodyPr rtlCol="0" anchor="ctr"/>
+          <a:lstStyle/>
+          <a:p>
+            <a:pPr algn="ctr"/>
+            <a:endParaRPr lang="fr-CH"/>
+          </a:p>
+        </p:txBody>
+      </p:sp>
+      <p:cxnSp>
+        <p:nvCxnSpPr>
+          <p:cNvPr id="11" name="Connecteur droit 10">
+            <a:extLst>
+              <a:ext uri="{FF2B5EF4-FFF2-40B4-BE49-F238E27FC236}">
+                <a16:creationId xmlns:a16="http://schemas.microsoft.com/office/drawing/2014/main" id="{6391A9AD-BA49-4FDD-AEC1-99C590FEC2BD}"/>
+              </a:ext>
+            </a:extLst>
+          </p:cNvPr>
+          <p:cNvCxnSpPr>
+            <a:cxnSpLocks/>
+            <a:stCxn id="8" idx="3"/>
+            <a:endCxn id="9" idx="2"/>
+          </p:cNvCxnSpPr>
+          <p:nvPr/>
+        </p:nvCxnSpPr>
+        <p:spPr>
+          <a:xfrm>
+            <a:off x="1575946" y="3655795"/>
+            <a:ext cx="1057921" cy="149086"/>
+          </a:xfrm>
+          <a:prstGeom prst="line">
+            <a:avLst/>
+          </a:prstGeom>
+          <a:ln>
+            <a:solidFill>
+              <a:srgbClr val="FF0000"/>
+            </a:solidFill>
+          </a:ln>
+        </p:spPr>
+        <p:style>
+          <a:lnRef idx="1">
+            <a:schemeClr val="accent1"/>
+          </a:lnRef>
+          <a:fillRef idx="0">
+            <a:schemeClr val="accent1"/>
+          </a:fillRef>
+          <a:effectRef idx="0">
+            <a:schemeClr val="accent1"/>
+          </a:effectRef>
+          <a:fontRef idx="minor">
+            <a:schemeClr val="tx1"/>
+          </a:fontRef>
+        </p:style>
+      </p:cxnSp>
+      <p:sp>
+        <p:nvSpPr>
+          <p:cNvPr id="13" name="Rectangle 12">
+            <a:extLst>
+              <a:ext uri="{FF2B5EF4-FFF2-40B4-BE49-F238E27FC236}">
+                <a16:creationId xmlns:a16="http://schemas.microsoft.com/office/drawing/2014/main" id="{A4DC5E86-1289-4BBD-B6AE-4F5E109663D1}"/>
+              </a:ext>
+            </a:extLst>
+          </p:cNvPr>
+          <p:cNvSpPr/>
+          <p:nvPr/>
+        </p:nvSpPr>
+        <p:spPr>
+          <a:xfrm>
+            <a:off x="5282053" y="5157266"/>
+            <a:ext cx="1212850" cy="466841"/>
+          </a:xfrm>
+          <a:prstGeom prst="rect">
+            <a:avLst/>
+          </a:prstGeom>
+          <a:solidFill>
+            <a:schemeClr val="bg1"/>
+          </a:solidFill>
+          <a:ln>
+            <a:noFill/>
+          </a:ln>
+        </p:spPr>
+        <p:style>
+          <a:lnRef idx="2">
+            <a:schemeClr val="accent1">
+              <a:shade val="50000"/>
+            </a:schemeClr>
+          </a:lnRef>
+          <a:fillRef idx="1">
+            <a:schemeClr val="accent1"/>
+          </a:fillRef>
+          <a:effectRef idx="0">
+            <a:schemeClr val="accent1"/>
+          </a:effectRef>
+          <a:fontRef idx="minor">
+            <a:schemeClr val="lt1"/>
+          </a:fontRef>
+        </p:style>
+        <p:txBody>
+          <a:bodyPr rtlCol="0" anchor="ctr"/>
+          <a:lstStyle/>
+          <a:p>
+            <a:pPr algn="ctr"/>
+            <a:r>
+              <a:rPr lang="fr-CH" sz="1100" dirty="0">
+                <a:solidFill>
+                  <a:srgbClr val="FF0000"/>
+                </a:solidFill>
+              </a:rPr>
+              <a:t>Bouton charger.</a:t>
+            </a:r>
+          </a:p>
+        </p:txBody>
+      </p:sp>
+      <p:sp>
+        <p:nvSpPr>
+          <p:cNvPr id="14" name="Ellipse 13">
+            <a:extLst>
+              <a:ext uri="{FF2B5EF4-FFF2-40B4-BE49-F238E27FC236}">
+                <a16:creationId xmlns:a16="http://schemas.microsoft.com/office/drawing/2014/main" id="{DB1DBF70-790D-4A24-B01C-BFC23F3C5A69}"/>
+              </a:ext>
+            </a:extLst>
+          </p:cNvPr>
+          <p:cNvSpPr/>
+          <p:nvPr/>
+        </p:nvSpPr>
+        <p:spPr>
+          <a:xfrm>
+            <a:off x="3780210" y="5371107"/>
+            <a:ext cx="1179416" cy="258418"/>
+          </a:xfrm>
+          <a:prstGeom prst="ellipse">
+            <a:avLst/>
+          </a:prstGeom>
+          <a:ln w="12700">
+            <a:solidFill>
+              <a:srgbClr val="FF0000"/>
+            </a:solidFill>
+          </a:ln>
+        </p:spPr>
+        <p:style>
+          <a:lnRef idx="1">
+            <a:schemeClr val="accent1"/>
+          </a:lnRef>
+          <a:fillRef idx="0">
+            <a:schemeClr val="accent1"/>
+          </a:fillRef>
+          <a:effectRef idx="0">
+            <a:schemeClr val="accent1"/>
+          </a:effectRef>
+          <a:fontRef idx="minor">
+            <a:schemeClr val="tx1"/>
+          </a:fontRef>
+        </p:style>
+        <p:txBody>
+          <a:bodyPr rtlCol="0" anchor="ctr"/>
+          <a:lstStyle/>
+          <a:p>
+            <a:pPr algn="ctr"/>
+            <a:endParaRPr lang="fr-CH"/>
+          </a:p>
+        </p:txBody>
+      </p:sp>
+      <p:sp>
+        <p:nvSpPr>
+          <p:cNvPr id="15" name="Ellipse 14">
+            <a:extLst>
+              <a:ext uri="{FF2B5EF4-FFF2-40B4-BE49-F238E27FC236}">
+                <a16:creationId xmlns:a16="http://schemas.microsoft.com/office/drawing/2014/main" id="{3DF3B228-9ABA-456A-9F83-1B191DE60DDA}"/>
+              </a:ext>
+            </a:extLst>
+          </p:cNvPr>
+          <p:cNvSpPr/>
+          <p:nvPr/>
+        </p:nvSpPr>
+        <p:spPr>
+          <a:xfrm>
+            <a:off x="3780210" y="6032872"/>
+            <a:ext cx="1179416" cy="258418"/>
+          </a:xfrm>
+          <a:prstGeom prst="ellipse">
+            <a:avLst/>
+          </a:prstGeom>
+          <a:ln w="12700">
+            <a:solidFill>
+              <a:srgbClr val="FF0000"/>
+            </a:solidFill>
+          </a:ln>
+        </p:spPr>
+        <p:style>
+          <a:lnRef idx="1">
+            <a:schemeClr val="accent1"/>
+          </a:lnRef>
+          <a:fillRef idx="0">
+            <a:schemeClr val="accent1"/>
+          </a:fillRef>
+          <a:effectRef idx="0">
+            <a:schemeClr val="accent1"/>
+          </a:effectRef>
+          <a:fontRef idx="minor">
+            <a:schemeClr val="tx1"/>
+          </a:fontRef>
+        </p:style>
+        <p:txBody>
+          <a:bodyPr rtlCol="0" anchor="ctr"/>
+          <a:lstStyle/>
+          <a:p>
+            <a:pPr algn="ctr"/>
+            <a:endParaRPr lang="fr-CH"/>
+          </a:p>
+        </p:txBody>
+      </p:sp>
+      <p:sp>
+        <p:nvSpPr>
+          <p:cNvPr id="16" name="Rectangle 15">
+            <a:extLst>
+              <a:ext uri="{FF2B5EF4-FFF2-40B4-BE49-F238E27FC236}">
+                <a16:creationId xmlns:a16="http://schemas.microsoft.com/office/drawing/2014/main" id="{149AEEC3-6E18-40AE-A92B-68750756A8D7}"/>
+              </a:ext>
+            </a:extLst>
+          </p:cNvPr>
+          <p:cNvSpPr/>
+          <p:nvPr/>
+        </p:nvSpPr>
+        <p:spPr>
+          <a:xfrm>
+            <a:off x="5282053" y="5799451"/>
+            <a:ext cx="1212850" cy="466841"/>
+          </a:xfrm>
+          <a:prstGeom prst="rect">
+            <a:avLst/>
+          </a:prstGeom>
+          <a:solidFill>
+            <a:schemeClr val="bg1"/>
+          </a:solidFill>
+          <a:ln>
+            <a:noFill/>
+          </a:ln>
+        </p:spPr>
+        <p:style>
+          <a:lnRef idx="2">
+            <a:schemeClr val="accent1">
+              <a:shade val="50000"/>
+            </a:schemeClr>
+          </a:lnRef>
+          <a:fillRef idx="1">
+            <a:schemeClr val="accent1"/>
+          </a:fillRef>
+          <a:effectRef idx="0">
+            <a:schemeClr val="accent1"/>
+          </a:effectRef>
+          <a:fontRef idx="minor">
+            <a:schemeClr val="lt1"/>
+          </a:fontRef>
+        </p:style>
+        <p:txBody>
+          <a:bodyPr rtlCol="0" anchor="ctr"/>
+          <a:lstStyle/>
+          <a:p>
+            <a:pPr algn="ctr"/>
+            <a:r>
+              <a:rPr lang="fr-CH" sz="1100" dirty="0">
+                <a:solidFill>
+                  <a:srgbClr val="FF0000"/>
+                </a:solidFill>
+              </a:rPr>
+              <a:t>Bouton effacer.</a:t>
+            </a:r>
+          </a:p>
+        </p:txBody>
+      </p:sp>
+      <p:cxnSp>
+        <p:nvCxnSpPr>
+          <p:cNvPr id="18" name="Connecteur droit 17">
+            <a:extLst>
+              <a:ext uri="{FF2B5EF4-FFF2-40B4-BE49-F238E27FC236}">
+                <a16:creationId xmlns:a16="http://schemas.microsoft.com/office/drawing/2014/main" id="{402142CA-56D6-433B-B4C1-E32A7C890E74}"/>
+              </a:ext>
+            </a:extLst>
+          </p:cNvPr>
+          <p:cNvCxnSpPr>
+            <a:stCxn id="14" idx="6"/>
+            <a:endCxn id="13" idx="1"/>
+          </p:cNvCxnSpPr>
+          <p:nvPr/>
+        </p:nvCxnSpPr>
+        <p:spPr>
+          <a:xfrm flipV="1">
+            <a:off x="4959626" y="5390687"/>
+            <a:ext cx="322427" cy="109629"/>
+          </a:xfrm>
+          <a:prstGeom prst="line">
+            <a:avLst/>
+          </a:prstGeom>
+          <a:ln>
+            <a:solidFill>
+              <a:srgbClr val="FF0000"/>
+            </a:solidFill>
+          </a:ln>
+        </p:spPr>
+        <p:style>
+          <a:lnRef idx="1">
+            <a:schemeClr val="accent1"/>
+          </a:lnRef>
+          <a:fillRef idx="0">
+            <a:schemeClr val="accent1"/>
+          </a:fillRef>
+          <a:effectRef idx="0">
+            <a:schemeClr val="accent1"/>
+          </a:effectRef>
+          <a:fontRef idx="minor">
+            <a:schemeClr val="tx1"/>
+          </a:fontRef>
+        </p:style>
+      </p:cxnSp>
+      <p:cxnSp>
+        <p:nvCxnSpPr>
+          <p:cNvPr id="20" name="Connecteur droit 19">
+            <a:extLst>
+              <a:ext uri="{FF2B5EF4-FFF2-40B4-BE49-F238E27FC236}">
+                <a16:creationId xmlns:a16="http://schemas.microsoft.com/office/drawing/2014/main" id="{6F08B519-BE24-4A9D-BAC8-474D1C2FBC82}"/>
+              </a:ext>
+            </a:extLst>
+          </p:cNvPr>
+          <p:cNvCxnSpPr>
+            <a:stCxn id="15" idx="6"/>
+            <a:endCxn id="16" idx="1"/>
+          </p:cNvCxnSpPr>
+          <p:nvPr/>
+        </p:nvCxnSpPr>
+        <p:spPr>
+          <a:xfrm flipV="1">
+            <a:off x="4959626" y="6032872"/>
+            <a:ext cx="322427" cy="129209"/>
+          </a:xfrm>
+          <a:prstGeom prst="line">
+            <a:avLst/>
+          </a:prstGeom>
+          <a:ln>
+            <a:solidFill>
+              <a:srgbClr val="FF0000"/>
+            </a:solidFill>
+          </a:ln>
+        </p:spPr>
+        <p:style>
+          <a:lnRef idx="1">
+            <a:schemeClr val="accent1"/>
+          </a:lnRef>
+          <a:fillRef idx="0">
+            <a:schemeClr val="accent1"/>
+          </a:fillRef>
+          <a:effectRef idx="0">
+            <a:schemeClr val="accent1"/>
+          </a:effectRef>
+          <a:fontRef idx="minor">
+            <a:schemeClr val="tx1"/>
+          </a:fontRef>
+        </p:style>
+      </p:cxnSp>
+      <p:sp>
+        <p:nvSpPr>
+          <p:cNvPr id="21" name="Ellipse 20">
+            <a:extLst>
+              <a:ext uri="{FF2B5EF4-FFF2-40B4-BE49-F238E27FC236}">
+                <a16:creationId xmlns:a16="http://schemas.microsoft.com/office/drawing/2014/main" id="{6B0BB3F7-3890-48A8-9615-CA828F86F547}"/>
+              </a:ext>
+            </a:extLst>
+          </p:cNvPr>
+          <p:cNvSpPr/>
+          <p:nvPr/>
+        </p:nvSpPr>
+        <p:spPr>
+          <a:xfrm>
+            <a:off x="1809952" y="4422914"/>
+            <a:ext cx="1970258" cy="1077402"/>
+          </a:xfrm>
+          <a:prstGeom prst="ellipse">
+            <a:avLst/>
+          </a:prstGeom>
+          <a:ln w="12700">
+            <a:solidFill>
+              <a:srgbClr val="FF0000"/>
+            </a:solidFill>
+          </a:ln>
+        </p:spPr>
+        <p:style>
+          <a:lnRef idx="1">
+            <a:schemeClr val="accent1"/>
+          </a:lnRef>
+          <a:fillRef idx="0">
+            <a:schemeClr val="accent1"/>
+          </a:fillRef>
+          <a:effectRef idx="0">
+            <a:schemeClr val="accent1"/>
+          </a:effectRef>
+          <a:fontRef idx="minor">
+            <a:schemeClr val="tx1"/>
+          </a:fontRef>
+        </p:style>
+        <p:txBody>
+          <a:bodyPr rtlCol="0" anchor="ctr"/>
+          <a:lstStyle/>
+          <a:p>
+            <a:pPr algn="ctr"/>
+            <a:endParaRPr lang="fr-CH"/>
+          </a:p>
+        </p:txBody>
+      </p:sp>
+      <p:sp>
+        <p:nvSpPr>
+          <p:cNvPr id="22" name="Rectangle 21">
+            <a:extLst>
+              <a:ext uri="{FF2B5EF4-FFF2-40B4-BE49-F238E27FC236}">
+                <a16:creationId xmlns:a16="http://schemas.microsoft.com/office/drawing/2014/main" id="{F2AED996-E166-42B7-99D7-1C0ACDCB8AC3}"/>
+              </a:ext>
+            </a:extLst>
+          </p:cNvPr>
+          <p:cNvSpPr/>
+          <p:nvPr/>
+        </p:nvSpPr>
+        <p:spPr>
+          <a:xfrm>
+            <a:off x="523992" y="5140701"/>
+            <a:ext cx="1164066" cy="624359"/>
+          </a:xfrm>
+          <a:prstGeom prst="rect">
+            <a:avLst/>
+          </a:prstGeom>
+          <a:solidFill>
+            <a:schemeClr val="bg1"/>
+          </a:solidFill>
+          <a:ln>
+            <a:noFill/>
+          </a:ln>
+        </p:spPr>
+        <p:style>
+          <a:lnRef idx="2">
+            <a:schemeClr val="accent1">
+              <a:shade val="50000"/>
+            </a:schemeClr>
+          </a:lnRef>
+          <a:fillRef idx="1">
+            <a:schemeClr val="accent1"/>
+          </a:fillRef>
+          <a:effectRef idx="0">
+            <a:schemeClr val="accent1"/>
+          </a:effectRef>
+          <a:fontRef idx="minor">
+            <a:schemeClr val="lt1"/>
+          </a:fontRef>
+        </p:style>
+        <p:txBody>
+          <a:bodyPr rtlCol="0" anchor="ctr"/>
+          <a:lstStyle/>
+          <a:p>
+            <a:pPr algn="ctr"/>
+            <a:r>
+              <a:rPr lang="fr-CH" sz="1100" dirty="0">
+                <a:solidFill>
+                  <a:srgbClr val="FF0000"/>
+                </a:solidFill>
+              </a:rPr>
+              <a:t>Liste des configurations sauvegardées.</a:t>
+            </a:r>
+          </a:p>
+        </p:txBody>
+      </p:sp>
+      <p:cxnSp>
+        <p:nvCxnSpPr>
+          <p:cNvPr id="24" name="Connecteur droit 23">
+            <a:extLst>
+              <a:ext uri="{FF2B5EF4-FFF2-40B4-BE49-F238E27FC236}">
+                <a16:creationId xmlns:a16="http://schemas.microsoft.com/office/drawing/2014/main" id="{C59A013F-DDD4-466C-A90F-D809E746FF47}"/>
+              </a:ext>
+            </a:extLst>
+          </p:cNvPr>
+          <p:cNvCxnSpPr>
+            <a:cxnSpLocks/>
+            <a:stCxn id="21" idx="2"/>
+            <a:endCxn id="22" idx="0"/>
+          </p:cNvCxnSpPr>
+          <p:nvPr/>
+        </p:nvCxnSpPr>
+        <p:spPr>
+          <a:xfrm flipH="1">
+            <a:off x="1106025" y="4961615"/>
+            <a:ext cx="703927" cy="179086"/>
+          </a:xfrm>
+          <a:prstGeom prst="line">
+            <a:avLst/>
+          </a:prstGeom>
+          <a:ln>
+            <a:solidFill>
+              <a:srgbClr val="FF0000"/>
+            </a:solidFill>
+          </a:ln>
+        </p:spPr>
+        <p:style>
+          <a:lnRef idx="1">
+            <a:schemeClr val="accent1"/>
+          </a:lnRef>
+          <a:fillRef idx="0">
+            <a:schemeClr val="accent1"/>
+          </a:fillRef>
+          <a:effectRef idx="0">
+            <a:schemeClr val="accent1"/>
+          </a:effectRef>
+          <a:fontRef idx="minor">
+            <a:schemeClr val="tx1"/>
+          </a:fontRef>
+        </p:style>
+      </p:cxnSp>
+    </p:spTree>
+    <p:extLst>
+      <p:ext uri="{BB962C8B-B14F-4D97-AF65-F5344CB8AC3E}">
+        <p14:creationId xmlns:p14="http://schemas.microsoft.com/office/powerpoint/2010/main" val="1522257120"/>
       </p:ext>
     </p:extLst>
   </p:cSld>

--- a/Doc/Manuels/Panneau config.pptx
+++ b/Doc/Manuels/Panneau config.pptx
@@ -7,7 +7,8 @@
   <p:sldIdLst>
     <p:sldId id="257" r:id="rId2"/>
     <p:sldId id="258" r:id="rId3"/>
-    <p:sldId id="259" r:id="rId4"/>
+    <p:sldId id="260" r:id="rId4"/>
+    <p:sldId id="259" r:id="rId5"/>
   </p:sldIdLst>
   <p:sldSz cx="6858000" cy="9906000" type="A4"/>
   <p:notesSz cx="6858000" cy="9144000"/>
@@ -245,7 +246,7 @@
           <a:p>
             <a:fld id="{A019C843-81E1-4383-9F8F-73842B62BEA2}" type="datetimeFigureOut">
               <a:rPr lang="fr-CH" smtClean="0"/>
-              <a:t>13.05.2020</a:t>
+              <a:t>14.08.2020</a:t>
             </a:fld>
             <a:endParaRPr lang="fr-CH"/>
           </a:p>
@@ -415,7 +416,7 @@
           <a:p>
             <a:fld id="{A019C843-81E1-4383-9F8F-73842B62BEA2}" type="datetimeFigureOut">
               <a:rPr lang="fr-CH" smtClean="0"/>
-              <a:t>13.05.2020</a:t>
+              <a:t>14.08.2020</a:t>
             </a:fld>
             <a:endParaRPr lang="fr-CH"/>
           </a:p>
@@ -595,7 +596,7 @@
           <a:p>
             <a:fld id="{A019C843-81E1-4383-9F8F-73842B62BEA2}" type="datetimeFigureOut">
               <a:rPr lang="fr-CH" smtClean="0"/>
-              <a:t>13.05.2020</a:t>
+              <a:t>14.08.2020</a:t>
             </a:fld>
             <a:endParaRPr lang="fr-CH"/>
           </a:p>
@@ -765,7 +766,7 @@
           <a:p>
             <a:fld id="{A019C843-81E1-4383-9F8F-73842B62BEA2}" type="datetimeFigureOut">
               <a:rPr lang="fr-CH" smtClean="0"/>
-              <a:t>13.05.2020</a:t>
+              <a:t>14.08.2020</a:t>
             </a:fld>
             <a:endParaRPr lang="fr-CH"/>
           </a:p>
@@ -1009,7 +1010,7 @@
           <a:p>
             <a:fld id="{A019C843-81E1-4383-9F8F-73842B62BEA2}" type="datetimeFigureOut">
               <a:rPr lang="fr-CH" smtClean="0"/>
-              <a:t>13.05.2020</a:t>
+              <a:t>14.08.2020</a:t>
             </a:fld>
             <a:endParaRPr lang="fr-CH"/>
           </a:p>
@@ -1241,7 +1242,7 @@
           <a:p>
             <a:fld id="{A019C843-81E1-4383-9F8F-73842B62BEA2}" type="datetimeFigureOut">
               <a:rPr lang="fr-CH" smtClean="0"/>
-              <a:t>13.05.2020</a:t>
+              <a:t>14.08.2020</a:t>
             </a:fld>
             <a:endParaRPr lang="fr-CH"/>
           </a:p>
@@ -1608,7 +1609,7 @@
           <a:p>
             <a:fld id="{A019C843-81E1-4383-9F8F-73842B62BEA2}" type="datetimeFigureOut">
               <a:rPr lang="fr-CH" smtClean="0"/>
-              <a:t>13.05.2020</a:t>
+              <a:t>14.08.2020</a:t>
             </a:fld>
             <a:endParaRPr lang="fr-CH"/>
           </a:p>
@@ -1726,7 +1727,7 @@
           <a:p>
             <a:fld id="{A019C843-81E1-4383-9F8F-73842B62BEA2}" type="datetimeFigureOut">
               <a:rPr lang="fr-CH" smtClean="0"/>
-              <a:t>13.05.2020</a:t>
+              <a:t>14.08.2020</a:t>
             </a:fld>
             <a:endParaRPr lang="fr-CH"/>
           </a:p>
@@ -1821,7 +1822,7 @@
           <a:p>
             <a:fld id="{A019C843-81E1-4383-9F8F-73842B62BEA2}" type="datetimeFigureOut">
               <a:rPr lang="fr-CH" smtClean="0"/>
-              <a:t>13.05.2020</a:t>
+              <a:t>14.08.2020</a:t>
             </a:fld>
             <a:endParaRPr lang="fr-CH"/>
           </a:p>
@@ -2098,7 +2099,7 @@
           <a:p>
             <a:fld id="{A019C843-81E1-4383-9F8F-73842B62BEA2}" type="datetimeFigureOut">
               <a:rPr lang="fr-CH" smtClean="0"/>
-              <a:t>13.05.2020</a:t>
+              <a:t>14.08.2020</a:t>
             </a:fld>
             <a:endParaRPr lang="fr-CH"/>
           </a:p>
@@ -2355,7 +2356,7 @@
           <a:p>
             <a:fld id="{A019C843-81E1-4383-9F8F-73842B62BEA2}" type="datetimeFigureOut">
               <a:rPr lang="fr-CH" smtClean="0"/>
-              <a:t>13.05.2020</a:t>
+              <a:t>14.08.2020</a:t>
             </a:fld>
             <a:endParaRPr lang="fr-CH"/>
           </a:p>
@@ -2568,7 +2569,7 @@
           <a:p>
             <a:fld id="{A019C843-81E1-4383-9F8F-73842B62BEA2}" type="datetimeFigureOut">
               <a:rPr lang="fr-CH" smtClean="0"/>
-              <a:t>13.05.2020</a:t>
+              <a:t>14.08.2020</a:t>
             </a:fld>
             <a:endParaRPr lang="fr-CH"/>
           </a:p>
@@ -6047,6 +6048,35 @@
           </a:fontRef>
         </p:style>
       </p:cxnSp>
+      <p:pic>
+        <p:nvPicPr>
+          <p:cNvPr id="22" name="Image 21">
+            <a:extLst>
+              <a:ext uri="{FF2B5EF4-FFF2-40B4-BE49-F238E27FC236}">
+                <a16:creationId xmlns:a16="http://schemas.microsoft.com/office/drawing/2014/main" id="{79672442-59E7-4961-BE0A-C6B41FBD3A16}"/>
+              </a:ext>
+            </a:extLst>
+          </p:cNvPr>
+          <p:cNvPicPr>
+            <a:picLocks noChangeAspect="1"/>
+          </p:cNvPicPr>
+          <p:nvPr/>
+        </p:nvPicPr>
+        <p:blipFill rotWithShape="1">
+          <a:blip r:embed="rId3"/>
+          <a:srcRect b="46917"/>
+          <a:stretch/>
+        </p:blipFill>
+        <p:spPr>
+          <a:xfrm>
+            <a:off x="7113666" y="2252039"/>
+            <a:ext cx="3323809" cy="5050498"/>
+          </a:xfrm>
+          <a:prstGeom prst="rect">
+            <a:avLst/>
+          </a:prstGeom>
+        </p:spPr>
+      </p:pic>
     </p:spTree>
     <p:extLst>
       <p:ext uri="{BB962C8B-B14F-4D97-AF65-F5344CB8AC3E}">
@@ -6061,6 +6091,2454 @@
 </file>
 
 <file path=ppt/slides/slide3.xml><?xml version="1.0" encoding="utf-8"?>
+<p:sld xmlns:a="http://schemas.openxmlformats.org/drawingml/2006/main" xmlns:r="http://schemas.openxmlformats.org/officeDocument/2006/relationships" xmlns:p="http://schemas.openxmlformats.org/presentationml/2006/main">
+  <p:cSld>
+    <p:spTree>
+      <p:nvGrpSpPr>
+        <p:cNvPr id="1" name=""/>
+        <p:cNvGrpSpPr/>
+        <p:nvPr/>
+      </p:nvGrpSpPr>
+      <p:grpSpPr>
+        <a:xfrm>
+          <a:off x="0" y="0"/>
+          <a:ext cx="0" cy="0"/>
+          <a:chOff x="0" y="0"/>
+          <a:chExt cx="0" cy="0"/>
+        </a:xfrm>
+      </p:grpSpPr>
+      <p:pic>
+        <p:nvPicPr>
+          <p:cNvPr id="57" name="Image 56">
+            <a:extLst>
+              <a:ext uri="{FF2B5EF4-FFF2-40B4-BE49-F238E27FC236}">
+                <a16:creationId xmlns:a16="http://schemas.microsoft.com/office/drawing/2014/main" id="{264E3B4D-0D47-4DE6-BC3F-B1576FD4C82C}"/>
+              </a:ext>
+            </a:extLst>
+          </p:cNvPr>
+          <p:cNvPicPr>
+            <a:picLocks noChangeAspect="1"/>
+          </p:cNvPicPr>
+          <p:nvPr/>
+        </p:nvPicPr>
+        <p:blipFill rotWithShape="1">
+          <a:blip r:embed="rId2"/>
+          <a:srcRect b="46872"/>
+          <a:stretch/>
+        </p:blipFill>
+        <p:spPr>
+          <a:xfrm>
+            <a:off x="1804905" y="3609323"/>
+            <a:ext cx="2494800" cy="3794027"/>
+          </a:xfrm>
+          <a:prstGeom prst="rect">
+            <a:avLst/>
+          </a:prstGeom>
+          <a:ln w="6350">
+            <a:solidFill>
+              <a:schemeClr val="tx1"/>
+            </a:solidFill>
+          </a:ln>
+        </p:spPr>
+      </p:pic>
+      <p:sp>
+        <p:nvSpPr>
+          <p:cNvPr id="3" name="Rectangle 2">
+            <a:extLst>
+              <a:ext uri="{FF2B5EF4-FFF2-40B4-BE49-F238E27FC236}">
+                <a16:creationId xmlns:a16="http://schemas.microsoft.com/office/drawing/2014/main" id="{1BE15835-AFBB-4696-9CA4-56C1DA300B74}"/>
+              </a:ext>
+            </a:extLst>
+          </p:cNvPr>
+          <p:cNvSpPr/>
+          <p:nvPr/>
+        </p:nvSpPr>
+        <p:spPr>
+          <a:xfrm>
+            <a:off x="476250" y="3614905"/>
+            <a:ext cx="1212850" cy="463703"/>
+          </a:xfrm>
+          <a:prstGeom prst="rect">
+            <a:avLst/>
+          </a:prstGeom>
+          <a:solidFill>
+            <a:schemeClr val="bg1"/>
+          </a:solidFill>
+          <a:ln>
+            <a:noFill/>
+          </a:ln>
+        </p:spPr>
+        <p:style>
+          <a:lnRef idx="2">
+            <a:schemeClr val="accent1">
+              <a:shade val="50000"/>
+            </a:schemeClr>
+          </a:lnRef>
+          <a:fillRef idx="1">
+            <a:schemeClr val="accent1"/>
+          </a:fillRef>
+          <a:effectRef idx="0">
+            <a:schemeClr val="accent1"/>
+          </a:effectRef>
+          <a:fontRef idx="minor">
+            <a:schemeClr val="lt1"/>
+          </a:fontRef>
+        </p:style>
+        <p:txBody>
+          <a:bodyPr lIns="0" rIns="0" rtlCol="0" anchor="ctr"/>
+          <a:lstStyle/>
+          <a:p>
+            <a:pPr algn="ctr"/>
+            <a:r>
+              <a:rPr lang="fr-CH" sz="1100" dirty="0">
+                <a:solidFill>
+                  <a:srgbClr val="FF0000"/>
+                </a:solidFill>
+                <a:latin typeface="+mj-lt"/>
+              </a:rPr>
+              <a:t>Active la fonction «Lettres»</a:t>
+            </a:r>
+          </a:p>
+        </p:txBody>
+      </p:sp>
+      <p:sp>
+        <p:nvSpPr>
+          <p:cNvPr id="5" name="Rectangle 4">
+            <a:extLst>
+              <a:ext uri="{FF2B5EF4-FFF2-40B4-BE49-F238E27FC236}">
+                <a16:creationId xmlns:a16="http://schemas.microsoft.com/office/drawing/2014/main" id="{D4FCF9BF-F1EE-415C-9877-D4C9C086D8FB}"/>
+              </a:ext>
+            </a:extLst>
+          </p:cNvPr>
+          <p:cNvSpPr/>
+          <p:nvPr/>
+        </p:nvSpPr>
+        <p:spPr>
+          <a:xfrm>
+            <a:off x="2196856" y="2930554"/>
+            <a:ext cx="1723130" cy="578003"/>
+          </a:xfrm>
+          <a:prstGeom prst="rect">
+            <a:avLst/>
+          </a:prstGeom>
+          <a:solidFill>
+            <a:schemeClr val="bg1"/>
+          </a:solidFill>
+          <a:ln>
+            <a:noFill/>
+          </a:ln>
+        </p:spPr>
+        <p:style>
+          <a:lnRef idx="2">
+            <a:schemeClr val="accent1">
+              <a:shade val="50000"/>
+            </a:schemeClr>
+          </a:lnRef>
+          <a:fillRef idx="1">
+            <a:schemeClr val="accent1"/>
+          </a:fillRef>
+          <a:effectRef idx="0">
+            <a:schemeClr val="accent1"/>
+          </a:effectRef>
+          <a:fontRef idx="minor">
+            <a:schemeClr val="lt1"/>
+          </a:fontRef>
+        </p:style>
+        <p:txBody>
+          <a:bodyPr lIns="0" rIns="0" rtlCol="0" anchor="ctr"/>
+          <a:lstStyle/>
+          <a:p>
+            <a:pPr algn="ctr"/>
+            <a:r>
+              <a:rPr lang="fr-CH" sz="1100" dirty="0">
+                <a:solidFill>
+                  <a:srgbClr val="FF0000"/>
+                </a:solidFill>
+                <a:latin typeface="+mj-lt"/>
+              </a:rPr>
+              <a:t>Réinitialise les lettres choisies à b, p, d et q dans les couleurs de départ</a:t>
+            </a:r>
+          </a:p>
+        </p:txBody>
+      </p:sp>
+      <p:sp>
+        <p:nvSpPr>
+          <p:cNvPr id="6" name="Rectangle 5">
+            <a:extLst>
+              <a:ext uri="{FF2B5EF4-FFF2-40B4-BE49-F238E27FC236}">
+                <a16:creationId xmlns:a16="http://schemas.microsoft.com/office/drawing/2014/main" id="{99030BBC-20B2-4560-AE23-AAB00195ABC5}"/>
+              </a:ext>
+            </a:extLst>
+          </p:cNvPr>
+          <p:cNvSpPr/>
+          <p:nvPr/>
+        </p:nvSpPr>
+        <p:spPr>
+          <a:xfrm>
+            <a:off x="564174" y="4675127"/>
+            <a:ext cx="1148119" cy="463703"/>
+          </a:xfrm>
+          <a:prstGeom prst="rect">
+            <a:avLst/>
+          </a:prstGeom>
+          <a:solidFill>
+            <a:schemeClr val="bg1"/>
+          </a:solidFill>
+          <a:ln>
+            <a:noFill/>
+          </a:ln>
+        </p:spPr>
+        <p:style>
+          <a:lnRef idx="2">
+            <a:schemeClr val="accent1">
+              <a:shade val="50000"/>
+            </a:schemeClr>
+          </a:lnRef>
+          <a:fillRef idx="1">
+            <a:schemeClr val="accent1"/>
+          </a:fillRef>
+          <a:effectRef idx="0">
+            <a:schemeClr val="accent1"/>
+          </a:effectRef>
+          <a:fontRef idx="minor">
+            <a:schemeClr val="lt1"/>
+          </a:fontRef>
+        </p:style>
+        <p:txBody>
+          <a:bodyPr lIns="0" rIns="0" rtlCol="0" anchor="ctr"/>
+          <a:lstStyle/>
+          <a:p>
+            <a:pPr algn="ctr"/>
+            <a:r>
+              <a:rPr lang="fr-CH" sz="1100" dirty="0">
+                <a:solidFill>
+                  <a:srgbClr val="FF0000"/>
+                </a:solidFill>
+                <a:latin typeface="+mj-lt"/>
+              </a:rPr>
+              <a:t>Active la fonction «Syllabes»</a:t>
+            </a:r>
+          </a:p>
+        </p:txBody>
+      </p:sp>
+      <p:sp>
+        <p:nvSpPr>
+          <p:cNvPr id="7" name="Rectangle 6">
+            <a:extLst>
+              <a:ext uri="{FF2B5EF4-FFF2-40B4-BE49-F238E27FC236}">
+                <a16:creationId xmlns:a16="http://schemas.microsoft.com/office/drawing/2014/main" id="{BC52D3C4-2370-4B87-804E-282EDE51FE5B}"/>
+              </a:ext>
+            </a:extLst>
+          </p:cNvPr>
+          <p:cNvSpPr/>
+          <p:nvPr/>
+        </p:nvSpPr>
+        <p:spPr>
+          <a:xfrm>
+            <a:off x="705292" y="5200064"/>
+            <a:ext cx="1032501" cy="463703"/>
+          </a:xfrm>
+          <a:prstGeom prst="rect">
+            <a:avLst/>
+          </a:prstGeom>
+          <a:solidFill>
+            <a:schemeClr val="bg1"/>
+          </a:solidFill>
+          <a:ln>
+            <a:noFill/>
+          </a:ln>
+        </p:spPr>
+        <p:style>
+          <a:lnRef idx="2">
+            <a:schemeClr val="accent1">
+              <a:shade val="50000"/>
+            </a:schemeClr>
+          </a:lnRef>
+          <a:fillRef idx="1">
+            <a:schemeClr val="accent1"/>
+          </a:fillRef>
+          <a:effectRef idx="0">
+            <a:schemeClr val="accent1"/>
+          </a:effectRef>
+          <a:fontRef idx="minor">
+            <a:schemeClr val="lt1"/>
+          </a:fontRef>
+        </p:style>
+        <p:txBody>
+          <a:bodyPr lIns="0" rIns="0" rtlCol="0" anchor="ctr"/>
+          <a:lstStyle/>
+          <a:p>
+            <a:pPr algn="ctr"/>
+            <a:r>
+              <a:rPr lang="fr-CH" sz="1100" dirty="0">
+                <a:solidFill>
+                  <a:srgbClr val="FF0000"/>
+                </a:solidFill>
+                <a:latin typeface="+mj-lt"/>
+              </a:rPr>
+              <a:t>Active la fonction «Mots»</a:t>
+            </a:r>
+          </a:p>
+        </p:txBody>
+      </p:sp>
+      <p:sp>
+        <p:nvSpPr>
+          <p:cNvPr id="8" name="Rectangle 7">
+            <a:extLst>
+              <a:ext uri="{FF2B5EF4-FFF2-40B4-BE49-F238E27FC236}">
+                <a16:creationId xmlns:a16="http://schemas.microsoft.com/office/drawing/2014/main" id="{91C44513-B801-4333-93A5-9D47F209B7BA}"/>
+              </a:ext>
+            </a:extLst>
+          </p:cNvPr>
+          <p:cNvSpPr/>
+          <p:nvPr/>
+        </p:nvSpPr>
+        <p:spPr>
+          <a:xfrm>
+            <a:off x="654050" y="4184694"/>
+            <a:ext cx="1028942" cy="463703"/>
+          </a:xfrm>
+          <a:prstGeom prst="rect">
+            <a:avLst/>
+          </a:prstGeom>
+          <a:solidFill>
+            <a:schemeClr val="bg1"/>
+          </a:solidFill>
+          <a:ln>
+            <a:noFill/>
+          </a:ln>
+        </p:spPr>
+        <p:style>
+          <a:lnRef idx="2">
+            <a:schemeClr val="accent1">
+              <a:shade val="50000"/>
+            </a:schemeClr>
+          </a:lnRef>
+          <a:fillRef idx="1">
+            <a:schemeClr val="accent1"/>
+          </a:fillRef>
+          <a:effectRef idx="0">
+            <a:schemeClr val="accent1"/>
+          </a:effectRef>
+          <a:fontRef idx="minor">
+            <a:schemeClr val="lt1"/>
+          </a:fontRef>
+        </p:style>
+        <p:txBody>
+          <a:bodyPr lIns="0" rIns="0" rtlCol="0" anchor="ctr"/>
+          <a:lstStyle/>
+          <a:p>
+            <a:pPr algn="ctr"/>
+            <a:r>
+              <a:rPr lang="fr-CH" sz="1100" dirty="0">
+                <a:solidFill>
+                  <a:srgbClr val="FF0000"/>
+                </a:solidFill>
+                <a:latin typeface="+mj-lt"/>
+              </a:rPr>
+              <a:t>Active la fonction «Lignes»</a:t>
+            </a:r>
+          </a:p>
+        </p:txBody>
+      </p:sp>
+      <p:sp>
+        <p:nvSpPr>
+          <p:cNvPr id="9" name="Rectangle 8">
+            <a:extLst>
+              <a:ext uri="{FF2B5EF4-FFF2-40B4-BE49-F238E27FC236}">
+                <a16:creationId xmlns:a16="http://schemas.microsoft.com/office/drawing/2014/main" id="{911B8386-78A8-4F8A-BAE8-D238CECC7BF4}"/>
+              </a:ext>
+            </a:extLst>
+          </p:cNvPr>
+          <p:cNvSpPr/>
+          <p:nvPr/>
+        </p:nvSpPr>
+        <p:spPr>
+          <a:xfrm>
+            <a:off x="4779070" y="3980963"/>
+            <a:ext cx="1514757" cy="399642"/>
+          </a:xfrm>
+          <a:prstGeom prst="rect">
+            <a:avLst/>
+          </a:prstGeom>
+          <a:solidFill>
+            <a:schemeClr val="bg1"/>
+          </a:solidFill>
+          <a:ln>
+            <a:noFill/>
+          </a:ln>
+        </p:spPr>
+        <p:style>
+          <a:lnRef idx="2">
+            <a:schemeClr val="accent1">
+              <a:shade val="50000"/>
+            </a:schemeClr>
+          </a:lnRef>
+          <a:fillRef idx="1">
+            <a:schemeClr val="accent1"/>
+          </a:fillRef>
+          <a:effectRef idx="0">
+            <a:schemeClr val="accent1"/>
+          </a:effectRef>
+          <a:fontRef idx="minor">
+            <a:schemeClr val="lt1"/>
+          </a:fontRef>
+        </p:style>
+        <p:txBody>
+          <a:bodyPr lIns="0" rIns="0" rtlCol="0" anchor="ctr"/>
+          <a:lstStyle/>
+          <a:p>
+            <a:pPr algn="ctr"/>
+            <a:r>
+              <a:rPr lang="fr-CH" sz="1100" dirty="0">
+                <a:solidFill>
+                  <a:srgbClr val="FF0000"/>
+                </a:solidFill>
+                <a:latin typeface="+mj-lt"/>
+              </a:rPr>
+              <a:t>Active la fonction «Voyelles-Consonnes»</a:t>
+            </a:r>
+          </a:p>
+        </p:txBody>
+      </p:sp>
+      <p:sp>
+        <p:nvSpPr>
+          <p:cNvPr id="10" name="Rectangle 9">
+            <a:extLst>
+              <a:ext uri="{FF2B5EF4-FFF2-40B4-BE49-F238E27FC236}">
+                <a16:creationId xmlns:a16="http://schemas.microsoft.com/office/drawing/2014/main" id="{18C7D446-B0FD-4CC9-911D-A729A2550663}"/>
+              </a:ext>
+            </a:extLst>
+          </p:cNvPr>
+          <p:cNvSpPr/>
+          <p:nvPr/>
+        </p:nvSpPr>
+        <p:spPr>
+          <a:xfrm>
+            <a:off x="4490581" y="4382545"/>
+            <a:ext cx="1608449" cy="427671"/>
+          </a:xfrm>
+          <a:prstGeom prst="rect">
+            <a:avLst/>
+          </a:prstGeom>
+          <a:solidFill>
+            <a:schemeClr val="bg1"/>
+          </a:solidFill>
+          <a:ln>
+            <a:noFill/>
+          </a:ln>
+        </p:spPr>
+        <p:style>
+          <a:lnRef idx="2">
+            <a:schemeClr val="accent1">
+              <a:shade val="50000"/>
+            </a:schemeClr>
+          </a:lnRef>
+          <a:fillRef idx="1">
+            <a:schemeClr val="accent1"/>
+          </a:fillRef>
+          <a:effectRef idx="0">
+            <a:schemeClr val="accent1"/>
+          </a:effectRef>
+          <a:fontRef idx="minor">
+            <a:schemeClr val="lt1"/>
+          </a:fontRef>
+        </p:style>
+        <p:txBody>
+          <a:bodyPr lIns="0" rIns="0" rtlCol="0" anchor="ctr"/>
+          <a:lstStyle/>
+          <a:p>
+            <a:pPr algn="ctr"/>
+            <a:r>
+              <a:rPr lang="fr-CH" sz="1100" dirty="0">
+                <a:solidFill>
+                  <a:srgbClr val="FF0000"/>
+                </a:solidFill>
+                <a:latin typeface="+mj-lt"/>
+              </a:rPr>
+              <a:t>Active la fonction «Tout remettre en noir»</a:t>
+            </a:r>
+          </a:p>
+        </p:txBody>
+      </p:sp>
+      <p:sp>
+        <p:nvSpPr>
+          <p:cNvPr id="11" name="Rectangle 10">
+            <a:extLst>
+              <a:ext uri="{FF2B5EF4-FFF2-40B4-BE49-F238E27FC236}">
+                <a16:creationId xmlns:a16="http://schemas.microsoft.com/office/drawing/2014/main" id="{C62E86A0-91A4-4420-BF86-FF4CDC1FFF49}"/>
+              </a:ext>
+            </a:extLst>
+          </p:cNvPr>
+          <p:cNvSpPr/>
+          <p:nvPr/>
+        </p:nvSpPr>
+        <p:spPr>
+          <a:xfrm>
+            <a:off x="4165264" y="2938530"/>
+            <a:ext cx="1574291" cy="578003"/>
+          </a:xfrm>
+          <a:prstGeom prst="rect">
+            <a:avLst/>
+          </a:prstGeom>
+          <a:solidFill>
+            <a:schemeClr val="bg1"/>
+          </a:solidFill>
+          <a:ln>
+            <a:noFill/>
+          </a:ln>
+        </p:spPr>
+        <p:style>
+          <a:lnRef idx="2">
+            <a:schemeClr val="accent1">
+              <a:shade val="50000"/>
+            </a:schemeClr>
+          </a:lnRef>
+          <a:fillRef idx="1">
+            <a:schemeClr val="accent1"/>
+          </a:fillRef>
+          <a:effectRef idx="0">
+            <a:schemeClr val="accent1"/>
+          </a:effectRef>
+          <a:fontRef idx="minor">
+            <a:schemeClr val="lt1"/>
+          </a:fontRef>
+        </p:style>
+        <p:txBody>
+          <a:bodyPr lIns="0" rIns="0" rtlCol="0" anchor="ctr"/>
+          <a:lstStyle/>
+          <a:p>
+            <a:pPr algn="ctr"/>
+            <a:r>
+              <a:rPr lang="fr-CH" sz="1100" dirty="0">
+                <a:solidFill>
+                  <a:srgbClr val="FF0000"/>
+                </a:solidFill>
+                <a:latin typeface="+mj-lt"/>
+              </a:rPr>
+              <a:t>Permet de définir les lettres (max 8) à marquer dans le texte</a:t>
+            </a:r>
+          </a:p>
+        </p:txBody>
+      </p:sp>
+      <p:sp>
+        <p:nvSpPr>
+          <p:cNvPr id="12" name="Ellipse 11">
+            <a:extLst>
+              <a:ext uri="{FF2B5EF4-FFF2-40B4-BE49-F238E27FC236}">
+                <a16:creationId xmlns:a16="http://schemas.microsoft.com/office/drawing/2014/main" id="{AD6F78CD-1563-4BE5-900B-7BBD4853DEC0}"/>
+              </a:ext>
+            </a:extLst>
+          </p:cNvPr>
+          <p:cNvSpPr/>
+          <p:nvPr/>
+        </p:nvSpPr>
+        <p:spPr>
+          <a:xfrm>
+            <a:off x="1826519" y="4277672"/>
+            <a:ext cx="2466080" cy="179568"/>
+          </a:xfrm>
+          <a:prstGeom prst="ellipse">
+            <a:avLst/>
+          </a:prstGeom>
+          <a:noFill/>
+          <a:ln w="6350">
+            <a:solidFill>
+              <a:srgbClr val="FF0000"/>
+            </a:solidFill>
+          </a:ln>
+        </p:spPr>
+        <p:style>
+          <a:lnRef idx="2">
+            <a:schemeClr val="accent1">
+              <a:shade val="50000"/>
+            </a:schemeClr>
+          </a:lnRef>
+          <a:fillRef idx="1">
+            <a:schemeClr val="accent1"/>
+          </a:fillRef>
+          <a:effectRef idx="0">
+            <a:schemeClr val="accent1"/>
+          </a:effectRef>
+          <a:fontRef idx="minor">
+            <a:schemeClr val="lt1"/>
+          </a:fontRef>
+        </p:style>
+        <p:txBody>
+          <a:bodyPr lIns="0" rIns="0" rtlCol="0" anchor="ctr"/>
+          <a:lstStyle/>
+          <a:p>
+            <a:pPr algn="ctr"/>
+            <a:endParaRPr lang="fr-CH">
+              <a:latin typeface="+mj-lt"/>
+            </a:endParaRPr>
+          </a:p>
+        </p:txBody>
+      </p:sp>
+      <p:sp>
+        <p:nvSpPr>
+          <p:cNvPr id="13" name="Ellipse 12">
+            <a:extLst>
+              <a:ext uri="{FF2B5EF4-FFF2-40B4-BE49-F238E27FC236}">
+                <a16:creationId xmlns:a16="http://schemas.microsoft.com/office/drawing/2014/main" id="{8FF3A585-9821-4609-B194-1EC4CB104710}"/>
+              </a:ext>
+            </a:extLst>
+          </p:cNvPr>
+          <p:cNvSpPr/>
+          <p:nvPr/>
+        </p:nvSpPr>
+        <p:spPr>
+          <a:xfrm>
+            <a:off x="2511423" y="4061733"/>
+            <a:ext cx="1060451" cy="179568"/>
+          </a:xfrm>
+          <a:prstGeom prst="ellipse">
+            <a:avLst/>
+          </a:prstGeom>
+          <a:noFill/>
+          <a:ln w="6350">
+            <a:solidFill>
+              <a:srgbClr val="FF0000"/>
+            </a:solidFill>
+          </a:ln>
+        </p:spPr>
+        <p:style>
+          <a:lnRef idx="2">
+            <a:schemeClr val="accent1">
+              <a:shade val="50000"/>
+            </a:schemeClr>
+          </a:lnRef>
+          <a:fillRef idx="1">
+            <a:schemeClr val="accent1"/>
+          </a:fillRef>
+          <a:effectRef idx="0">
+            <a:schemeClr val="accent1"/>
+          </a:effectRef>
+          <a:fontRef idx="minor">
+            <a:schemeClr val="lt1"/>
+          </a:fontRef>
+        </p:style>
+        <p:txBody>
+          <a:bodyPr lIns="0" rIns="0" rtlCol="0" anchor="ctr"/>
+          <a:lstStyle/>
+          <a:p>
+            <a:pPr algn="ctr"/>
+            <a:endParaRPr lang="fr-CH">
+              <a:latin typeface="+mj-lt"/>
+            </a:endParaRPr>
+          </a:p>
+        </p:txBody>
+      </p:sp>
+      <p:sp>
+        <p:nvSpPr>
+          <p:cNvPr id="14" name="Ellipse 13">
+            <a:extLst>
+              <a:ext uri="{FF2B5EF4-FFF2-40B4-BE49-F238E27FC236}">
+                <a16:creationId xmlns:a16="http://schemas.microsoft.com/office/drawing/2014/main" id="{05087644-1F13-43F2-868A-0692B67D6DB1}"/>
+              </a:ext>
+            </a:extLst>
+          </p:cNvPr>
+          <p:cNvSpPr/>
+          <p:nvPr/>
+        </p:nvSpPr>
+        <p:spPr>
+          <a:xfrm>
+            <a:off x="1848990" y="3785191"/>
+            <a:ext cx="336306" cy="336306"/>
+          </a:xfrm>
+          <a:prstGeom prst="ellipse">
+            <a:avLst/>
+          </a:prstGeom>
+          <a:noFill/>
+          <a:ln w="6350">
+            <a:solidFill>
+              <a:srgbClr val="FF0000"/>
+            </a:solidFill>
+          </a:ln>
+        </p:spPr>
+        <p:style>
+          <a:lnRef idx="2">
+            <a:schemeClr val="accent1">
+              <a:shade val="50000"/>
+            </a:schemeClr>
+          </a:lnRef>
+          <a:fillRef idx="1">
+            <a:schemeClr val="accent1"/>
+          </a:fillRef>
+          <a:effectRef idx="0">
+            <a:schemeClr val="accent1"/>
+          </a:effectRef>
+          <a:fontRef idx="minor">
+            <a:schemeClr val="lt1"/>
+          </a:fontRef>
+        </p:style>
+        <p:txBody>
+          <a:bodyPr lIns="0" rIns="0" rtlCol="0" anchor="ctr"/>
+          <a:lstStyle/>
+          <a:p>
+            <a:pPr algn="ctr"/>
+            <a:endParaRPr lang="fr-CH">
+              <a:latin typeface="+mj-lt"/>
+            </a:endParaRPr>
+          </a:p>
+        </p:txBody>
+      </p:sp>
+      <p:sp>
+        <p:nvSpPr>
+          <p:cNvPr id="15" name="Ellipse 14">
+            <a:extLst>
+              <a:ext uri="{FF2B5EF4-FFF2-40B4-BE49-F238E27FC236}">
+                <a16:creationId xmlns:a16="http://schemas.microsoft.com/office/drawing/2014/main" id="{C94EBD21-5C28-45FF-879F-58D8F35E6876}"/>
+              </a:ext>
+            </a:extLst>
+          </p:cNvPr>
+          <p:cNvSpPr/>
+          <p:nvPr/>
+        </p:nvSpPr>
+        <p:spPr>
+          <a:xfrm>
+            <a:off x="2007126" y="4831909"/>
+            <a:ext cx="336306" cy="336306"/>
+          </a:xfrm>
+          <a:prstGeom prst="ellipse">
+            <a:avLst/>
+          </a:prstGeom>
+          <a:noFill/>
+          <a:ln w="6350">
+            <a:solidFill>
+              <a:srgbClr val="FF0000"/>
+            </a:solidFill>
+          </a:ln>
+        </p:spPr>
+        <p:style>
+          <a:lnRef idx="2">
+            <a:schemeClr val="accent1">
+              <a:shade val="50000"/>
+            </a:schemeClr>
+          </a:lnRef>
+          <a:fillRef idx="1">
+            <a:schemeClr val="accent1"/>
+          </a:fillRef>
+          <a:effectRef idx="0">
+            <a:schemeClr val="accent1"/>
+          </a:effectRef>
+          <a:fontRef idx="minor">
+            <a:schemeClr val="lt1"/>
+          </a:fontRef>
+        </p:style>
+        <p:txBody>
+          <a:bodyPr lIns="0" rIns="0" rtlCol="0" anchor="ctr"/>
+          <a:lstStyle/>
+          <a:p>
+            <a:pPr algn="ctr"/>
+            <a:endParaRPr lang="fr-CH">
+              <a:latin typeface="+mj-lt"/>
+            </a:endParaRPr>
+          </a:p>
+        </p:txBody>
+      </p:sp>
+      <p:sp>
+        <p:nvSpPr>
+          <p:cNvPr id="16" name="Ellipse 15">
+            <a:extLst>
+              <a:ext uri="{FF2B5EF4-FFF2-40B4-BE49-F238E27FC236}">
+                <a16:creationId xmlns:a16="http://schemas.microsoft.com/office/drawing/2014/main" id="{F7A06792-8026-483D-8F15-085C4FE5D4E3}"/>
+              </a:ext>
+            </a:extLst>
+          </p:cNvPr>
+          <p:cNvSpPr/>
+          <p:nvPr/>
+        </p:nvSpPr>
+        <p:spPr>
+          <a:xfrm>
+            <a:off x="2464286" y="4831909"/>
+            <a:ext cx="336306" cy="336306"/>
+          </a:xfrm>
+          <a:prstGeom prst="ellipse">
+            <a:avLst/>
+          </a:prstGeom>
+          <a:noFill/>
+          <a:ln w="6350">
+            <a:solidFill>
+              <a:srgbClr val="FF0000"/>
+            </a:solidFill>
+          </a:ln>
+        </p:spPr>
+        <p:style>
+          <a:lnRef idx="2">
+            <a:schemeClr val="accent1">
+              <a:shade val="50000"/>
+            </a:schemeClr>
+          </a:lnRef>
+          <a:fillRef idx="1">
+            <a:schemeClr val="accent1"/>
+          </a:fillRef>
+          <a:effectRef idx="0">
+            <a:schemeClr val="accent1"/>
+          </a:effectRef>
+          <a:fontRef idx="minor">
+            <a:schemeClr val="lt1"/>
+          </a:fontRef>
+        </p:style>
+        <p:txBody>
+          <a:bodyPr lIns="0" rIns="0" rtlCol="0" anchor="ctr"/>
+          <a:lstStyle/>
+          <a:p>
+            <a:pPr algn="ctr"/>
+            <a:endParaRPr lang="fr-CH">
+              <a:latin typeface="+mj-lt"/>
+            </a:endParaRPr>
+          </a:p>
+        </p:txBody>
+      </p:sp>
+      <p:sp>
+        <p:nvSpPr>
+          <p:cNvPr id="17" name="Ellipse 16">
+            <a:extLst>
+              <a:ext uri="{FF2B5EF4-FFF2-40B4-BE49-F238E27FC236}">
+                <a16:creationId xmlns:a16="http://schemas.microsoft.com/office/drawing/2014/main" id="{BC86CFFF-EA57-4A52-BBAC-D7F9D7FA00BA}"/>
+              </a:ext>
+            </a:extLst>
+          </p:cNvPr>
+          <p:cNvSpPr/>
+          <p:nvPr/>
+        </p:nvSpPr>
+        <p:spPr>
+          <a:xfrm>
+            <a:off x="2892868" y="4831909"/>
+            <a:ext cx="336306" cy="336306"/>
+          </a:xfrm>
+          <a:prstGeom prst="ellipse">
+            <a:avLst/>
+          </a:prstGeom>
+          <a:noFill/>
+          <a:ln w="6350">
+            <a:solidFill>
+              <a:srgbClr val="FF0000"/>
+            </a:solidFill>
+          </a:ln>
+        </p:spPr>
+        <p:style>
+          <a:lnRef idx="2">
+            <a:schemeClr val="accent1">
+              <a:shade val="50000"/>
+            </a:schemeClr>
+          </a:lnRef>
+          <a:fillRef idx="1">
+            <a:schemeClr val="accent1"/>
+          </a:fillRef>
+          <a:effectRef idx="0">
+            <a:schemeClr val="accent1"/>
+          </a:effectRef>
+          <a:fontRef idx="minor">
+            <a:schemeClr val="lt1"/>
+          </a:fontRef>
+        </p:style>
+        <p:txBody>
+          <a:bodyPr lIns="0" rIns="0" rtlCol="0" anchor="ctr"/>
+          <a:lstStyle/>
+          <a:p>
+            <a:pPr algn="ctr"/>
+            <a:endParaRPr lang="fr-CH">
+              <a:latin typeface="+mj-lt"/>
+            </a:endParaRPr>
+          </a:p>
+        </p:txBody>
+      </p:sp>
+      <p:sp>
+        <p:nvSpPr>
+          <p:cNvPr id="18" name="Ellipse 17">
+            <a:extLst>
+              <a:ext uri="{FF2B5EF4-FFF2-40B4-BE49-F238E27FC236}">
+                <a16:creationId xmlns:a16="http://schemas.microsoft.com/office/drawing/2014/main" id="{78EA4BAC-474E-427B-A9C9-78648BE80C3F}"/>
+              </a:ext>
+            </a:extLst>
+          </p:cNvPr>
+          <p:cNvSpPr/>
+          <p:nvPr/>
+        </p:nvSpPr>
+        <p:spPr>
+          <a:xfrm>
+            <a:off x="3289702" y="4831909"/>
+            <a:ext cx="336306" cy="336306"/>
+          </a:xfrm>
+          <a:prstGeom prst="ellipse">
+            <a:avLst/>
+          </a:prstGeom>
+          <a:noFill/>
+          <a:ln w="6350">
+            <a:solidFill>
+              <a:srgbClr val="FF0000"/>
+            </a:solidFill>
+          </a:ln>
+        </p:spPr>
+        <p:style>
+          <a:lnRef idx="2">
+            <a:schemeClr val="accent1">
+              <a:shade val="50000"/>
+            </a:schemeClr>
+          </a:lnRef>
+          <a:fillRef idx="1">
+            <a:schemeClr val="accent1"/>
+          </a:fillRef>
+          <a:effectRef idx="0">
+            <a:schemeClr val="accent1"/>
+          </a:effectRef>
+          <a:fontRef idx="minor">
+            <a:schemeClr val="lt1"/>
+          </a:fontRef>
+        </p:style>
+        <p:txBody>
+          <a:bodyPr lIns="0" rIns="0" rtlCol="0" anchor="ctr"/>
+          <a:lstStyle/>
+          <a:p>
+            <a:pPr algn="ctr"/>
+            <a:endParaRPr lang="fr-CH">
+              <a:latin typeface="+mj-lt"/>
+            </a:endParaRPr>
+          </a:p>
+        </p:txBody>
+      </p:sp>
+      <p:sp>
+        <p:nvSpPr>
+          <p:cNvPr id="19" name="Ellipse 18">
+            <a:extLst>
+              <a:ext uri="{FF2B5EF4-FFF2-40B4-BE49-F238E27FC236}">
+                <a16:creationId xmlns:a16="http://schemas.microsoft.com/office/drawing/2014/main" id="{5D3E7C17-8FC5-4A49-AEE6-9133EACE605C}"/>
+              </a:ext>
+            </a:extLst>
+          </p:cNvPr>
+          <p:cNvSpPr/>
+          <p:nvPr/>
+        </p:nvSpPr>
+        <p:spPr>
+          <a:xfrm>
+            <a:off x="3677010" y="4831909"/>
+            <a:ext cx="336306" cy="336306"/>
+          </a:xfrm>
+          <a:prstGeom prst="ellipse">
+            <a:avLst/>
+          </a:prstGeom>
+          <a:noFill/>
+          <a:ln w="6350">
+            <a:solidFill>
+              <a:srgbClr val="FF0000"/>
+            </a:solidFill>
+          </a:ln>
+        </p:spPr>
+        <p:style>
+          <a:lnRef idx="2">
+            <a:schemeClr val="accent1">
+              <a:shade val="50000"/>
+            </a:schemeClr>
+          </a:lnRef>
+          <a:fillRef idx="1">
+            <a:schemeClr val="accent1"/>
+          </a:fillRef>
+          <a:effectRef idx="0">
+            <a:schemeClr val="accent1"/>
+          </a:effectRef>
+          <a:fontRef idx="minor">
+            <a:schemeClr val="lt1"/>
+          </a:fontRef>
+        </p:style>
+        <p:txBody>
+          <a:bodyPr lIns="0" rIns="0" rtlCol="0" anchor="ctr"/>
+          <a:lstStyle/>
+          <a:p>
+            <a:pPr algn="ctr"/>
+            <a:endParaRPr lang="fr-CH">
+              <a:latin typeface="+mj-lt"/>
+            </a:endParaRPr>
+          </a:p>
+        </p:txBody>
+      </p:sp>
+      <p:cxnSp>
+        <p:nvCxnSpPr>
+          <p:cNvPr id="21" name="Connecteur droit 20">
+            <a:extLst>
+              <a:ext uri="{FF2B5EF4-FFF2-40B4-BE49-F238E27FC236}">
+                <a16:creationId xmlns:a16="http://schemas.microsoft.com/office/drawing/2014/main" id="{8E5562F6-F760-4334-A1D4-8E2E2B18DCA9}"/>
+              </a:ext>
+            </a:extLst>
+          </p:cNvPr>
+          <p:cNvCxnSpPr>
+            <a:cxnSpLocks/>
+            <a:stCxn id="7" idx="3"/>
+            <a:endCxn id="16" idx="3"/>
+          </p:cNvCxnSpPr>
+          <p:nvPr/>
+        </p:nvCxnSpPr>
+        <p:spPr>
+          <a:xfrm flipV="1">
+            <a:off x="1737793" y="5118964"/>
+            <a:ext cx="775744" cy="312952"/>
+          </a:xfrm>
+          <a:prstGeom prst="line">
+            <a:avLst/>
+          </a:prstGeom>
+          <a:ln w="6350">
+            <a:solidFill>
+              <a:srgbClr val="FF0000"/>
+            </a:solidFill>
+          </a:ln>
+        </p:spPr>
+        <p:style>
+          <a:lnRef idx="1">
+            <a:schemeClr val="accent1"/>
+          </a:lnRef>
+          <a:fillRef idx="0">
+            <a:schemeClr val="accent1"/>
+          </a:fillRef>
+          <a:effectRef idx="0">
+            <a:schemeClr val="accent1"/>
+          </a:effectRef>
+          <a:fontRef idx="minor">
+            <a:schemeClr val="tx1"/>
+          </a:fontRef>
+        </p:style>
+      </p:cxnSp>
+      <p:cxnSp>
+        <p:nvCxnSpPr>
+          <p:cNvPr id="25" name="Connecteur droit 24">
+            <a:extLst>
+              <a:ext uri="{FF2B5EF4-FFF2-40B4-BE49-F238E27FC236}">
+                <a16:creationId xmlns:a16="http://schemas.microsoft.com/office/drawing/2014/main" id="{9A2E0360-F6C8-4F8B-A7B9-B2F7C4A08F03}"/>
+              </a:ext>
+            </a:extLst>
+          </p:cNvPr>
+          <p:cNvCxnSpPr>
+            <a:cxnSpLocks/>
+            <a:stCxn id="9" idx="1"/>
+            <a:endCxn id="18" idx="7"/>
+          </p:cNvCxnSpPr>
+          <p:nvPr/>
+        </p:nvCxnSpPr>
+        <p:spPr>
+          <a:xfrm flipH="1">
+            <a:off x="3576757" y="4180784"/>
+            <a:ext cx="1202313" cy="700376"/>
+          </a:xfrm>
+          <a:prstGeom prst="line">
+            <a:avLst/>
+          </a:prstGeom>
+          <a:ln w="6350">
+            <a:solidFill>
+              <a:srgbClr val="FF0000"/>
+            </a:solidFill>
+          </a:ln>
+        </p:spPr>
+        <p:style>
+          <a:lnRef idx="1">
+            <a:schemeClr val="accent1"/>
+          </a:lnRef>
+          <a:fillRef idx="0">
+            <a:schemeClr val="accent1"/>
+          </a:fillRef>
+          <a:effectRef idx="0">
+            <a:schemeClr val="accent1"/>
+          </a:effectRef>
+          <a:fontRef idx="minor">
+            <a:schemeClr val="tx1"/>
+          </a:fontRef>
+        </p:style>
+      </p:cxnSp>
+      <p:cxnSp>
+        <p:nvCxnSpPr>
+          <p:cNvPr id="27" name="Connecteur droit 26">
+            <a:extLst>
+              <a:ext uri="{FF2B5EF4-FFF2-40B4-BE49-F238E27FC236}">
+                <a16:creationId xmlns:a16="http://schemas.microsoft.com/office/drawing/2014/main" id="{F86F5C7B-6611-4CF6-85C3-333F54166137}"/>
+              </a:ext>
+            </a:extLst>
+          </p:cNvPr>
+          <p:cNvCxnSpPr>
+            <a:cxnSpLocks/>
+            <a:stCxn id="10" idx="1"/>
+            <a:endCxn id="19" idx="7"/>
+          </p:cNvCxnSpPr>
+          <p:nvPr/>
+        </p:nvCxnSpPr>
+        <p:spPr>
+          <a:xfrm flipH="1">
+            <a:off x="3964065" y="4596381"/>
+            <a:ext cx="526516" cy="284779"/>
+          </a:xfrm>
+          <a:prstGeom prst="line">
+            <a:avLst/>
+          </a:prstGeom>
+          <a:ln w="6350">
+            <a:solidFill>
+              <a:srgbClr val="FF0000"/>
+            </a:solidFill>
+          </a:ln>
+        </p:spPr>
+        <p:style>
+          <a:lnRef idx="1">
+            <a:schemeClr val="accent1"/>
+          </a:lnRef>
+          <a:fillRef idx="0">
+            <a:schemeClr val="accent1"/>
+          </a:fillRef>
+          <a:effectRef idx="0">
+            <a:schemeClr val="accent1"/>
+          </a:effectRef>
+          <a:fontRef idx="minor">
+            <a:schemeClr val="tx1"/>
+          </a:fontRef>
+        </p:style>
+      </p:cxnSp>
+      <p:cxnSp>
+        <p:nvCxnSpPr>
+          <p:cNvPr id="29" name="Connecteur droit 28">
+            <a:extLst>
+              <a:ext uri="{FF2B5EF4-FFF2-40B4-BE49-F238E27FC236}">
+                <a16:creationId xmlns:a16="http://schemas.microsoft.com/office/drawing/2014/main" id="{BB0F42B3-08B3-4494-85B2-1BF32DC2224C}"/>
+              </a:ext>
+            </a:extLst>
+          </p:cNvPr>
+          <p:cNvCxnSpPr>
+            <a:cxnSpLocks/>
+            <a:stCxn id="11" idx="2"/>
+            <a:endCxn id="12" idx="7"/>
+          </p:cNvCxnSpPr>
+          <p:nvPr/>
+        </p:nvCxnSpPr>
+        <p:spPr>
+          <a:xfrm flipH="1">
+            <a:off x="3931450" y="3516533"/>
+            <a:ext cx="1020960" cy="787436"/>
+          </a:xfrm>
+          <a:prstGeom prst="line">
+            <a:avLst/>
+          </a:prstGeom>
+          <a:ln w="6350">
+            <a:solidFill>
+              <a:srgbClr val="FF0000"/>
+            </a:solidFill>
+          </a:ln>
+        </p:spPr>
+        <p:style>
+          <a:lnRef idx="1">
+            <a:schemeClr val="accent1"/>
+          </a:lnRef>
+          <a:fillRef idx="0">
+            <a:schemeClr val="accent1"/>
+          </a:fillRef>
+          <a:effectRef idx="0">
+            <a:schemeClr val="accent1"/>
+          </a:effectRef>
+          <a:fontRef idx="minor">
+            <a:schemeClr val="tx1"/>
+          </a:fontRef>
+        </p:style>
+      </p:cxnSp>
+      <p:cxnSp>
+        <p:nvCxnSpPr>
+          <p:cNvPr id="31" name="Connecteur droit 30">
+            <a:extLst>
+              <a:ext uri="{FF2B5EF4-FFF2-40B4-BE49-F238E27FC236}">
+                <a16:creationId xmlns:a16="http://schemas.microsoft.com/office/drawing/2014/main" id="{0D44DA79-DABE-4AAC-AA7D-9B8F97AF377C}"/>
+              </a:ext>
+            </a:extLst>
+          </p:cNvPr>
+          <p:cNvCxnSpPr>
+            <a:stCxn id="5" idx="2"/>
+            <a:endCxn id="13" idx="0"/>
+          </p:cNvCxnSpPr>
+          <p:nvPr/>
+        </p:nvCxnSpPr>
+        <p:spPr>
+          <a:xfrm flipH="1">
+            <a:off x="3041649" y="3508557"/>
+            <a:ext cx="16772" cy="553176"/>
+          </a:xfrm>
+          <a:prstGeom prst="line">
+            <a:avLst/>
+          </a:prstGeom>
+          <a:ln w="6350">
+            <a:solidFill>
+              <a:srgbClr val="FF0000"/>
+            </a:solidFill>
+          </a:ln>
+        </p:spPr>
+        <p:style>
+          <a:lnRef idx="1">
+            <a:schemeClr val="accent1"/>
+          </a:lnRef>
+          <a:fillRef idx="0">
+            <a:schemeClr val="accent1"/>
+          </a:fillRef>
+          <a:effectRef idx="0">
+            <a:schemeClr val="accent1"/>
+          </a:effectRef>
+          <a:fontRef idx="minor">
+            <a:schemeClr val="tx1"/>
+          </a:fontRef>
+        </p:style>
+      </p:cxnSp>
+      <p:cxnSp>
+        <p:nvCxnSpPr>
+          <p:cNvPr id="33" name="Connecteur droit 32">
+            <a:extLst>
+              <a:ext uri="{FF2B5EF4-FFF2-40B4-BE49-F238E27FC236}">
+                <a16:creationId xmlns:a16="http://schemas.microsoft.com/office/drawing/2014/main" id="{AD8806C0-06C2-4386-A3D2-4822AFFCD489}"/>
+              </a:ext>
+            </a:extLst>
+          </p:cNvPr>
+          <p:cNvCxnSpPr>
+            <a:cxnSpLocks/>
+            <a:stCxn id="3" idx="3"/>
+            <a:endCxn id="14" idx="2"/>
+          </p:cNvCxnSpPr>
+          <p:nvPr/>
+        </p:nvCxnSpPr>
+        <p:spPr>
+          <a:xfrm>
+            <a:off x="1689100" y="3846757"/>
+            <a:ext cx="159890" cy="106587"/>
+          </a:xfrm>
+          <a:prstGeom prst="line">
+            <a:avLst/>
+          </a:prstGeom>
+          <a:ln w="6350">
+            <a:solidFill>
+              <a:srgbClr val="FF0000"/>
+            </a:solidFill>
+          </a:ln>
+        </p:spPr>
+        <p:style>
+          <a:lnRef idx="1">
+            <a:schemeClr val="accent1"/>
+          </a:lnRef>
+          <a:fillRef idx="0">
+            <a:schemeClr val="accent1"/>
+          </a:fillRef>
+          <a:effectRef idx="0">
+            <a:schemeClr val="accent1"/>
+          </a:effectRef>
+          <a:fontRef idx="minor">
+            <a:schemeClr val="tx1"/>
+          </a:fontRef>
+        </p:style>
+      </p:cxnSp>
+      <p:cxnSp>
+        <p:nvCxnSpPr>
+          <p:cNvPr id="36" name="Connecteur droit 35">
+            <a:extLst>
+              <a:ext uri="{FF2B5EF4-FFF2-40B4-BE49-F238E27FC236}">
+                <a16:creationId xmlns:a16="http://schemas.microsoft.com/office/drawing/2014/main" id="{AB4A35D6-F801-46D0-A8BE-23EDDCAEC365}"/>
+              </a:ext>
+            </a:extLst>
+          </p:cNvPr>
+          <p:cNvCxnSpPr>
+            <a:cxnSpLocks/>
+            <a:stCxn id="6" idx="3"/>
+            <a:endCxn id="15" idx="2"/>
+          </p:cNvCxnSpPr>
+          <p:nvPr/>
+        </p:nvCxnSpPr>
+        <p:spPr>
+          <a:xfrm>
+            <a:off x="1712293" y="4906979"/>
+            <a:ext cx="294833" cy="93083"/>
+          </a:xfrm>
+          <a:prstGeom prst="line">
+            <a:avLst/>
+          </a:prstGeom>
+          <a:ln w="6350">
+            <a:solidFill>
+              <a:srgbClr val="FF0000"/>
+            </a:solidFill>
+          </a:ln>
+        </p:spPr>
+        <p:style>
+          <a:lnRef idx="1">
+            <a:schemeClr val="accent1"/>
+          </a:lnRef>
+          <a:fillRef idx="0">
+            <a:schemeClr val="accent1"/>
+          </a:fillRef>
+          <a:effectRef idx="0">
+            <a:schemeClr val="accent1"/>
+          </a:effectRef>
+          <a:fontRef idx="minor">
+            <a:schemeClr val="tx1"/>
+          </a:fontRef>
+        </p:style>
+      </p:cxnSp>
+      <p:sp>
+        <p:nvSpPr>
+          <p:cNvPr id="48" name="Rectangle 47">
+            <a:extLst>
+              <a:ext uri="{FF2B5EF4-FFF2-40B4-BE49-F238E27FC236}">
+                <a16:creationId xmlns:a16="http://schemas.microsoft.com/office/drawing/2014/main" id="{E1DA4BD8-A01E-44D0-B14D-6FE7193A53DB}"/>
+              </a:ext>
+            </a:extLst>
+          </p:cNvPr>
+          <p:cNvSpPr/>
+          <p:nvPr/>
+        </p:nvSpPr>
+        <p:spPr>
+          <a:xfrm>
+            <a:off x="470142" y="5721306"/>
+            <a:ext cx="1298903" cy="570167"/>
+          </a:xfrm>
+          <a:prstGeom prst="rect">
+            <a:avLst/>
+          </a:prstGeom>
+          <a:solidFill>
+            <a:schemeClr val="bg1"/>
+          </a:solidFill>
+          <a:ln>
+            <a:noFill/>
+          </a:ln>
+        </p:spPr>
+        <p:style>
+          <a:lnRef idx="2">
+            <a:schemeClr val="accent1">
+              <a:shade val="50000"/>
+            </a:schemeClr>
+          </a:lnRef>
+          <a:fillRef idx="1">
+            <a:schemeClr val="accent1"/>
+          </a:fillRef>
+          <a:effectRef idx="0">
+            <a:schemeClr val="accent1"/>
+          </a:effectRef>
+          <a:fontRef idx="minor">
+            <a:schemeClr val="lt1"/>
+          </a:fontRef>
+        </p:style>
+        <p:txBody>
+          <a:bodyPr lIns="0" rIns="0" rtlCol="0" anchor="ctr"/>
+          <a:lstStyle/>
+          <a:p>
+            <a:pPr algn="ctr"/>
+            <a:r>
+              <a:rPr lang="fr-CH" sz="1100" dirty="0">
+                <a:solidFill>
+                  <a:srgbClr val="FF0000"/>
+                </a:solidFill>
+                <a:latin typeface="+mj-lt"/>
+              </a:rPr>
+              <a:t>Permet de choisir le mode pour le marquage des syllabes</a:t>
+            </a:r>
+          </a:p>
+        </p:txBody>
+      </p:sp>
+      <p:sp>
+        <p:nvSpPr>
+          <p:cNvPr id="50" name="Ellipse 49">
+            <a:extLst>
+              <a:ext uri="{FF2B5EF4-FFF2-40B4-BE49-F238E27FC236}">
+                <a16:creationId xmlns:a16="http://schemas.microsoft.com/office/drawing/2014/main" id="{B590D4B8-86B8-486C-9CBF-A46AA6C3F3F4}"/>
+              </a:ext>
+            </a:extLst>
+          </p:cNvPr>
+          <p:cNvSpPr/>
+          <p:nvPr/>
+        </p:nvSpPr>
+        <p:spPr>
+          <a:xfrm>
+            <a:off x="1890568" y="5338893"/>
+            <a:ext cx="633476" cy="569413"/>
+          </a:xfrm>
+          <a:prstGeom prst="ellipse">
+            <a:avLst/>
+          </a:prstGeom>
+          <a:noFill/>
+          <a:ln w="6350">
+            <a:solidFill>
+              <a:srgbClr val="FF0000"/>
+            </a:solidFill>
+          </a:ln>
+        </p:spPr>
+        <p:style>
+          <a:lnRef idx="2">
+            <a:schemeClr val="accent1">
+              <a:shade val="50000"/>
+            </a:schemeClr>
+          </a:lnRef>
+          <a:fillRef idx="1">
+            <a:schemeClr val="accent1"/>
+          </a:fillRef>
+          <a:effectRef idx="0">
+            <a:schemeClr val="accent1"/>
+          </a:effectRef>
+          <a:fontRef idx="minor">
+            <a:schemeClr val="lt1"/>
+          </a:fontRef>
+        </p:style>
+        <p:txBody>
+          <a:bodyPr lIns="0" rIns="0" rtlCol="0" anchor="ctr"/>
+          <a:lstStyle/>
+          <a:p>
+            <a:pPr algn="ctr"/>
+            <a:endParaRPr lang="fr-CH">
+              <a:latin typeface="+mj-lt"/>
+            </a:endParaRPr>
+          </a:p>
+        </p:txBody>
+      </p:sp>
+      <p:cxnSp>
+        <p:nvCxnSpPr>
+          <p:cNvPr id="52" name="Connecteur droit 51">
+            <a:extLst>
+              <a:ext uri="{FF2B5EF4-FFF2-40B4-BE49-F238E27FC236}">
+                <a16:creationId xmlns:a16="http://schemas.microsoft.com/office/drawing/2014/main" id="{00CFB0A3-F679-47BE-BC72-320587A873D8}"/>
+              </a:ext>
+            </a:extLst>
+          </p:cNvPr>
+          <p:cNvCxnSpPr>
+            <a:cxnSpLocks/>
+            <a:stCxn id="48" idx="3"/>
+            <a:endCxn id="50" idx="3"/>
+          </p:cNvCxnSpPr>
+          <p:nvPr/>
+        </p:nvCxnSpPr>
+        <p:spPr>
+          <a:xfrm flipV="1">
+            <a:off x="1769045" y="5824917"/>
+            <a:ext cx="214293" cy="181473"/>
+          </a:xfrm>
+          <a:prstGeom prst="line">
+            <a:avLst/>
+          </a:prstGeom>
+          <a:ln w="6350">
+            <a:solidFill>
+              <a:srgbClr val="FF0000"/>
+            </a:solidFill>
+          </a:ln>
+        </p:spPr>
+        <p:style>
+          <a:lnRef idx="1">
+            <a:schemeClr val="accent1"/>
+          </a:lnRef>
+          <a:fillRef idx="0">
+            <a:schemeClr val="accent1"/>
+          </a:fillRef>
+          <a:effectRef idx="0">
+            <a:schemeClr val="accent1"/>
+          </a:effectRef>
+          <a:fontRef idx="minor">
+            <a:schemeClr val="tx1"/>
+          </a:fontRef>
+        </p:style>
+      </p:cxnSp>
+      <p:sp>
+        <p:nvSpPr>
+          <p:cNvPr id="58" name="Ellipse 57">
+            <a:extLst>
+              <a:ext uri="{FF2B5EF4-FFF2-40B4-BE49-F238E27FC236}">
+                <a16:creationId xmlns:a16="http://schemas.microsoft.com/office/drawing/2014/main" id="{62C5CBF5-A88F-471A-8889-9C10E380ECCA}"/>
+              </a:ext>
+            </a:extLst>
+          </p:cNvPr>
+          <p:cNvSpPr/>
+          <p:nvPr/>
+        </p:nvSpPr>
+        <p:spPr>
+          <a:xfrm>
+            <a:off x="2576130" y="5463765"/>
+            <a:ext cx="742316" cy="444542"/>
+          </a:xfrm>
+          <a:prstGeom prst="ellipse">
+            <a:avLst/>
+          </a:prstGeom>
+          <a:noFill/>
+          <a:ln w="6350">
+            <a:solidFill>
+              <a:srgbClr val="FF0000"/>
+            </a:solidFill>
+          </a:ln>
+        </p:spPr>
+        <p:style>
+          <a:lnRef idx="2">
+            <a:schemeClr val="accent1">
+              <a:shade val="50000"/>
+            </a:schemeClr>
+          </a:lnRef>
+          <a:fillRef idx="1">
+            <a:schemeClr val="accent1"/>
+          </a:fillRef>
+          <a:effectRef idx="0">
+            <a:schemeClr val="accent1"/>
+          </a:effectRef>
+          <a:fontRef idx="minor">
+            <a:schemeClr val="lt1"/>
+          </a:fontRef>
+        </p:style>
+        <p:txBody>
+          <a:bodyPr lIns="0" rIns="0" rtlCol="0" anchor="ctr"/>
+          <a:lstStyle/>
+          <a:p>
+            <a:pPr algn="ctr"/>
+            <a:endParaRPr lang="fr-CH">
+              <a:latin typeface="+mj-lt"/>
+            </a:endParaRPr>
+          </a:p>
+        </p:txBody>
+      </p:sp>
+      <p:sp>
+        <p:nvSpPr>
+          <p:cNvPr id="63" name="Ellipse 62">
+            <a:extLst>
+              <a:ext uri="{FF2B5EF4-FFF2-40B4-BE49-F238E27FC236}">
+                <a16:creationId xmlns:a16="http://schemas.microsoft.com/office/drawing/2014/main" id="{8403A44A-8A75-4602-A410-CD81D60AFC2E}"/>
+              </a:ext>
+            </a:extLst>
+          </p:cNvPr>
+          <p:cNvSpPr/>
+          <p:nvPr/>
+        </p:nvSpPr>
+        <p:spPr>
+          <a:xfrm>
+            <a:off x="2545952" y="5317301"/>
+            <a:ext cx="883048" cy="152401"/>
+          </a:xfrm>
+          <a:prstGeom prst="ellipse">
+            <a:avLst/>
+          </a:prstGeom>
+          <a:noFill/>
+          <a:ln w="6350">
+            <a:solidFill>
+              <a:srgbClr val="FF0000"/>
+            </a:solidFill>
+          </a:ln>
+        </p:spPr>
+        <p:style>
+          <a:lnRef idx="2">
+            <a:schemeClr val="accent1">
+              <a:shade val="50000"/>
+            </a:schemeClr>
+          </a:lnRef>
+          <a:fillRef idx="1">
+            <a:schemeClr val="accent1"/>
+          </a:fillRef>
+          <a:effectRef idx="0">
+            <a:schemeClr val="accent1"/>
+          </a:effectRef>
+          <a:fontRef idx="minor">
+            <a:schemeClr val="lt1"/>
+          </a:fontRef>
+        </p:style>
+        <p:txBody>
+          <a:bodyPr lIns="0" rIns="0" rtlCol="0" anchor="ctr"/>
+          <a:lstStyle/>
+          <a:p>
+            <a:pPr algn="ctr"/>
+            <a:endParaRPr lang="fr-CH">
+              <a:latin typeface="+mj-lt"/>
+            </a:endParaRPr>
+          </a:p>
+        </p:txBody>
+      </p:sp>
+      <p:sp>
+        <p:nvSpPr>
+          <p:cNvPr id="64" name="Ellipse 63">
+            <a:extLst>
+              <a:ext uri="{FF2B5EF4-FFF2-40B4-BE49-F238E27FC236}">
+                <a16:creationId xmlns:a16="http://schemas.microsoft.com/office/drawing/2014/main" id="{97E0D201-EDEE-4612-8B55-1D313A302C35}"/>
+              </a:ext>
+            </a:extLst>
+          </p:cNvPr>
+          <p:cNvSpPr/>
+          <p:nvPr/>
+        </p:nvSpPr>
+        <p:spPr>
+          <a:xfrm>
+            <a:off x="3362830" y="5304406"/>
+            <a:ext cx="742316" cy="615674"/>
+          </a:xfrm>
+          <a:prstGeom prst="ellipse">
+            <a:avLst/>
+          </a:prstGeom>
+          <a:noFill/>
+          <a:ln w="6350">
+            <a:solidFill>
+              <a:srgbClr val="FF0000"/>
+            </a:solidFill>
+          </a:ln>
+        </p:spPr>
+        <p:style>
+          <a:lnRef idx="2">
+            <a:schemeClr val="accent1">
+              <a:shade val="50000"/>
+            </a:schemeClr>
+          </a:lnRef>
+          <a:fillRef idx="1">
+            <a:schemeClr val="accent1"/>
+          </a:fillRef>
+          <a:effectRef idx="0">
+            <a:schemeClr val="accent1"/>
+          </a:effectRef>
+          <a:fontRef idx="minor">
+            <a:schemeClr val="lt1"/>
+          </a:fontRef>
+        </p:style>
+        <p:txBody>
+          <a:bodyPr lIns="0" rIns="0" rtlCol="0" anchor="ctr"/>
+          <a:lstStyle/>
+          <a:p>
+            <a:pPr algn="ctr"/>
+            <a:endParaRPr lang="fr-CH">
+              <a:latin typeface="+mj-lt"/>
+            </a:endParaRPr>
+          </a:p>
+        </p:txBody>
+      </p:sp>
+      <p:cxnSp>
+        <p:nvCxnSpPr>
+          <p:cNvPr id="65" name="Connecteur droit 64">
+            <a:extLst>
+              <a:ext uri="{FF2B5EF4-FFF2-40B4-BE49-F238E27FC236}">
+                <a16:creationId xmlns:a16="http://schemas.microsoft.com/office/drawing/2014/main" id="{5319FB74-CF1A-46A6-B643-D74E71E07F60}"/>
+              </a:ext>
+            </a:extLst>
+          </p:cNvPr>
+          <p:cNvCxnSpPr>
+            <a:cxnSpLocks/>
+            <a:stCxn id="17" idx="0"/>
+            <a:endCxn id="8" idx="3"/>
+          </p:cNvCxnSpPr>
+          <p:nvPr/>
+        </p:nvCxnSpPr>
+        <p:spPr>
+          <a:xfrm flipH="1" flipV="1">
+            <a:off x="1682992" y="4416546"/>
+            <a:ext cx="1378029" cy="415363"/>
+          </a:xfrm>
+          <a:prstGeom prst="line">
+            <a:avLst/>
+          </a:prstGeom>
+          <a:ln w="6350">
+            <a:solidFill>
+              <a:srgbClr val="FF0000"/>
+            </a:solidFill>
+          </a:ln>
+        </p:spPr>
+        <p:style>
+          <a:lnRef idx="1">
+            <a:schemeClr val="accent1"/>
+          </a:lnRef>
+          <a:fillRef idx="0">
+            <a:schemeClr val="accent1"/>
+          </a:fillRef>
+          <a:effectRef idx="0">
+            <a:schemeClr val="accent1"/>
+          </a:effectRef>
+          <a:fontRef idx="minor">
+            <a:schemeClr val="tx1"/>
+          </a:fontRef>
+        </p:style>
+      </p:cxnSp>
+      <p:sp>
+        <p:nvSpPr>
+          <p:cNvPr id="88" name="Rectangle 87">
+            <a:extLst>
+              <a:ext uri="{FF2B5EF4-FFF2-40B4-BE49-F238E27FC236}">
+                <a16:creationId xmlns:a16="http://schemas.microsoft.com/office/drawing/2014/main" id="{515DFBE0-52B5-4E9C-8F61-BFAA8D2A8F2B}"/>
+              </a:ext>
+            </a:extLst>
+          </p:cNvPr>
+          <p:cNvSpPr/>
+          <p:nvPr/>
+        </p:nvSpPr>
+        <p:spPr>
+          <a:xfrm>
+            <a:off x="4383439" y="4911811"/>
+            <a:ext cx="1910387" cy="492849"/>
+          </a:xfrm>
+          <a:prstGeom prst="rect">
+            <a:avLst/>
+          </a:prstGeom>
+          <a:solidFill>
+            <a:schemeClr val="bg1"/>
+          </a:solidFill>
+          <a:ln>
+            <a:noFill/>
+          </a:ln>
+        </p:spPr>
+        <p:style>
+          <a:lnRef idx="2">
+            <a:schemeClr val="accent1">
+              <a:shade val="50000"/>
+            </a:schemeClr>
+          </a:lnRef>
+          <a:fillRef idx="1">
+            <a:schemeClr val="accent1"/>
+          </a:fillRef>
+          <a:effectRef idx="0">
+            <a:schemeClr val="accent1"/>
+          </a:effectRef>
+          <a:fontRef idx="minor">
+            <a:schemeClr val="lt1"/>
+          </a:fontRef>
+        </p:style>
+        <p:txBody>
+          <a:bodyPr lIns="0" rIns="0" rtlCol="0" anchor="ctr"/>
+          <a:lstStyle/>
+          <a:p>
+            <a:pPr algn="ctr"/>
+            <a:r>
+              <a:rPr lang="fr-CH" sz="1100" dirty="0">
+                <a:solidFill>
+                  <a:srgbClr val="FF0000"/>
+                </a:solidFill>
+                <a:latin typeface="+mj-lt"/>
+              </a:rPr>
+              <a:t>Définit si les muettes doivent être marquées dans la fonction «Syllabes»</a:t>
+            </a:r>
+          </a:p>
+        </p:txBody>
+      </p:sp>
+      <p:cxnSp>
+        <p:nvCxnSpPr>
+          <p:cNvPr id="92" name="Connecteur droit 91">
+            <a:extLst>
+              <a:ext uri="{FF2B5EF4-FFF2-40B4-BE49-F238E27FC236}">
+                <a16:creationId xmlns:a16="http://schemas.microsoft.com/office/drawing/2014/main" id="{A7D78156-95A4-44D8-A1F6-46664E880BAD}"/>
+              </a:ext>
+            </a:extLst>
+          </p:cNvPr>
+          <p:cNvCxnSpPr>
+            <a:cxnSpLocks/>
+            <a:stCxn id="88" idx="1"/>
+            <a:endCxn id="63" idx="7"/>
+          </p:cNvCxnSpPr>
+          <p:nvPr/>
+        </p:nvCxnSpPr>
+        <p:spPr>
+          <a:xfrm flipH="1">
+            <a:off x="3299681" y="5158236"/>
+            <a:ext cx="1083758" cy="181384"/>
+          </a:xfrm>
+          <a:prstGeom prst="line">
+            <a:avLst/>
+          </a:prstGeom>
+          <a:ln w="6350">
+            <a:solidFill>
+              <a:srgbClr val="FF0000"/>
+            </a:solidFill>
+          </a:ln>
+        </p:spPr>
+        <p:style>
+          <a:lnRef idx="1">
+            <a:schemeClr val="accent1"/>
+          </a:lnRef>
+          <a:fillRef idx="0">
+            <a:schemeClr val="accent1"/>
+          </a:fillRef>
+          <a:effectRef idx="0">
+            <a:schemeClr val="accent1"/>
+          </a:effectRef>
+          <a:fontRef idx="minor">
+            <a:schemeClr val="tx1"/>
+          </a:fontRef>
+        </p:style>
+      </p:cxnSp>
+      <p:sp>
+        <p:nvSpPr>
+          <p:cNvPr id="102" name="Rectangle 101">
+            <a:extLst>
+              <a:ext uri="{FF2B5EF4-FFF2-40B4-BE49-F238E27FC236}">
+                <a16:creationId xmlns:a16="http://schemas.microsoft.com/office/drawing/2014/main" id="{BAD0AACA-091F-45E6-92DF-1915396E9AD6}"/>
+              </a:ext>
+            </a:extLst>
+          </p:cNvPr>
+          <p:cNvSpPr/>
+          <p:nvPr/>
+        </p:nvSpPr>
+        <p:spPr>
+          <a:xfrm>
+            <a:off x="4698736" y="5570131"/>
+            <a:ext cx="1099612" cy="492849"/>
+          </a:xfrm>
+          <a:prstGeom prst="rect">
+            <a:avLst/>
+          </a:prstGeom>
+          <a:solidFill>
+            <a:schemeClr val="bg1"/>
+          </a:solidFill>
+          <a:ln>
+            <a:noFill/>
+          </a:ln>
+        </p:spPr>
+        <p:style>
+          <a:lnRef idx="2">
+            <a:schemeClr val="accent1">
+              <a:shade val="50000"/>
+            </a:schemeClr>
+          </a:lnRef>
+          <a:fillRef idx="1">
+            <a:schemeClr val="accent1"/>
+          </a:fillRef>
+          <a:effectRef idx="0">
+            <a:schemeClr val="accent1"/>
+          </a:effectRef>
+          <a:fontRef idx="minor">
+            <a:schemeClr val="lt1"/>
+          </a:fontRef>
+        </p:style>
+        <p:txBody>
+          <a:bodyPr lIns="0" rIns="0" rtlCol="0" anchor="ctr"/>
+          <a:lstStyle/>
+          <a:p>
+            <a:pPr algn="ctr"/>
+            <a:r>
+              <a:rPr lang="fr-CH" sz="1100" dirty="0">
+                <a:solidFill>
+                  <a:srgbClr val="FF0000"/>
+                </a:solidFill>
+                <a:latin typeface="+mj-lt"/>
+              </a:rPr>
+              <a:t>Options pour le mode «Poésie»</a:t>
+            </a:r>
+          </a:p>
+        </p:txBody>
+      </p:sp>
+      <p:cxnSp>
+        <p:nvCxnSpPr>
+          <p:cNvPr id="103" name="Connecteur droit 102">
+            <a:extLst>
+              <a:ext uri="{FF2B5EF4-FFF2-40B4-BE49-F238E27FC236}">
+                <a16:creationId xmlns:a16="http://schemas.microsoft.com/office/drawing/2014/main" id="{32729115-5402-4881-AF73-B54CF5D0037A}"/>
+              </a:ext>
+            </a:extLst>
+          </p:cNvPr>
+          <p:cNvCxnSpPr>
+            <a:cxnSpLocks/>
+            <a:stCxn id="102" idx="1"/>
+            <a:endCxn id="64" idx="6"/>
+          </p:cNvCxnSpPr>
+          <p:nvPr/>
+        </p:nvCxnSpPr>
+        <p:spPr>
+          <a:xfrm flipH="1" flipV="1">
+            <a:off x="4105146" y="5612243"/>
+            <a:ext cx="593590" cy="204313"/>
+          </a:xfrm>
+          <a:prstGeom prst="line">
+            <a:avLst/>
+          </a:prstGeom>
+          <a:ln w="6350">
+            <a:solidFill>
+              <a:srgbClr val="FF0000"/>
+            </a:solidFill>
+          </a:ln>
+        </p:spPr>
+        <p:style>
+          <a:lnRef idx="1">
+            <a:schemeClr val="accent1"/>
+          </a:lnRef>
+          <a:fillRef idx="0">
+            <a:schemeClr val="accent1"/>
+          </a:fillRef>
+          <a:effectRef idx="0">
+            <a:schemeClr val="accent1"/>
+          </a:effectRef>
+          <a:fontRef idx="minor">
+            <a:schemeClr val="tx1"/>
+          </a:fontRef>
+        </p:style>
+      </p:cxnSp>
+      <p:sp>
+        <p:nvSpPr>
+          <p:cNvPr id="117" name="Rectangle 116">
+            <a:extLst>
+              <a:ext uri="{FF2B5EF4-FFF2-40B4-BE49-F238E27FC236}">
+                <a16:creationId xmlns:a16="http://schemas.microsoft.com/office/drawing/2014/main" id="{32DBBF76-86A5-48B3-AF41-B4ADBC7AF6B5}"/>
+              </a:ext>
+            </a:extLst>
+          </p:cNvPr>
+          <p:cNvSpPr/>
+          <p:nvPr/>
+        </p:nvSpPr>
+        <p:spPr>
+          <a:xfrm>
+            <a:off x="4441930" y="6117103"/>
+            <a:ext cx="1476270" cy="492849"/>
+          </a:xfrm>
+          <a:prstGeom prst="rect">
+            <a:avLst/>
+          </a:prstGeom>
+          <a:solidFill>
+            <a:schemeClr val="bg1"/>
+          </a:solidFill>
+          <a:ln>
+            <a:noFill/>
+          </a:ln>
+        </p:spPr>
+        <p:style>
+          <a:lnRef idx="2">
+            <a:schemeClr val="accent1">
+              <a:shade val="50000"/>
+            </a:schemeClr>
+          </a:lnRef>
+          <a:fillRef idx="1">
+            <a:schemeClr val="accent1"/>
+          </a:fillRef>
+          <a:effectRef idx="0">
+            <a:schemeClr val="accent1"/>
+          </a:effectRef>
+          <a:fontRef idx="minor">
+            <a:schemeClr val="lt1"/>
+          </a:fontRef>
+        </p:style>
+        <p:txBody>
+          <a:bodyPr lIns="0" rIns="0" rtlCol="0" anchor="ctr"/>
+          <a:lstStyle/>
+          <a:p>
+            <a:pPr algn="ctr"/>
+            <a:r>
+              <a:rPr lang="fr-CH" sz="1100" dirty="0">
+                <a:solidFill>
+                  <a:srgbClr val="FF0000"/>
+                </a:solidFill>
+                <a:latin typeface="+mj-lt"/>
+              </a:rPr>
+              <a:t>Définit comment les syllabes sont coupées en cas de double consonne. </a:t>
+            </a:r>
+          </a:p>
+        </p:txBody>
+      </p:sp>
+      <p:cxnSp>
+        <p:nvCxnSpPr>
+          <p:cNvPr id="118" name="Connecteur droit 117">
+            <a:extLst>
+              <a:ext uri="{FF2B5EF4-FFF2-40B4-BE49-F238E27FC236}">
+                <a16:creationId xmlns:a16="http://schemas.microsoft.com/office/drawing/2014/main" id="{A097B29A-4BF5-482A-990D-8CE2997711BF}"/>
+              </a:ext>
+            </a:extLst>
+          </p:cNvPr>
+          <p:cNvCxnSpPr>
+            <a:cxnSpLocks/>
+            <a:stCxn id="117" idx="1"/>
+            <a:endCxn id="58" idx="4"/>
+          </p:cNvCxnSpPr>
+          <p:nvPr/>
+        </p:nvCxnSpPr>
+        <p:spPr>
+          <a:xfrm flipH="1" flipV="1">
+            <a:off x="2947288" y="5908307"/>
+            <a:ext cx="1494642" cy="455221"/>
+          </a:xfrm>
+          <a:prstGeom prst="line">
+            <a:avLst/>
+          </a:prstGeom>
+          <a:ln w="6350">
+            <a:solidFill>
+              <a:srgbClr val="FF0000"/>
+            </a:solidFill>
+          </a:ln>
+        </p:spPr>
+        <p:style>
+          <a:lnRef idx="1">
+            <a:schemeClr val="accent1"/>
+          </a:lnRef>
+          <a:fillRef idx="0">
+            <a:schemeClr val="accent1"/>
+          </a:fillRef>
+          <a:effectRef idx="0">
+            <a:schemeClr val="accent1"/>
+          </a:effectRef>
+          <a:fontRef idx="minor">
+            <a:schemeClr val="tx1"/>
+          </a:fontRef>
+        </p:style>
+      </p:cxnSp>
+      <p:sp>
+        <p:nvSpPr>
+          <p:cNvPr id="121" name="Ellipse 120">
+            <a:extLst>
+              <a:ext uri="{FF2B5EF4-FFF2-40B4-BE49-F238E27FC236}">
+                <a16:creationId xmlns:a16="http://schemas.microsoft.com/office/drawing/2014/main" id="{7F23E72D-CE96-40D1-98D3-6A8A8DD7B008}"/>
+              </a:ext>
+            </a:extLst>
+          </p:cNvPr>
+          <p:cNvSpPr/>
+          <p:nvPr/>
+        </p:nvSpPr>
+        <p:spPr>
+          <a:xfrm>
+            <a:off x="2294762" y="6694898"/>
+            <a:ext cx="633476" cy="569413"/>
+          </a:xfrm>
+          <a:prstGeom prst="ellipse">
+            <a:avLst/>
+          </a:prstGeom>
+          <a:noFill/>
+          <a:ln w="6350">
+            <a:solidFill>
+              <a:srgbClr val="FF0000"/>
+            </a:solidFill>
+          </a:ln>
+        </p:spPr>
+        <p:style>
+          <a:lnRef idx="2">
+            <a:schemeClr val="accent1">
+              <a:shade val="50000"/>
+            </a:schemeClr>
+          </a:lnRef>
+          <a:fillRef idx="1">
+            <a:schemeClr val="accent1"/>
+          </a:fillRef>
+          <a:effectRef idx="0">
+            <a:schemeClr val="accent1"/>
+          </a:effectRef>
+          <a:fontRef idx="minor">
+            <a:schemeClr val="lt1"/>
+          </a:fontRef>
+        </p:style>
+        <p:txBody>
+          <a:bodyPr lIns="0" rIns="0" rtlCol="0" anchor="ctr"/>
+          <a:lstStyle/>
+          <a:p>
+            <a:pPr algn="ctr"/>
+            <a:endParaRPr lang="fr-CH">
+              <a:latin typeface="+mj-lt"/>
+            </a:endParaRPr>
+          </a:p>
+        </p:txBody>
+      </p:sp>
+      <p:sp>
+        <p:nvSpPr>
+          <p:cNvPr id="122" name="Rectangle 121">
+            <a:extLst>
+              <a:ext uri="{FF2B5EF4-FFF2-40B4-BE49-F238E27FC236}">
+                <a16:creationId xmlns:a16="http://schemas.microsoft.com/office/drawing/2014/main" id="{F9C06653-010C-4162-BFB5-83536A0D4329}"/>
+              </a:ext>
+            </a:extLst>
+          </p:cNvPr>
+          <p:cNvSpPr/>
+          <p:nvPr/>
+        </p:nvSpPr>
+        <p:spPr>
+          <a:xfrm>
+            <a:off x="1548988" y="7727678"/>
+            <a:ext cx="1027142" cy="323224"/>
+          </a:xfrm>
+          <a:prstGeom prst="rect">
+            <a:avLst/>
+          </a:prstGeom>
+          <a:solidFill>
+            <a:schemeClr val="bg1"/>
+          </a:solidFill>
+          <a:ln>
+            <a:noFill/>
+          </a:ln>
+        </p:spPr>
+        <p:style>
+          <a:lnRef idx="2">
+            <a:schemeClr val="accent1">
+              <a:shade val="50000"/>
+            </a:schemeClr>
+          </a:lnRef>
+          <a:fillRef idx="1">
+            <a:schemeClr val="accent1"/>
+          </a:fillRef>
+          <a:effectRef idx="0">
+            <a:schemeClr val="accent1"/>
+          </a:effectRef>
+          <a:fontRef idx="minor">
+            <a:schemeClr val="lt1"/>
+          </a:fontRef>
+        </p:style>
+        <p:txBody>
+          <a:bodyPr lIns="0" rIns="0" rtlCol="0" anchor="ctr"/>
+          <a:lstStyle/>
+          <a:p>
+            <a:pPr algn="ctr"/>
+            <a:r>
+              <a:rPr lang="fr-CH" sz="1100" dirty="0">
+                <a:solidFill>
+                  <a:srgbClr val="FF0000"/>
+                </a:solidFill>
+                <a:latin typeface="+mj-lt"/>
+              </a:rPr>
+              <a:t>Active la fonction «Duo»</a:t>
+            </a:r>
+          </a:p>
+        </p:txBody>
+      </p:sp>
+      <p:cxnSp>
+        <p:nvCxnSpPr>
+          <p:cNvPr id="123" name="Connecteur droit 122">
+            <a:extLst>
+              <a:ext uri="{FF2B5EF4-FFF2-40B4-BE49-F238E27FC236}">
+                <a16:creationId xmlns:a16="http://schemas.microsoft.com/office/drawing/2014/main" id="{26B03530-68A6-494B-870C-4516C6E78AAA}"/>
+              </a:ext>
+            </a:extLst>
+          </p:cNvPr>
+          <p:cNvCxnSpPr>
+            <a:cxnSpLocks/>
+            <a:stCxn id="122" idx="0"/>
+            <a:endCxn id="121" idx="4"/>
+          </p:cNvCxnSpPr>
+          <p:nvPr/>
+        </p:nvCxnSpPr>
+        <p:spPr>
+          <a:xfrm flipV="1">
+            <a:off x="2062559" y="7264311"/>
+            <a:ext cx="548941" cy="463367"/>
+          </a:xfrm>
+          <a:prstGeom prst="line">
+            <a:avLst/>
+          </a:prstGeom>
+          <a:ln w="6350">
+            <a:solidFill>
+              <a:srgbClr val="FF0000"/>
+            </a:solidFill>
+          </a:ln>
+        </p:spPr>
+        <p:style>
+          <a:lnRef idx="1">
+            <a:schemeClr val="accent1"/>
+          </a:lnRef>
+          <a:fillRef idx="0">
+            <a:schemeClr val="accent1"/>
+          </a:fillRef>
+          <a:effectRef idx="0">
+            <a:schemeClr val="accent1"/>
+          </a:effectRef>
+          <a:fontRef idx="minor">
+            <a:schemeClr val="tx1"/>
+          </a:fontRef>
+        </p:style>
+      </p:cxnSp>
+      <p:sp>
+        <p:nvSpPr>
+          <p:cNvPr id="126" name="Ellipse 125">
+            <a:extLst>
+              <a:ext uri="{FF2B5EF4-FFF2-40B4-BE49-F238E27FC236}">
+                <a16:creationId xmlns:a16="http://schemas.microsoft.com/office/drawing/2014/main" id="{7501DBDE-6D7D-4D9C-908B-B810253802FD}"/>
+              </a:ext>
+            </a:extLst>
+          </p:cNvPr>
+          <p:cNvSpPr/>
+          <p:nvPr/>
+        </p:nvSpPr>
+        <p:spPr>
+          <a:xfrm>
+            <a:off x="3080183" y="6702691"/>
+            <a:ext cx="633476" cy="569413"/>
+          </a:xfrm>
+          <a:prstGeom prst="ellipse">
+            <a:avLst/>
+          </a:prstGeom>
+          <a:noFill/>
+          <a:ln w="6350">
+            <a:solidFill>
+              <a:srgbClr val="FF0000"/>
+            </a:solidFill>
+          </a:ln>
+        </p:spPr>
+        <p:style>
+          <a:lnRef idx="2">
+            <a:schemeClr val="accent1">
+              <a:shade val="50000"/>
+            </a:schemeClr>
+          </a:lnRef>
+          <a:fillRef idx="1">
+            <a:schemeClr val="accent1"/>
+          </a:fillRef>
+          <a:effectRef idx="0">
+            <a:schemeClr val="accent1"/>
+          </a:effectRef>
+          <a:fontRef idx="minor">
+            <a:schemeClr val="lt1"/>
+          </a:fontRef>
+        </p:style>
+        <p:txBody>
+          <a:bodyPr lIns="0" rIns="0" rtlCol="0" anchor="ctr"/>
+          <a:lstStyle/>
+          <a:p>
+            <a:pPr algn="ctr"/>
+            <a:endParaRPr lang="fr-CH">
+              <a:latin typeface="+mj-lt"/>
+            </a:endParaRPr>
+          </a:p>
+        </p:txBody>
+      </p:sp>
+      <p:sp>
+        <p:nvSpPr>
+          <p:cNvPr id="132" name="Rectangle 131">
+            <a:extLst>
+              <a:ext uri="{FF2B5EF4-FFF2-40B4-BE49-F238E27FC236}">
+                <a16:creationId xmlns:a16="http://schemas.microsoft.com/office/drawing/2014/main" id="{14D05DDC-3612-436A-80B9-0CB240F93593}"/>
+              </a:ext>
+            </a:extLst>
+          </p:cNvPr>
+          <p:cNvSpPr/>
+          <p:nvPr/>
+        </p:nvSpPr>
+        <p:spPr>
+          <a:xfrm>
+            <a:off x="3041647" y="7548294"/>
+            <a:ext cx="1341791" cy="563758"/>
+          </a:xfrm>
+          <a:prstGeom prst="rect">
+            <a:avLst/>
+          </a:prstGeom>
+          <a:solidFill>
+            <a:schemeClr val="bg1"/>
+          </a:solidFill>
+          <a:ln>
+            <a:noFill/>
+          </a:ln>
+        </p:spPr>
+        <p:style>
+          <a:lnRef idx="2">
+            <a:schemeClr val="accent1">
+              <a:shade val="50000"/>
+            </a:schemeClr>
+          </a:lnRef>
+          <a:fillRef idx="1">
+            <a:schemeClr val="accent1"/>
+          </a:fillRef>
+          <a:effectRef idx="0">
+            <a:schemeClr val="accent1"/>
+          </a:effectRef>
+          <a:fontRef idx="minor">
+            <a:schemeClr val="lt1"/>
+          </a:fontRef>
+        </p:style>
+        <p:txBody>
+          <a:bodyPr lIns="0" rIns="0" rtlCol="0" anchor="ctr"/>
+          <a:lstStyle/>
+          <a:p>
+            <a:pPr algn="ctr"/>
+            <a:r>
+              <a:rPr lang="fr-CH" sz="1100" dirty="0">
+                <a:solidFill>
+                  <a:srgbClr val="FF0000"/>
+                </a:solidFill>
+                <a:latin typeface="+mj-lt"/>
+              </a:rPr>
+              <a:t>Ouvre le panneau de configuration pour la fonction «Duo»</a:t>
+            </a:r>
+          </a:p>
+        </p:txBody>
+      </p:sp>
+      <p:cxnSp>
+        <p:nvCxnSpPr>
+          <p:cNvPr id="133" name="Connecteur droit 132">
+            <a:extLst>
+              <a:ext uri="{FF2B5EF4-FFF2-40B4-BE49-F238E27FC236}">
+                <a16:creationId xmlns:a16="http://schemas.microsoft.com/office/drawing/2014/main" id="{3B7B13CB-9919-4157-841E-EE68CAB4371D}"/>
+              </a:ext>
+            </a:extLst>
+          </p:cNvPr>
+          <p:cNvCxnSpPr>
+            <a:cxnSpLocks/>
+            <a:stCxn id="132" idx="0"/>
+            <a:endCxn id="126" idx="4"/>
+          </p:cNvCxnSpPr>
+          <p:nvPr/>
+        </p:nvCxnSpPr>
+        <p:spPr>
+          <a:xfrm flipH="1" flipV="1">
+            <a:off x="3396921" y="7272104"/>
+            <a:ext cx="315622" cy="276190"/>
+          </a:xfrm>
+          <a:prstGeom prst="line">
+            <a:avLst/>
+          </a:prstGeom>
+          <a:ln w="6350">
+            <a:solidFill>
+              <a:srgbClr val="FF0000"/>
+            </a:solidFill>
+          </a:ln>
+        </p:spPr>
+        <p:style>
+          <a:lnRef idx="1">
+            <a:schemeClr val="accent1"/>
+          </a:lnRef>
+          <a:fillRef idx="0">
+            <a:schemeClr val="accent1"/>
+          </a:fillRef>
+          <a:effectRef idx="0">
+            <a:schemeClr val="accent1"/>
+          </a:effectRef>
+          <a:fontRef idx="minor">
+            <a:schemeClr val="tx1"/>
+          </a:fontRef>
+        </p:style>
+      </p:cxnSp>
+      <p:sp>
+        <p:nvSpPr>
+          <p:cNvPr id="137" name="Ellipse 136">
+            <a:extLst>
+              <a:ext uri="{FF2B5EF4-FFF2-40B4-BE49-F238E27FC236}">
+                <a16:creationId xmlns:a16="http://schemas.microsoft.com/office/drawing/2014/main" id="{CCA32F3F-81F5-49CD-911B-FCAEF808CC78}"/>
+              </a:ext>
+            </a:extLst>
+          </p:cNvPr>
+          <p:cNvSpPr/>
+          <p:nvPr/>
+        </p:nvSpPr>
+        <p:spPr>
+          <a:xfrm>
+            <a:off x="2281107" y="6163696"/>
+            <a:ext cx="1494642" cy="179568"/>
+          </a:xfrm>
+          <a:prstGeom prst="ellipse">
+            <a:avLst/>
+          </a:prstGeom>
+          <a:noFill/>
+          <a:ln w="6350">
+            <a:solidFill>
+              <a:srgbClr val="FF0000"/>
+            </a:solidFill>
+          </a:ln>
+        </p:spPr>
+        <p:style>
+          <a:lnRef idx="2">
+            <a:schemeClr val="accent1">
+              <a:shade val="50000"/>
+            </a:schemeClr>
+          </a:lnRef>
+          <a:fillRef idx="1">
+            <a:schemeClr val="accent1"/>
+          </a:fillRef>
+          <a:effectRef idx="0">
+            <a:schemeClr val="accent1"/>
+          </a:effectRef>
+          <a:fontRef idx="minor">
+            <a:schemeClr val="lt1"/>
+          </a:fontRef>
+        </p:style>
+        <p:txBody>
+          <a:bodyPr lIns="0" rIns="0" rtlCol="0" anchor="ctr"/>
+          <a:lstStyle/>
+          <a:p>
+            <a:pPr algn="ctr"/>
+            <a:endParaRPr lang="fr-CH">
+              <a:latin typeface="+mj-lt"/>
+            </a:endParaRPr>
+          </a:p>
+        </p:txBody>
+      </p:sp>
+      <p:sp>
+        <p:nvSpPr>
+          <p:cNvPr id="139" name="Rectangle 138">
+            <a:extLst>
+              <a:ext uri="{FF2B5EF4-FFF2-40B4-BE49-F238E27FC236}">
+                <a16:creationId xmlns:a16="http://schemas.microsoft.com/office/drawing/2014/main" id="{0053888D-F04F-4273-9888-775F3064D701}"/>
+              </a:ext>
+            </a:extLst>
+          </p:cNvPr>
+          <p:cNvSpPr/>
+          <p:nvPr/>
+        </p:nvSpPr>
+        <p:spPr>
+          <a:xfrm>
+            <a:off x="185160" y="6463280"/>
+            <a:ext cx="1476270" cy="1181313"/>
+          </a:xfrm>
+          <a:prstGeom prst="rect">
+            <a:avLst/>
+          </a:prstGeom>
+          <a:solidFill>
+            <a:schemeClr val="bg1"/>
+          </a:solidFill>
+          <a:ln>
+            <a:noFill/>
+          </a:ln>
+        </p:spPr>
+        <p:style>
+          <a:lnRef idx="2">
+            <a:schemeClr val="accent1">
+              <a:shade val="50000"/>
+            </a:schemeClr>
+          </a:lnRef>
+          <a:fillRef idx="1">
+            <a:schemeClr val="accent1"/>
+          </a:fillRef>
+          <a:effectRef idx="0">
+            <a:schemeClr val="accent1"/>
+          </a:effectRef>
+          <a:fontRef idx="minor">
+            <a:schemeClr val="lt1"/>
+          </a:fontRef>
+        </p:style>
+        <p:txBody>
+          <a:bodyPr lIns="0" rIns="0" rtlCol="0" anchor="ctr"/>
+          <a:lstStyle/>
+          <a:p>
+            <a:pPr algn="ctr"/>
+            <a:r>
+              <a:rPr lang="fr-CH" sz="1100" dirty="0">
+                <a:solidFill>
+                  <a:srgbClr val="FF0000"/>
+                </a:solidFill>
+                <a:latin typeface="+mj-lt"/>
+              </a:rPr>
+              <a:t>Réinitialise les couleurs utilisées pour les fonctions avec couleurs alternées et remet les paramètre pour la fonction «Syllabes» à leur valeur par défaut. </a:t>
+            </a:r>
+          </a:p>
+        </p:txBody>
+      </p:sp>
+      <p:cxnSp>
+        <p:nvCxnSpPr>
+          <p:cNvPr id="140" name="Connecteur droit 139">
+            <a:extLst>
+              <a:ext uri="{FF2B5EF4-FFF2-40B4-BE49-F238E27FC236}">
+                <a16:creationId xmlns:a16="http://schemas.microsoft.com/office/drawing/2014/main" id="{2865372A-D81D-4CC8-9CB4-EAA82596E6EC}"/>
+              </a:ext>
+            </a:extLst>
+          </p:cNvPr>
+          <p:cNvCxnSpPr>
+            <a:cxnSpLocks/>
+            <a:stCxn id="139" idx="3"/>
+            <a:endCxn id="137" idx="2"/>
+          </p:cNvCxnSpPr>
+          <p:nvPr/>
+        </p:nvCxnSpPr>
+        <p:spPr>
+          <a:xfrm flipV="1">
+            <a:off x="1661430" y="6253480"/>
+            <a:ext cx="619677" cy="800457"/>
+          </a:xfrm>
+          <a:prstGeom prst="line">
+            <a:avLst/>
+          </a:prstGeom>
+          <a:ln w="6350">
+            <a:solidFill>
+              <a:srgbClr val="FF0000"/>
+            </a:solidFill>
+          </a:ln>
+        </p:spPr>
+        <p:style>
+          <a:lnRef idx="1">
+            <a:schemeClr val="accent1"/>
+          </a:lnRef>
+          <a:fillRef idx="0">
+            <a:schemeClr val="accent1"/>
+          </a:fillRef>
+          <a:effectRef idx="0">
+            <a:schemeClr val="accent1"/>
+          </a:effectRef>
+          <a:fontRef idx="minor">
+            <a:schemeClr val="tx1"/>
+          </a:fontRef>
+        </p:style>
+      </p:cxnSp>
+    </p:spTree>
+    <p:extLst>
+      <p:ext uri="{BB962C8B-B14F-4D97-AF65-F5344CB8AC3E}">
+        <p14:creationId xmlns:p14="http://schemas.microsoft.com/office/powerpoint/2010/main" val="2556203185"/>
+      </p:ext>
+    </p:extLst>
+  </p:cSld>
+  <p:clrMapOvr>
+    <a:masterClrMapping/>
+  </p:clrMapOvr>
+</p:sld>
+</file>
+
+<file path=ppt/slides/slide4.xml><?xml version="1.0" encoding="utf-8"?>
 <p:sld xmlns:a="http://schemas.openxmlformats.org/drawingml/2006/main" xmlns:r="http://schemas.openxmlformats.org/officeDocument/2006/relationships" xmlns:p="http://schemas.openxmlformats.org/presentationml/2006/main">
   <p:cSld>
     <p:spTree>

--- a/Doc/Manuels/Panneau config.pptx
+++ b/Doc/Manuels/Panneau config.pptx
@@ -8,7 +8,9 @@
     <p:sldId id="257" r:id="rId2"/>
     <p:sldId id="258" r:id="rId3"/>
     <p:sldId id="260" r:id="rId4"/>
-    <p:sldId id="259" r:id="rId5"/>
+    <p:sldId id="261" r:id="rId5"/>
+    <p:sldId id="262" r:id="rId6"/>
+    <p:sldId id="259" r:id="rId7"/>
   </p:sldIdLst>
   <p:sldSz cx="6858000" cy="9906000" type="A4"/>
   <p:notesSz cx="6858000" cy="9144000"/>
@@ -246,7 +248,7 @@
           <a:p>
             <a:fld id="{A019C843-81E1-4383-9F8F-73842B62BEA2}" type="datetimeFigureOut">
               <a:rPr lang="fr-CH" smtClean="0"/>
-              <a:t>14.08.2020</a:t>
+              <a:t>07.02.2021</a:t>
             </a:fld>
             <a:endParaRPr lang="fr-CH"/>
           </a:p>
@@ -416,7 +418,7 @@
           <a:p>
             <a:fld id="{A019C843-81E1-4383-9F8F-73842B62BEA2}" type="datetimeFigureOut">
               <a:rPr lang="fr-CH" smtClean="0"/>
-              <a:t>14.08.2020</a:t>
+              <a:t>07.02.2021</a:t>
             </a:fld>
             <a:endParaRPr lang="fr-CH"/>
           </a:p>
@@ -596,7 +598,7 @@
           <a:p>
             <a:fld id="{A019C843-81E1-4383-9F8F-73842B62BEA2}" type="datetimeFigureOut">
               <a:rPr lang="fr-CH" smtClean="0"/>
-              <a:t>14.08.2020</a:t>
+              <a:t>07.02.2021</a:t>
             </a:fld>
             <a:endParaRPr lang="fr-CH"/>
           </a:p>
@@ -766,7 +768,7 @@
           <a:p>
             <a:fld id="{A019C843-81E1-4383-9F8F-73842B62BEA2}" type="datetimeFigureOut">
               <a:rPr lang="fr-CH" smtClean="0"/>
-              <a:t>14.08.2020</a:t>
+              <a:t>07.02.2021</a:t>
             </a:fld>
             <a:endParaRPr lang="fr-CH"/>
           </a:p>
@@ -1010,7 +1012,7 @@
           <a:p>
             <a:fld id="{A019C843-81E1-4383-9F8F-73842B62BEA2}" type="datetimeFigureOut">
               <a:rPr lang="fr-CH" smtClean="0"/>
-              <a:t>14.08.2020</a:t>
+              <a:t>07.02.2021</a:t>
             </a:fld>
             <a:endParaRPr lang="fr-CH"/>
           </a:p>
@@ -1242,7 +1244,7 @@
           <a:p>
             <a:fld id="{A019C843-81E1-4383-9F8F-73842B62BEA2}" type="datetimeFigureOut">
               <a:rPr lang="fr-CH" smtClean="0"/>
-              <a:t>14.08.2020</a:t>
+              <a:t>07.02.2021</a:t>
             </a:fld>
             <a:endParaRPr lang="fr-CH"/>
           </a:p>
@@ -1609,7 +1611,7 @@
           <a:p>
             <a:fld id="{A019C843-81E1-4383-9F8F-73842B62BEA2}" type="datetimeFigureOut">
               <a:rPr lang="fr-CH" smtClean="0"/>
-              <a:t>14.08.2020</a:t>
+              <a:t>07.02.2021</a:t>
             </a:fld>
             <a:endParaRPr lang="fr-CH"/>
           </a:p>
@@ -1727,7 +1729,7 @@
           <a:p>
             <a:fld id="{A019C843-81E1-4383-9F8F-73842B62BEA2}" type="datetimeFigureOut">
               <a:rPr lang="fr-CH" smtClean="0"/>
-              <a:t>14.08.2020</a:t>
+              <a:t>07.02.2021</a:t>
             </a:fld>
             <a:endParaRPr lang="fr-CH"/>
           </a:p>
@@ -1822,7 +1824,7 @@
           <a:p>
             <a:fld id="{A019C843-81E1-4383-9F8F-73842B62BEA2}" type="datetimeFigureOut">
               <a:rPr lang="fr-CH" smtClean="0"/>
-              <a:t>14.08.2020</a:t>
+              <a:t>07.02.2021</a:t>
             </a:fld>
             <a:endParaRPr lang="fr-CH"/>
           </a:p>
@@ -2099,7 +2101,7 @@
           <a:p>
             <a:fld id="{A019C843-81E1-4383-9F8F-73842B62BEA2}" type="datetimeFigureOut">
               <a:rPr lang="fr-CH" smtClean="0"/>
-              <a:t>14.08.2020</a:t>
+              <a:t>07.02.2021</a:t>
             </a:fld>
             <a:endParaRPr lang="fr-CH"/>
           </a:p>
@@ -2356,7 +2358,7 @@
           <a:p>
             <a:fld id="{A019C843-81E1-4383-9F8F-73842B62BEA2}" type="datetimeFigureOut">
               <a:rPr lang="fr-CH" smtClean="0"/>
-              <a:t>14.08.2020</a:t>
+              <a:t>07.02.2021</a:t>
             </a:fld>
             <a:endParaRPr lang="fr-CH"/>
           </a:p>
@@ -2569,7 +2571,7 @@
           <a:p>
             <a:fld id="{A019C843-81E1-4383-9F8F-73842B62BEA2}" type="datetimeFigureOut">
               <a:rPr lang="fr-CH" smtClean="0"/>
-              <a:t>14.08.2020</a:t>
+              <a:t>07.02.2021</a:t>
             </a:fld>
             <a:endParaRPr lang="fr-CH"/>
           </a:p>
@@ -8557,6 +8559,3316 @@
       </p:grpSpPr>
       <p:pic>
         <p:nvPicPr>
+          <p:cNvPr id="22" name="Image 21">
+            <a:extLst>
+              <a:ext uri="{FF2B5EF4-FFF2-40B4-BE49-F238E27FC236}">
+                <a16:creationId xmlns:a16="http://schemas.microsoft.com/office/drawing/2014/main" id="{C30F3A30-566A-4696-883E-A064720E3D5E}"/>
+              </a:ext>
+            </a:extLst>
+          </p:cNvPr>
+          <p:cNvPicPr>
+            <a:picLocks noChangeAspect="1"/>
+          </p:cNvPicPr>
+          <p:nvPr/>
+        </p:nvPicPr>
+        <p:blipFill>
+          <a:blip r:embed="rId2"/>
+          <a:stretch>
+            <a:fillRect/>
+          </a:stretch>
+        </p:blipFill>
+        <p:spPr>
+          <a:xfrm>
+            <a:off x="1804239" y="3616449"/>
+            <a:ext cx="2526870" cy="4272841"/>
+          </a:xfrm>
+          <a:prstGeom prst="rect">
+            <a:avLst/>
+          </a:prstGeom>
+        </p:spPr>
+      </p:pic>
+      <p:sp>
+        <p:nvSpPr>
+          <p:cNvPr id="3" name="Rectangle 2">
+            <a:extLst>
+              <a:ext uri="{FF2B5EF4-FFF2-40B4-BE49-F238E27FC236}">
+                <a16:creationId xmlns:a16="http://schemas.microsoft.com/office/drawing/2014/main" id="{1BE15835-AFBB-4696-9CA4-56C1DA300B74}"/>
+              </a:ext>
+            </a:extLst>
+          </p:cNvPr>
+          <p:cNvSpPr/>
+          <p:nvPr/>
+        </p:nvSpPr>
+        <p:spPr>
+          <a:xfrm>
+            <a:off x="476250" y="3614905"/>
+            <a:ext cx="1212850" cy="463703"/>
+          </a:xfrm>
+          <a:prstGeom prst="rect">
+            <a:avLst/>
+          </a:prstGeom>
+          <a:solidFill>
+            <a:schemeClr val="bg1"/>
+          </a:solidFill>
+          <a:ln>
+            <a:noFill/>
+          </a:ln>
+        </p:spPr>
+        <p:style>
+          <a:lnRef idx="2">
+            <a:schemeClr val="accent1">
+              <a:shade val="50000"/>
+            </a:schemeClr>
+          </a:lnRef>
+          <a:fillRef idx="1">
+            <a:schemeClr val="accent1"/>
+          </a:fillRef>
+          <a:effectRef idx="0">
+            <a:schemeClr val="accent1"/>
+          </a:effectRef>
+          <a:fontRef idx="minor">
+            <a:schemeClr val="lt1"/>
+          </a:fontRef>
+        </p:style>
+        <p:txBody>
+          <a:bodyPr lIns="0" rIns="0" rtlCol="0" anchor="ctr"/>
+          <a:lstStyle/>
+          <a:p>
+            <a:pPr algn="ctr"/>
+            <a:r>
+              <a:rPr lang="fr-CH" sz="1100" dirty="0">
+                <a:solidFill>
+                  <a:srgbClr val="FF0000"/>
+                </a:solidFill>
+                <a:latin typeface="+mj-lt"/>
+              </a:rPr>
+              <a:t>Active la fonction «Lettres»</a:t>
+            </a:r>
+          </a:p>
+        </p:txBody>
+      </p:sp>
+      <p:sp>
+        <p:nvSpPr>
+          <p:cNvPr id="5" name="Rectangle 4">
+            <a:extLst>
+              <a:ext uri="{FF2B5EF4-FFF2-40B4-BE49-F238E27FC236}">
+                <a16:creationId xmlns:a16="http://schemas.microsoft.com/office/drawing/2014/main" id="{D4FCF9BF-F1EE-415C-9877-D4C9C086D8FB}"/>
+              </a:ext>
+            </a:extLst>
+          </p:cNvPr>
+          <p:cNvSpPr/>
+          <p:nvPr/>
+        </p:nvSpPr>
+        <p:spPr>
+          <a:xfrm>
+            <a:off x="2196856" y="2930554"/>
+            <a:ext cx="1723130" cy="578003"/>
+          </a:xfrm>
+          <a:prstGeom prst="rect">
+            <a:avLst/>
+          </a:prstGeom>
+          <a:solidFill>
+            <a:schemeClr val="bg1"/>
+          </a:solidFill>
+          <a:ln>
+            <a:noFill/>
+          </a:ln>
+        </p:spPr>
+        <p:style>
+          <a:lnRef idx="2">
+            <a:schemeClr val="accent1">
+              <a:shade val="50000"/>
+            </a:schemeClr>
+          </a:lnRef>
+          <a:fillRef idx="1">
+            <a:schemeClr val="accent1"/>
+          </a:fillRef>
+          <a:effectRef idx="0">
+            <a:schemeClr val="accent1"/>
+          </a:effectRef>
+          <a:fontRef idx="minor">
+            <a:schemeClr val="lt1"/>
+          </a:fontRef>
+        </p:style>
+        <p:txBody>
+          <a:bodyPr lIns="0" rIns="0" rtlCol="0" anchor="ctr"/>
+          <a:lstStyle/>
+          <a:p>
+            <a:pPr algn="ctr"/>
+            <a:r>
+              <a:rPr lang="fr-CH" sz="1100" dirty="0">
+                <a:solidFill>
+                  <a:srgbClr val="FF0000"/>
+                </a:solidFill>
+                <a:latin typeface="+mj-lt"/>
+              </a:rPr>
+              <a:t>Réinitialise les lettres choisies à b, p, d et q dans les couleurs de départ</a:t>
+            </a:r>
+          </a:p>
+        </p:txBody>
+      </p:sp>
+      <p:sp>
+        <p:nvSpPr>
+          <p:cNvPr id="6" name="Rectangle 5">
+            <a:extLst>
+              <a:ext uri="{FF2B5EF4-FFF2-40B4-BE49-F238E27FC236}">
+                <a16:creationId xmlns:a16="http://schemas.microsoft.com/office/drawing/2014/main" id="{99030BBC-20B2-4560-AE23-AAB00195ABC5}"/>
+              </a:ext>
+            </a:extLst>
+          </p:cNvPr>
+          <p:cNvSpPr/>
+          <p:nvPr/>
+        </p:nvSpPr>
+        <p:spPr>
+          <a:xfrm>
+            <a:off x="564174" y="4675127"/>
+            <a:ext cx="1148119" cy="463703"/>
+          </a:xfrm>
+          <a:prstGeom prst="rect">
+            <a:avLst/>
+          </a:prstGeom>
+          <a:solidFill>
+            <a:schemeClr val="bg1"/>
+          </a:solidFill>
+          <a:ln>
+            <a:noFill/>
+          </a:ln>
+        </p:spPr>
+        <p:style>
+          <a:lnRef idx="2">
+            <a:schemeClr val="accent1">
+              <a:shade val="50000"/>
+            </a:schemeClr>
+          </a:lnRef>
+          <a:fillRef idx="1">
+            <a:schemeClr val="accent1"/>
+          </a:fillRef>
+          <a:effectRef idx="0">
+            <a:schemeClr val="accent1"/>
+          </a:effectRef>
+          <a:fontRef idx="minor">
+            <a:schemeClr val="lt1"/>
+          </a:fontRef>
+        </p:style>
+        <p:txBody>
+          <a:bodyPr lIns="0" rIns="0" rtlCol="0" anchor="ctr"/>
+          <a:lstStyle/>
+          <a:p>
+            <a:pPr algn="ctr"/>
+            <a:r>
+              <a:rPr lang="fr-CH" sz="1100" dirty="0">
+                <a:solidFill>
+                  <a:srgbClr val="FF0000"/>
+                </a:solidFill>
+                <a:latin typeface="+mj-lt"/>
+              </a:rPr>
+              <a:t>Active la fonction «Syllabes»</a:t>
+            </a:r>
+          </a:p>
+        </p:txBody>
+      </p:sp>
+      <p:sp>
+        <p:nvSpPr>
+          <p:cNvPr id="7" name="Rectangle 6">
+            <a:extLst>
+              <a:ext uri="{FF2B5EF4-FFF2-40B4-BE49-F238E27FC236}">
+                <a16:creationId xmlns:a16="http://schemas.microsoft.com/office/drawing/2014/main" id="{BC52D3C4-2370-4B87-804E-282EDE51FE5B}"/>
+              </a:ext>
+            </a:extLst>
+          </p:cNvPr>
+          <p:cNvSpPr/>
+          <p:nvPr/>
+        </p:nvSpPr>
+        <p:spPr>
+          <a:xfrm>
+            <a:off x="705292" y="5200064"/>
+            <a:ext cx="1032501" cy="463703"/>
+          </a:xfrm>
+          <a:prstGeom prst="rect">
+            <a:avLst/>
+          </a:prstGeom>
+          <a:solidFill>
+            <a:schemeClr val="bg1"/>
+          </a:solidFill>
+          <a:ln>
+            <a:noFill/>
+          </a:ln>
+        </p:spPr>
+        <p:style>
+          <a:lnRef idx="2">
+            <a:schemeClr val="accent1">
+              <a:shade val="50000"/>
+            </a:schemeClr>
+          </a:lnRef>
+          <a:fillRef idx="1">
+            <a:schemeClr val="accent1"/>
+          </a:fillRef>
+          <a:effectRef idx="0">
+            <a:schemeClr val="accent1"/>
+          </a:effectRef>
+          <a:fontRef idx="minor">
+            <a:schemeClr val="lt1"/>
+          </a:fontRef>
+        </p:style>
+        <p:txBody>
+          <a:bodyPr lIns="0" rIns="0" rtlCol="0" anchor="ctr"/>
+          <a:lstStyle/>
+          <a:p>
+            <a:pPr algn="ctr"/>
+            <a:r>
+              <a:rPr lang="fr-CH" sz="1100" dirty="0">
+                <a:solidFill>
+                  <a:srgbClr val="FF0000"/>
+                </a:solidFill>
+                <a:latin typeface="+mj-lt"/>
+              </a:rPr>
+              <a:t>Active la fonction «Mots»</a:t>
+            </a:r>
+          </a:p>
+        </p:txBody>
+      </p:sp>
+      <p:sp>
+        <p:nvSpPr>
+          <p:cNvPr id="8" name="Rectangle 7">
+            <a:extLst>
+              <a:ext uri="{FF2B5EF4-FFF2-40B4-BE49-F238E27FC236}">
+                <a16:creationId xmlns:a16="http://schemas.microsoft.com/office/drawing/2014/main" id="{91C44513-B801-4333-93A5-9D47F209B7BA}"/>
+              </a:ext>
+            </a:extLst>
+          </p:cNvPr>
+          <p:cNvSpPr/>
+          <p:nvPr/>
+        </p:nvSpPr>
+        <p:spPr>
+          <a:xfrm>
+            <a:off x="654050" y="4184694"/>
+            <a:ext cx="1028942" cy="463703"/>
+          </a:xfrm>
+          <a:prstGeom prst="rect">
+            <a:avLst/>
+          </a:prstGeom>
+          <a:solidFill>
+            <a:schemeClr val="bg1"/>
+          </a:solidFill>
+          <a:ln>
+            <a:noFill/>
+          </a:ln>
+        </p:spPr>
+        <p:style>
+          <a:lnRef idx="2">
+            <a:schemeClr val="accent1">
+              <a:shade val="50000"/>
+            </a:schemeClr>
+          </a:lnRef>
+          <a:fillRef idx="1">
+            <a:schemeClr val="accent1"/>
+          </a:fillRef>
+          <a:effectRef idx="0">
+            <a:schemeClr val="accent1"/>
+          </a:effectRef>
+          <a:fontRef idx="minor">
+            <a:schemeClr val="lt1"/>
+          </a:fontRef>
+        </p:style>
+        <p:txBody>
+          <a:bodyPr lIns="0" rIns="0" rtlCol="0" anchor="ctr"/>
+          <a:lstStyle/>
+          <a:p>
+            <a:pPr algn="ctr"/>
+            <a:r>
+              <a:rPr lang="fr-CH" sz="1100" dirty="0">
+                <a:solidFill>
+                  <a:srgbClr val="FF0000"/>
+                </a:solidFill>
+                <a:latin typeface="+mj-lt"/>
+              </a:rPr>
+              <a:t>Active la fonction «Lignes»</a:t>
+            </a:r>
+          </a:p>
+        </p:txBody>
+      </p:sp>
+      <p:sp>
+        <p:nvSpPr>
+          <p:cNvPr id="9" name="Rectangle 8">
+            <a:extLst>
+              <a:ext uri="{FF2B5EF4-FFF2-40B4-BE49-F238E27FC236}">
+                <a16:creationId xmlns:a16="http://schemas.microsoft.com/office/drawing/2014/main" id="{911B8386-78A8-4F8A-BAE8-D238CECC7BF4}"/>
+              </a:ext>
+            </a:extLst>
+          </p:cNvPr>
+          <p:cNvSpPr/>
+          <p:nvPr/>
+        </p:nvSpPr>
+        <p:spPr>
+          <a:xfrm>
+            <a:off x="4779070" y="3980963"/>
+            <a:ext cx="1514757" cy="399642"/>
+          </a:xfrm>
+          <a:prstGeom prst="rect">
+            <a:avLst/>
+          </a:prstGeom>
+          <a:solidFill>
+            <a:schemeClr val="bg1"/>
+          </a:solidFill>
+          <a:ln>
+            <a:noFill/>
+          </a:ln>
+        </p:spPr>
+        <p:style>
+          <a:lnRef idx="2">
+            <a:schemeClr val="accent1">
+              <a:shade val="50000"/>
+            </a:schemeClr>
+          </a:lnRef>
+          <a:fillRef idx="1">
+            <a:schemeClr val="accent1"/>
+          </a:fillRef>
+          <a:effectRef idx="0">
+            <a:schemeClr val="accent1"/>
+          </a:effectRef>
+          <a:fontRef idx="minor">
+            <a:schemeClr val="lt1"/>
+          </a:fontRef>
+        </p:style>
+        <p:txBody>
+          <a:bodyPr lIns="0" rIns="0" rtlCol="0" anchor="ctr"/>
+          <a:lstStyle/>
+          <a:p>
+            <a:pPr algn="ctr"/>
+            <a:r>
+              <a:rPr lang="fr-CH" sz="1100" dirty="0">
+                <a:solidFill>
+                  <a:srgbClr val="FF0000"/>
+                </a:solidFill>
+                <a:latin typeface="+mj-lt"/>
+              </a:rPr>
+              <a:t>Active la fonction «Voyelles-Consonnes»</a:t>
+            </a:r>
+          </a:p>
+        </p:txBody>
+      </p:sp>
+      <p:sp>
+        <p:nvSpPr>
+          <p:cNvPr id="10" name="Rectangle 9">
+            <a:extLst>
+              <a:ext uri="{FF2B5EF4-FFF2-40B4-BE49-F238E27FC236}">
+                <a16:creationId xmlns:a16="http://schemas.microsoft.com/office/drawing/2014/main" id="{18C7D446-B0FD-4CC9-911D-A729A2550663}"/>
+              </a:ext>
+            </a:extLst>
+          </p:cNvPr>
+          <p:cNvSpPr/>
+          <p:nvPr/>
+        </p:nvSpPr>
+        <p:spPr>
+          <a:xfrm>
+            <a:off x="4490581" y="4382545"/>
+            <a:ext cx="1608449" cy="427671"/>
+          </a:xfrm>
+          <a:prstGeom prst="rect">
+            <a:avLst/>
+          </a:prstGeom>
+          <a:solidFill>
+            <a:schemeClr val="bg1"/>
+          </a:solidFill>
+          <a:ln>
+            <a:noFill/>
+          </a:ln>
+        </p:spPr>
+        <p:style>
+          <a:lnRef idx="2">
+            <a:schemeClr val="accent1">
+              <a:shade val="50000"/>
+            </a:schemeClr>
+          </a:lnRef>
+          <a:fillRef idx="1">
+            <a:schemeClr val="accent1"/>
+          </a:fillRef>
+          <a:effectRef idx="0">
+            <a:schemeClr val="accent1"/>
+          </a:effectRef>
+          <a:fontRef idx="minor">
+            <a:schemeClr val="lt1"/>
+          </a:fontRef>
+        </p:style>
+        <p:txBody>
+          <a:bodyPr lIns="0" rIns="0" rtlCol="0" anchor="ctr"/>
+          <a:lstStyle/>
+          <a:p>
+            <a:pPr algn="ctr"/>
+            <a:r>
+              <a:rPr lang="fr-CH" sz="1100" dirty="0">
+                <a:solidFill>
+                  <a:srgbClr val="FF0000"/>
+                </a:solidFill>
+                <a:latin typeface="+mj-lt"/>
+              </a:rPr>
+              <a:t>Active la fonction «Tout remettre en noir»</a:t>
+            </a:r>
+          </a:p>
+        </p:txBody>
+      </p:sp>
+      <p:sp>
+        <p:nvSpPr>
+          <p:cNvPr id="11" name="Rectangle 10">
+            <a:extLst>
+              <a:ext uri="{FF2B5EF4-FFF2-40B4-BE49-F238E27FC236}">
+                <a16:creationId xmlns:a16="http://schemas.microsoft.com/office/drawing/2014/main" id="{C62E86A0-91A4-4420-BF86-FF4CDC1FFF49}"/>
+              </a:ext>
+            </a:extLst>
+          </p:cNvPr>
+          <p:cNvSpPr/>
+          <p:nvPr/>
+        </p:nvSpPr>
+        <p:spPr>
+          <a:xfrm>
+            <a:off x="4165264" y="2938530"/>
+            <a:ext cx="1574291" cy="578003"/>
+          </a:xfrm>
+          <a:prstGeom prst="rect">
+            <a:avLst/>
+          </a:prstGeom>
+          <a:solidFill>
+            <a:schemeClr val="bg1"/>
+          </a:solidFill>
+          <a:ln>
+            <a:noFill/>
+          </a:ln>
+        </p:spPr>
+        <p:style>
+          <a:lnRef idx="2">
+            <a:schemeClr val="accent1">
+              <a:shade val="50000"/>
+            </a:schemeClr>
+          </a:lnRef>
+          <a:fillRef idx="1">
+            <a:schemeClr val="accent1"/>
+          </a:fillRef>
+          <a:effectRef idx="0">
+            <a:schemeClr val="accent1"/>
+          </a:effectRef>
+          <a:fontRef idx="minor">
+            <a:schemeClr val="lt1"/>
+          </a:fontRef>
+        </p:style>
+        <p:txBody>
+          <a:bodyPr lIns="0" rIns="0" rtlCol="0" anchor="ctr"/>
+          <a:lstStyle/>
+          <a:p>
+            <a:pPr algn="ctr"/>
+            <a:r>
+              <a:rPr lang="fr-CH" sz="1100" dirty="0">
+                <a:solidFill>
+                  <a:srgbClr val="FF0000"/>
+                </a:solidFill>
+                <a:latin typeface="+mj-lt"/>
+              </a:rPr>
+              <a:t>Permet de définir les lettres (max 8) à marquer dans le texte</a:t>
+            </a:r>
+          </a:p>
+        </p:txBody>
+      </p:sp>
+      <p:sp>
+        <p:nvSpPr>
+          <p:cNvPr id="12" name="Ellipse 11">
+            <a:extLst>
+              <a:ext uri="{FF2B5EF4-FFF2-40B4-BE49-F238E27FC236}">
+                <a16:creationId xmlns:a16="http://schemas.microsoft.com/office/drawing/2014/main" id="{AD6F78CD-1563-4BE5-900B-7BBD4853DEC0}"/>
+              </a:ext>
+            </a:extLst>
+          </p:cNvPr>
+          <p:cNvSpPr/>
+          <p:nvPr/>
+        </p:nvSpPr>
+        <p:spPr>
+          <a:xfrm>
+            <a:off x="1826519" y="4277672"/>
+            <a:ext cx="2466080" cy="179568"/>
+          </a:xfrm>
+          <a:prstGeom prst="ellipse">
+            <a:avLst/>
+          </a:prstGeom>
+          <a:noFill/>
+          <a:ln w="6350">
+            <a:solidFill>
+              <a:srgbClr val="FF0000"/>
+            </a:solidFill>
+          </a:ln>
+        </p:spPr>
+        <p:style>
+          <a:lnRef idx="2">
+            <a:schemeClr val="accent1">
+              <a:shade val="50000"/>
+            </a:schemeClr>
+          </a:lnRef>
+          <a:fillRef idx="1">
+            <a:schemeClr val="accent1"/>
+          </a:fillRef>
+          <a:effectRef idx="0">
+            <a:schemeClr val="accent1"/>
+          </a:effectRef>
+          <a:fontRef idx="minor">
+            <a:schemeClr val="lt1"/>
+          </a:fontRef>
+        </p:style>
+        <p:txBody>
+          <a:bodyPr lIns="0" rIns="0" rtlCol="0" anchor="ctr"/>
+          <a:lstStyle/>
+          <a:p>
+            <a:pPr algn="ctr"/>
+            <a:endParaRPr lang="fr-CH">
+              <a:latin typeface="+mj-lt"/>
+            </a:endParaRPr>
+          </a:p>
+        </p:txBody>
+      </p:sp>
+      <p:sp>
+        <p:nvSpPr>
+          <p:cNvPr id="13" name="Ellipse 12">
+            <a:extLst>
+              <a:ext uri="{FF2B5EF4-FFF2-40B4-BE49-F238E27FC236}">
+                <a16:creationId xmlns:a16="http://schemas.microsoft.com/office/drawing/2014/main" id="{8FF3A585-9821-4609-B194-1EC4CB104710}"/>
+              </a:ext>
+            </a:extLst>
+          </p:cNvPr>
+          <p:cNvSpPr/>
+          <p:nvPr/>
+        </p:nvSpPr>
+        <p:spPr>
+          <a:xfrm>
+            <a:off x="2511423" y="4061733"/>
+            <a:ext cx="1060451" cy="179568"/>
+          </a:xfrm>
+          <a:prstGeom prst="ellipse">
+            <a:avLst/>
+          </a:prstGeom>
+          <a:noFill/>
+          <a:ln w="6350">
+            <a:solidFill>
+              <a:srgbClr val="FF0000"/>
+            </a:solidFill>
+          </a:ln>
+        </p:spPr>
+        <p:style>
+          <a:lnRef idx="2">
+            <a:schemeClr val="accent1">
+              <a:shade val="50000"/>
+            </a:schemeClr>
+          </a:lnRef>
+          <a:fillRef idx="1">
+            <a:schemeClr val="accent1"/>
+          </a:fillRef>
+          <a:effectRef idx="0">
+            <a:schemeClr val="accent1"/>
+          </a:effectRef>
+          <a:fontRef idx="minor">
+            <a:schemeClr val="lt1"/>
+          </a:fontRef>
+        </p:style>
+        <p:txBody>
+          <a:bodyPr lIns="0" rIns="0" rtlCol="0" anchor="ctr"/>
+          <a:lstStyle/>
+          <a:p>
+            <a:pPr algn="ctr"/>
+            <a:endParaRPr lang="fr-CH">
+              <a:latin typeface="+mj-lt"/>
+            </a:endParaRPr>
+          </a:p>
+        </p:txBody>
+      </p:sp>
+      <p:sp>
+        <p:nvSpPr>
+          <p:cNvPr id="14" name="Ellipse 13">
+            <a:extLst>
+              <a:ext uri="{FF2B5EF4-FFF2-40B4-BE49-F238E27FC236}">
+                <a16:creationId xmlns:a16="http://schemas.microsoft.com/office/drawing/2014/main" id="{05087644-1F13-43F2-868A-0692B67D6DB1}"/>
+              </a:ext>
+            </a:extLst>
+          </p:cNvPr>
+          <p:cNvSpPr/>
+          <p:nvPr/>
+        </p:nvSpPr>
+        <p:spPr>
+          <a:xfrm>
+            <a:off x="1848990" y="3785191"/>
+            <a:ext cx="336306" cy="336306"/>
+          </a:xfrm>
+          <a:prstGeom prst="ellipse">
+            <a:avLst/>
+          </a:prstGeom>
+          <a:noFill/>
+          <a:ln w="6350">
+            <a:solidFill>
+              <a:srgbClr val="FF0000"/>
+            </a:solidFill>
+          </a:ln>
+        </p:spPr>
+        <p:style>
+          <a:lnRef idx="2">
+            <a:schemeClr val="accent1">
+              <a:shade val="50000"/>
+            </a:schemeClr>
+          </a:lnRef>
+          <a:fillRef idx="1">
+            <a:schemeClr val="accent1"/>
+          </a:fillRef>
+          <a:effectRef idx="0">
+            <a:schemeClr val="accent1"/>
+          </a:effectRef>
+          <a:fontRef idx="minor">
+            <a:schemeClr val="lt1"/>
+          </a:fontRef>
+        </p:style>
+        <p:txBody>
+          <a:bodyPr lIns="0" rIns="0" rtlCol="0" anchor="ctr"/>
+          <a:lstStyle/>
+          <a:p>
+            <a:pPr algn="ctr"/>
+            <a:endParaRPr lang="fr-CH">
+              <a:latin typeface="+mj-lt"/>
+            </a:endParaRPr>
+          </a:p>
+        </p:txBody>
+      </p:sp>
+      <p:sp>
+        <p:nvSpPr>
+          <p:cNvPr id="15" name="Ellipse 14">
+            <a:extLst>
+              <a:ext uri="{FF2B5EF4-FFF2-40B4-BE49-F238E27FC236}">
+                <a16:creationId xmlns:a16="http://schemas.microsoft.com/office/drawing/2014/main" id="{C94EBD21-5C28-45FF-879F-58D8F35E6876}"/>
+              </a:ext>
+            </a:extLst>
+          </p:cNvPr>
+          <p:cNvSpPr/>
+          <p:nvPr/>
+        </p:nvSpPr>
+        <p:spPr>
+          <a:xfrm>
+            <a:off x="2000109" y="4848389"/>
+            <a:ext cx="336306" cy="336306"/>
+          </a:xfrm>
+          <a:prstGeom prst="ellipse">
+            <a:avLst/>
+          </a:prstGeom>
+          <a:noFill/>
+          <a:ln w="6350">
+            <a:solidFill>
+              <a:srgbClr val="FF0000"/>
+            </a:solidFill>
+          </a:ln>
+        </p:spPr>
+        <p:style>
+          <a:lnRef idx="2">
+            <a:schemeClr val="accent1">
+              <a:shade val="50000"/>
+            </a:schemeClr>
+          </a:lnRef>
+          <a:fillRef idx="1">
+            <a:schemeClr val="accent1"/>
+          </a:fillRef>
+          <a:effectRef idx="0">
+            <a:schemeClr val="accent1"/>
+          </a:effectRef>
+          <a:fontRef idx="minor">
+            <a:schemeClr val="lt1"/>
+          </a:fontRef>
+        </p:style>
+        <p:txBody>
+          <a:bodyPr lIns="0" rIns="0" rtlCol="0" anchor="ctr"/>
+          <a:lstStyle/>
+          <a:p>
+            <a:pPr algn="ctr"/>
+            <a:endParaRPr lang="fr-CH">
+              <a:latin typeface="+mj-lt"/>
+            </a:endParaRPr>
+          </a:p>
+        </p:txBody>
+      </p:sp>
+      <p:sp>
+        <p:nvSpPr>
+          <p:cNvPr id="16" name="Ellipse 15">
+            <a:extLst>
+              <a:ext uri="{FF2B5EF4-FFF2-40B4-BE49-F238E27FC236}">
+                <a16:creationId xmlns:a16="http://schemas.microsoft.com/office/drawing/2014/main" id="{F7A06792-8026-483D-8F15-085C4FE5D4E3}"/>
+              </a:ext>
+            </a:extLst>
+          </p:cNvPr>
+          <p:cNvSpPr/>
+          <p:nvPr/>
+        </p:nvSpPr>
+        <p:spPr>
+          <a:xfrm>
+            <a:off x="2455317" y="4858500"/>
+            <a:ext cx="336306" cy="336306"/>
+          </a:xfrm>
+          <a:prstGeom prst="ellipse">
+            <a:avLst/>
+          </a:prstGeom>
+          <a:noFill/>
+          <a:ln w="6350">
+            <a:solidFill>
+              <a:srgbClr val="FF0000"/>
+            </a:solidFill>
+          </a:ln>
+        </p:spPr>
+        <p:style>
+          <a:lnRef idx="2">
+            <a:schemeClr val="accent1">
+              <a:shade val="50000"/>
+            </a:schemeClr>
+          </a:lnRef>
+          <a:fillRef idx="1">
+            <a:schemeClr val="accent1"/>
+          </a:fillRef>
+          <a:effectRef idx="0">
+            <a:schemeClr val="accent1"/>
+          </a:effectRef>
+          <a:fontRef idx="minor">
+            <a:schemeClr val="lt1"/>
+          </a:fontRef>
+        </p:style>
+        <p:txBody>
+          <a:bodyPr lIns="0" rIns="0" rtlCol="0" anchor="ctr"/>
+          <a:lstStyle/>
+          <a:p>
+            <a:pPr algn="ctr"/>
+            <a:endParaRPr lang="fr-CH">
+              <a:latin typeface="+mj-lt"/>
+            </a:endParaRPr>
+          </a:p>
+        </p:txBody>
+      </p:sp>
+      <p:sp>
+        <p:nvSpPr>
+          <p:cNvPr id="17" name="Ellipse 16">
+            <a:extLst>
+              <a:ext uri="{FF2B5EF4-FFF2-40B4-BE49-F238E27FC236}">
+                <a16:creationId xmlns:a16="http://schemas.microsoft.com/office/drawing/2014/main" id="{BC86CFFF-EA57-4A52-BBAC-D7F9D7FA00BA}"/>
+              </a:ext>
+            </a:extLst>
+          </p:cNvPr>
+          <p:cNvSpPr/>
+          <p:nvPr/>
+        </p:nvSpPr>
+        <p:spPr>
+          <a:xfrm>
+            <a:off x="2917402" y="4858500"/>
+            <a:ext cx="336306" cy="336306"/>
+          </a:xfrm>
+          <a:prstGeom prst="ellipse">
+            <a:avLst/>
+          </a:prstGeom>
+          <a:noFill/>
+          <a:ln w="6350">
+            <a:solidFill>
+              <a:srgbClr val="FF0000"/>
+            </a:solidFill>
+          </a:ln>
+        </p:spPr>
+        <p:style>
+          <a:lnRef idx="2">
+            <a:schemeClr val="accent1">
+              <a:shade val="50000"/>
+            </a:schemeClr>
+          </a:lnRef>
+          <a:fillRef idx="1">
+            <a:schemeClr val="accent1"/>
+          </a:fillRef>
+          <a:effectRef idx="0">
+            <a:schemeClr val="accent1"/>
+          </a:effectRef>
+          <a:fontRef idx="minor">
+            <a:schemeClr val="lt1"/>
+          </a:fontRef>
+        </p:style>
+        <p:txBody>
+          <a:bodyPr lIns="0" rIns="0" rtlCol="0" anchor="ctr"/>
+          <a:lstStyle/>
+          <a:p>
+            <a:pPr algn="ctr"/>
+            <a:endParaRPr lang="fr-CH">
+              <a:latin typeface="+mj-lt"/>
+            </a:endParaRPr>
+          </a:p>
+        </p:txBody>
+      </p:sp>
+      <p:sp>
+        <p:nvSpPr>
+          <p:cNvPr id="18" name="Ellipse 17">
+            <a:extLst>
+              <a:ext uri="{FF2B5EF4-FFF2-40B4-BE49-F238E27FC236}">
+                <a16:creationId xmlns:a16="http://schemas.microsoft.com/office/drawing/2014/main" id="{78EA4BAC-474E-427B-A9C9-78648BE80C3F}"/>
+              </a:ext>
+            </a:extLst>
+          </p:cNvPr>
+          <p:cNvSpPr/>
+          <p:nvPr/>
+        </p:nvSpPr>
+        <p:spPr>
+          <a:xfrm>
+            <a:off x="3312568" y="4843955"/>
+            <a:ext cx="336306" cy="336306"/>
+          </a:xfrm>
+          <a:prstGeom prst="ellipse">
+            <a:avLst/>
+          </a:prstGeom>
+          <a:noFill/>
+          <a:ln w="6350">
+            <a:solidFill>
+              <a:srgbClr val="FF0000"/>
+            </a:solidFill>
+          </a:ln>
+        </p:spPr>
+        <p:style>
+          <a:lnRef idx="2">
+            <a:schemeClr val="accent1">
+              <a:shade val="50000"/>
+            </a:schemeClr>
+          </a:lnRef>
+          <a:fillRef idx="1">
+            <a:schemeClr val="accent1"/>
+          </a:fillRef>
+          <a:effectRef idx="0">
+            <a:schemeClr val="accent1"/>
+          </a:effectRef>
+          <a:fontRef idx="minor">
+            <a:schemeClr val="lt1"/>
+          </a:fontRef>
+        </p:style>
+        <p:txBody>
+          <a:bodyPr lIns="0" rIns="0" rtlCol="0" anchor="ctr"/>
+          <a:lstStyle/>
+          <a:p>
+            <a:pPr algn="ctr"/>
+            <a:endParaRPr lang="fr-CH">
+              <a:latin typeface="+mj-lt"/>
+            </a:endParaRPr>
+          </a:p>
+        </p:txBody>
+      </p:sp>
+      <p:sp>
+        <p:nvSpPr>
+          <p:cNvPr id="19" name="Ellipse 18">
+            <a:extLst>
+              <a:ext uri="{FF2B5EF4-FFF2-40B4-BE49-F238E27FC236}">
+                <a16:creationId xmlns:a16="http://schemas.microsoft.com/office/drawing/2014/main" id="{5D3E7C17-8FC5-4A49-AEE6-9133EACE605C}"/>
+              </a:ext>
+            </a:extLst>
+          </p:cNvPr>
+          <p:cNvSpPr/>
+          <p:nvPr/>
+        </p:nvSpPr>
+        <p:spPr>
+          <a:xfrm>
+            <a:off x="3722764" y="4851910"/>
+            <a:ext cx="336306" cy="336306"/>
+          </a:xfrm>
+          <a:prstGeom prst="ellipse">
+            <a:avLst/>
+          </a:prstGeom>
+          <a:noFill/>
+          <a:ln w="6350">
+            <a:solidFill>
+              <a:srgbClr val="FF0000"/>
+            </a:solidFill>
+          </a:ln>
+        </p:spPr>
+        <p:style>
+          <a:lnRef idx="2">
+            <a:schemeClr val="accent1">
+              <a:shade val="50000"/>
+            </a:schemeClr>
+          </a:lnRef>
+          <a:fillRef idx="1">
+            <a:schemeClr val="accent1"/>
+          </a:fillRef>
+          <a:effectRef idx="0">
+            <a:schemeClr val="accent1"/>
+          </a:effectRef>
+          <a:fontRef idx="minor">
+            <a:schemeClr val="lt1"/>
+          </a:fontRef>
+        </p:style>
+        <p:txBody>
+          <a:bodyPr lIns="0" rIns="0" rtlCol="0" anchor="ctr"/>
+          <a:lstStyle/>
+          <a:p>
+            <a:pPr algn="ctr"/>
+            <a:endParaRPr lang="fr-CH">
+              <a:latin typeface="+mj-lt"/>
+            </a:endParaRPr>
+          </a:p>
+        </p:txBody>
+      </p:sp>
+      <p:cxnSp>
+        <p:nvCxnSpPr>
+          <p:cNvPr id="21" name="Connecteur droit 20">
+            <a:extLst>
+              <a:ext uri="{FF2B5EF4-FFF2-40B4-BE49-F238E27FC236}">
+                <a16:creationId xmlns:a16="http://schemas.microsoft.com/office/drawing/2014/main" id="{8E5562F6-F760-4334-A1D4-8E2E2B18DCA9}"/>
+              </a:ext>
+            </a:extLst>
+          </p:cNvPr>
+          <p:cNvCxnSpPr>
+            <a:cxnSpLocks/>
+            <a:stCxn id="7" idx="3"/>
+            <a:endCxn id="16" idx="3"/>
+          </p:cNvCxnSpPr>
+          <p:nvPr/>
+        </p:nvCxnSpPr>
+        <p:spPr>
+          <a:xfrm flipV="1">
+            <a:off x="1737793" y="5145555"/>
+            <a:ext cx="766775" cy="286361"/>
+          </a:xfrm>
+          <a:prstGeom prst="line">
+            <a:avLst/>
+          </a:prstGeom>
+          <a:ln w="6350">
+            <a:solidFill>
+              <a:srgbClr val="FF0000"/>
+            </a:solidFill>
+          </a:ln>
+        </p:spPr>
+        <p:style>
+          <a:lnRef idx="1">
+            <a:schemeClr val="accent1"/>
+          </a:lnRef>
+          <a:fillRef idx="0">
+            <a:schemeClr val="accent1"/>
+          </a:fillRef>
+          <a:effectRef idx="0">
+            <a:schemeClr val="accent1"/>
+          </a:effectRef>
+          <a:fontRef idx="minor">
+            <a:schemeClr val="tx1"/>
+          </a:fontRef>
+        </p:style>
+      </p:cxnSp>
+      <p:cxnSp>
+        <p:nvCxnSpPr>
+          <p:cNvPr id="25" name="Connecteur droit 24">
+            <a:extLst>
+              <a:ext uri="{FF2B5EF4-FFF2-40B4-BE49-F238E27FC236}">
+                <a16:creationId xmlns:a16="http://schemas.microsoft.com/office/drawing/2014/main" id="{9A2E0360-F6C8-4F8B-A7B9-B2F7C4A08F03}"/>
+              </a:ext>
+            </a:extLst>
+          </p:cNvPr>
+          <p:cNvCxnSpPr>
+            <a:cxnSpLocks/>
+            <a:stCxn id="9" idx="1"/>
+            <a:endCxn id="18" idx="7"/>
+          </p:cNvCxnSpPr>
+          <p:nvPr/>
+        </p:nvCxnSpPr>
+        <p:spPr>
+          <a:xfrm flipH="1">
+            <a:off x="3599623" y="4180784"/>
+            <a:ext cx="1179447" cy="712422"/>
+          </a:xfrm>
+          <a:prstGeom prst="line">
+            <a:avLst/>
+          </a:prstGeom>
+          <a:ln w="6350">
+            <a:solidFill>
+              <a:srgbClr val="FF0000"/>
+            </a:solidFill>
+          </a:ln>
+        </p:spPr>
+        <p:style>
+          <a:lnRef idx="1">
+            <a:schemeClr val="accent1"/>
+          </a:lnRef>
+          <a:fillRef idx="0">
+            <a:schemeClr val="accent1"/>
+          </a:fillRef>
+          <a:effectRef idx="0">
+            <a:schemeClr val="accent1"/>
+          </a:effectRef>
+          <a:fontRef idx="minor">
+            <a:schemeClr val="tx1"/>
+          </a:fontRef>
+        </p:style>
+      </p:cxnSp>
+      <p:cxnSp>
+        <p:nvCxnSpPr>
+          <p:cNvPr id="27" name="Connecteur droit 26">
+            <a:extLst>
+              <a:ext uri="{FF2B5EF4-FFF2-40B4-BE49-F238E27FC236}">
+                <a16:creationId xmlns:a16="http://schemas.microsoft.com/office/drawing/2014/main" id="{F86F5C7B-6611-4CF6-85C3-333F54166137}"/>
+              </a:ext>
+            </a:extLst>
+          </p:cNvPr>
+          <p:cNvCxnSpPr>
+            <a:cxnSpLocks/>
+            <a:stCxn id="10" idx="1"/>
+            <a:endCxn id="19" idx="7"/>
+          </p:cNvCxnSpPr>
+          <p:nvPr/>
+        </p:nvCxnSpPr>
+        <p:spPr>
+          <a:xfrm flipH="1">
+            <a:off x="4009819" y="4596381"/>
+            <a:ext cx="480762" cy="304780"/>
+          </a:xfrm>
+          <a:prstGeom prst="line">
+            <a:avLst/>
+          </a:prstGeom>
+          <a:ln w="6350">
+            <a:solidFill>
+              <a:srgbClr val="FF0000"/>
+            </a:solidFill>
+          </a:ln>
+        </p:spPr>
+        <p:style>
+          <a:lnRef idx="1">
+            <a:schemeClr val="accent1"/>
+          </a:lnRef>
+          <a:fillRef idx="0">
+            <a:schemeClr val="accent1"/>
+          </a:fillRef>
+          <a:effectRef idx="0">
+            <a:schemeClr val="accent1"/>
+          </a:effectRef>
+          <a:fontRef idx="minor">
+            <a:schemeClr val="tx1"/>
+          </a:fontRef>
+        </p:style>
+      </p:cxnSp>
+      <p:cxnSp>
+        <p:nvCxnSpPr>
+          <p:cNvPr id="29" name="Connecteur droit 28">
+            <a:extLst>
+              <a:ext uri="{FF2B5EF4-FFF2-40B4-BE49-F238E27FC236}">
+                <a16:creationId xmlns:a16="http://schemas.microsoft.com/office/drawing/2014/main" id="{BB0F42B3-08B3-4494-85B2-1BF32DC2224C}"/>
+              </a:ext>
+            </a:extLst>
+          </p:cNvPr>
+          <p:cNvCxnSpPr>
+            <a:cxnSpLocks/>
+            <a:stCxn id="11" idx="2"/>
+            <a:endCxn id="12" idx="7"/>
+          </p:cNvCxnSpPr>
+          <p:nvPr/>
+        </p:nvCxnSpPr>
+        <p:spPr>
+          <a:xfrm flipH="1">
+            <a:off x="3931450" y="3516533"/>
+            <a:ext cx="1020960" cy="787436"/>
+          </a:xfrm>
+          <a:prstGeom prst="line">
+            <a:avLst/>
+          </a:prstGeom>
+          <a:ln w="6350">
+            <a:solidFill>
+              <a:srgbClr val="FF0000"/>
+            </a:solidFill>
+          </a:ln>
+        </p:spPr>
+        <p:style>
+          <a:lnRef idx="1">
+            <a:schemeClr val="accent1"/>
+          </a:lnRef>
+          <a:fillRef idx="0">
+            <a:schemeClr val="accent1"/>
+          </a:fillRef>
+          <a:effectRef idx="0">
+            <a:schemeClr val="accent1"/>
+          </a:effectRef>
+          <a:fontRef idx="minor">
+            <a:schemeClr val="tx1"/>
+          </a:fontRef>
+        </p:style>
+      </p:cxnSp>
+      <p:cxnSp>
+        <p:nvCxnSpPr>
+          <p:cNvPr id="31" name="Connecteur droit 30">
+            <a:extLst>
+              <a:ext uri="{FF2B5EF4-FFF2-40B4-BE49-F238E27FC236}">
+                <a16:creationId xmlns:a16="http://schemas.microsoft.com/office/drawing/2014/main" id="{0D44DA79-DABE-4AAC-AA7D-9B8F97AF377C}"/>
+              </a:ext>
+            </a:extLst>
+          </p:cNvPr>
+          <p:cNvCxnSpPr>
+            <a:stCxn id="5" idx="2"/>
+            <a:endCxn id="13" idx="0"/>
+          </p:cNvCxnSpPr>
+          <p:nvPr/>
+        </p:nvCxnSpPr>
+        <p:spPr>
+          <a:xfrm flipH="1">
+            <a:off x="3041649" y="3508557"/>
+            <a:ext cx="16772" cy="553176"/>
+          </a:xfrm>
+          <a:prstGeom prst="line">
+            <a:avLst/>
+          </a:prstGeom>
+          <a:ln w="6350">
+            <a:solidFill>
+              <a:srgbClr val="FF0000"/>
+            </a:solidFill>
+          </a:ln>
+        </p:spPr>
+        <p:style>
+          <a:lnRef idx="1">
+            <a:schemeClr val="accent1"/>
+          </a:lnRef>
+          <a:fillRef idx="0">
+            <a:schemeClr val="accent1"/>
+          </a:fillRef>
+          <a:effectRef idx="0">
+            <a:schemeClr val="accent1"/>
+          </a:effectRef>
+          <a:fontRef idx="minor">
+            <a:schemeClr val="tx1"/>
+          </a:fontRef>
+        </p:style>
+      </p:cxnSp>
+      <p:cxnSp>
+        <p:nvCxnSpPr>
+          <p:cNvPr id="33" name="Connecteur droit 32">
+            <a:extLst>
+              <a:ext uri="{FF2B5EF4-FFF2-40B4-BE49-F238E27FC236}">
+                <a16:creationId xmlns:a16="http://schemas.microsoft.com/office/drawing/2014/main" id="{AD8806C0-06C2-4386-A3D2-4822AFFCD489}"/>
+              </a:ext>
+            </a:extLst>
+          </p:cNvPr>
+          <p:cNvCxnSpPr>
+            <a:cxnSpLocks/>
+            <a:stCxn id="3" idx="3"/>
+            <a:endCxn id="14" idx="2"/>
+          </p:cNvCxnSpPr>
+          <p:nvPr/>
+        </p:nvCxnSpPr>
+        <p:spPr>
+          <a:xfrm>
+            <a:off x="1689100" y="3846757"/>
+            <a:ext cx="159890" cy="106587"/>
+          </a:xfrm>
+          <a:prstGeom prst="line">
+            <a:avLst/>
+          </a:prstGeom>
+          <a:ln w="6350">
+            <a:solidFill>
+              <a:srgbClr val="FF0000"/>
+            </a:solidFill>
+          </a:ln>
+        </p:spPr>
+        <p:style>
+          <a:lnRef idx="1">
+            <a:schemeClr val="accent1"/>
+          </a:lnRef>
+          <a:fillRef idx="0">
+            <a:schemeClr val="accent1"/>
+          </a:fillRef>
+          <a:effectRef idx="0">
+            <a:schemeClr val="accent1"/>
+          </a:effectRef>
+          <a:fontRef idx="minor">
+            <a:schemeClr val="tx1"/>
+          </a:fontRef>
+        </p:style>
+      </p:cxnSp>
+      <p:cxnSp>
+        <p:nvCxnSpPr>
+          <p:cNvPr id="36" name="Connecteur droit 35">
+            <a:extLst>
+              <a:ext uri="{FF2B5EF4-FFF2-40B4-BE49-F238E27FC236}">
+                <a16:creationId xmlns:a16="http://schemas.microsoft.com/office/drawing/2014/main" id="{AB4A35D6-F801-46D0-A8BE-23EDDCAEC365}"/>
+              </a:ext>
+            </a:extLst>
+          </p:cNvPr>
+          <p:cNvCxnSpPr>
+            <a:cxnSpLocks/>
+            <a:stCxn id="6" idx="3"/>
+            <a:endCxn id="15" idx="2"/>
+          </p:cNvCxnSpPr>
+          <p:nvPr/>
+        </p:nvCxnSpPr>
+        <p:spPr>
+          <a:xfrm>
+            <a:off x="1712293" y="4906979"/>
+            <a:ext cx="287816" cy="109563"/>
+          </a:xfrm>
+          <a:prstGeom prst="line">
+            <a:avLst/>
+          </a:prstGeom>
+          <a:ln w="6350">
+            <a:solidFill>
+              <a:srgbClr val="FF0000"/>
+            </a:solidFill>
+          </a:ln>
+        </p:spPr>
+        <p:style>
+          <a:lnRef idx="1">
+            <a:schemeClr val="accent1"/>
+          </a:lnRef>
+          <a:fillRef idx="0">
+            <a:schemeClr val="accent1"/>
+          </a:fillRef>
+          <a:effectRef idx="0">
+            <a:schemeClr val="accent1"/>
+          </a:effectRef>
+          <a:fontRef idx="minor">
+            <a:schemeClr val="tx1"/>
+          </a:fontRef>
+        </p:style>
+      </p:cxnSp>
+      <p:sp>
+        <p:nvSpPr>
+          <p:cNvPr id="48" name="Rectangle 47">
+            <a:extLst>
+              <a:ext uri="{FF2B5EF4-FFF2-40B4-BE49-F238E27FC236}">
+                <a16:creationId xmlns:a16="http://schemas.microsoft.com/office/drawing/2014/main" id="{E1DA4BD8-A01E-44D0-B14D-6FE7193A53DB}"/>
+              </a:ext>
+            </a:extLst>
+          </p:cNvPr>
+          <p:cNvSpPr/>
+          <p:nvPr/>
+        </p:nvSpPr>
+        <p:spPr>
+          <a:xfrm>
+            <a:off x="470142" y="5721306"/>
+            <a:ext cx="1298903" cy="570167"/>
+          </a:xfrm>
+          <a:prstGeom prst="rect">
+            <a:avLst/>
+          </a:prstGeom>
+          <a:solidFill>
+            <a:schemeClr val="bg1"/>
+          </a:solidFill>
+          <a:ln>
+            <a:noFill/>
+          </a:ln>
+        </p:spPr>
+        <p:style>
+          <a:lnRef idx="2">
+            <a:schemeClr val="accent1">
+              <a:shade val="50000"/>
+            </a:schemeClr>
+          </a:lnRef>
+          <a:fillRef idx="1">
+            <a:schemeClr val="accent1"/>
+          </a:fillRef>
+          <a:effectRef idx="0">
+            <a:schemeClr val="accent1"/>
+          </a:effectRef>
+          <a:fontRef idx="minor">
+            <a:schemeClr val="lt1"/>
+          </a:fontRef>
+        </p:style>
+        <p:txBody>
+          <a:bodyPr lIns="0" rIns="0" rtlCol="0" anchor="ctr"/>
+          <a:lstStyle/>
+          <a:p>
+            <a:pPr algn="ctr"/>
+            <a:r>
+              <a:rPr lang="fr-CH" sz="1100" dirty="0">
+                <a:solidFill>
+                  <a:srgbClr val="FF0000"/>
+                </a:solidFill>
+                <a:latin typeface="+mj-lt"/>
+              </a:rPr>
+              <a:t>Permet de choisir le mode pour le marquage des syllabes</a:t>
+            </a:r>
+          </a:p>
+        </p:txBody>
+      </p:sp>
+      <p:sp>
+        <p:nvSpPr>
+          <p:cNvPr id="50" name="Ellipse 49">
+            <a:extLst>
+              <a:ext uri="{FF2B5EF4-FFF2-40B4-BE49-F238E27FC236}">
+                <a16:creationId xmlns:a16="http://schemas.microsoft.com/office/drawing/2014/main" id="{B590D4B8-86B8-486C-9CBF-A46AA6C3F3F4}"/>
+              </a:ext>
+            </a:extLst>
+          </p:cNvPr>
+          <p:cNvSpPr/>
+          <p:nvPr/>
+        </p:nvSpPr>
+        <p:spPr>
+          <a:xfrm>
+            <a:off x="1909431" y="5343794"/>
+            <a:ext cx="633476" cy="569413"/>
+          </a:xfrm>
+          <a:prstGeom prst="ellipse">
+            <a:avLst/>
+          </a:prstGeom>
+          <a:noFill/>
+          <a:ln w="6350">
+            <a:solidFill>
+              <a:srgbClr val="FF0000"/>
+            </a:solidFill>
+          </a:ln>
+        </p:spPr>
+        <p:style>
+          <a:lnRef idx="2">
+            <a:schemeClr val="accent1">
+              <a:shade val="50000"/>
+            </a:schemeClr>
+          </a:lnRef>
+          <a:fillRef idx="1">
+            <a:schemeClr val="accent1"/>
+          </a:fillRef>
+          <a:effectRef idx="0">
+            <a:schemeClr val="accent1"/>
+          </a:effectRef>
+          <a:fontRef idx="minor">
+            <a:schemeClr val="lt1"/>
+          </a:fontRef>
+        </p:style>
+        <p:txBody>
+          <a:bodyPr lIns="0" rIns="0" rtlCol="0" anchor="ctr"/>
+          <a:lstStyle/>
+          <a:p>
+            <a:pPr algn="ctr"/>
+            <a:endParaRPr lang="fr-CH">
+              <a:latin typeface="+mj-lt"/>
+            </a:endParaRPr>
+          </a:p>
+        </p:txBody>
+      </p:sp>
+      <p:cxnSp>
+        <p:nvCxnSpPr>
+          <p:cNvPr id="52" name="Connecteur droit 51">
+            <a:extLst>
+              <a:ext uri="{FF2B5EF4-FFF2-40B4-BE49-F238E27FC236}">
+                <a16:creationId xmlns:a16="http://schemas.microsoft.com/office/drawing/2014/main" id="{00CFB0A3-F679-47BE-BC72-320587A873D8}"/>
+              </a:ext>
+            </a:extLst>
+          </p:cNvPr>
+          <p:cNvCxnSpPr>
+            <a:cxnSpLocks/>
+            <a:stCxn id="48" idx="3"/>
+            <a:endCxn id="50" idx="3"/>
+          </p:cNvCxnSpPr>
+          <p:nvPr/>
+        </p:nvCxnSpPr>
+        <p:spPr>
+          <a:xfrm flipV="1">
+            <a:off x="1769045" y="5829818"/>
+            <a:ext cx="233156" cy="176572"/>
+          </a:xfrm>
+          <a:prstGeom prst="line">
+            <a:avLst/>
+          </a:prstGeom>
+          <a:ln w="6350">
+            <a:solidFill>
+              <a:srgbClr val="FF0000"/>
+            </a:solidFill>
+          </a:ln>
+        </p:spPr>
+        <p:style>
+          <a:lnRef idx="1">
+            <a:schemeClr val="accent1"/>
+          </a:lnRef>
+          <a:fillRef idx="0">
+            <a:schemeClr val="accent1"/>
+          </a:fillRef>
+          <a:effectRef idx="0">
+            <a:schemeClr val="accent1"/>
+          </a:effectRef>
+          <a:fontRef idx="minor">
+            <a:schemeClr val="tx1"/>
+          </a:fontRef>
+        </p:style>
+      </p:cxnSp>
+      <p:sp>
+        <p:nvSpPr>
+          <p:cNvPr id="58" name="Ellipse 57">
+            <a:extLst>
+              <a:ext uri="{FF2B5EF4-FFF2-40B4-BE49-F238E27FC236}">
+                <a16:creationId xmlns:a16="http://schemas.microsoft.com/office/drawing/2014/main" id="{62C5CBF5-A88F-471A-8889-9C10E380ECCA}"/>
+              </a:ext>
+            </a:extLst>
+          </p:cNvPr>
+          <p:cNvSpPr/>
+          <p:nvPr/>
+        </p:nvSpPr>
+        <p:spPr>
+          <a:xfrm>
+            <a:off x="2576130" y="5489399"/>
+            <a:ext cx="742316" cy="444542"/>
+          </a:xfrm>
+          <a:prstGeom prst="ellipse">
+            <a:avLst/>
+          </a:prstGeom>
+          <a:noFill/>
+          <a:ln w="6350">
+            <a:solidFill>
+              <a:srgbClr val="FF0000"/>
+            </a:solidFill>
+          </a:ln>
+        </p:spPr>
+        <p:style>
+          <a:lnRef idx="2">
+            <a:schemeClr val="accent1">
+              <a:shade val="50000"/>
+            </a:schemeClr>
+          </a:lnRef>
+          <a:fillRef idx="1">
+            <a:schemeClr val="accent1"/>
+          </a:fillRef>
+          <a:effectRef idx="0">
+            <a:schemeClr val="accent1"/>
+          </a:effectRef>
+          <a:fontRef idx="minor">
+            <a:schemeClr val="lt1"/>
+          </a:fontRef>
+        </p:style>
+        <p:txBody>
+          <a:bodyPr lIns="0" rIns="0" rtlCol="0" anchor="ctr"/>
+          <a:lstStyle/>
+          <a:p>
+            <a:pPr algn="ctr"/>
+            <a:endParaRPr lang="fr-CH">
+              <a:latin typeface="+mj-lt"/>
+            </a:endParaRPr>
+          </a:p>
+        </p:txBody>
+      </p:sp>
+      <p:sp>
+        <p:nvSpPr>
+          <p:cNvPr id="63" name="Ellipse 62">
+            <a:extLst>
+              <a:ext uri="{FF2B5EF4-FFF2-40B4-BE49-F238E27FC236}">
+                <a16:creationId xmlns:a16="http://schemas.microsoft.com/office/drawing/2014/main" id="{8403A44A-8A75-4602-A410-CD81D60AFC2E}"/>
+              </a:ext>
+            </a:extLst>
+          </p:cNvPr>
+          <p:cNvSpPr/>
+          <p:nvPr/>
+        </p:nvSpPr>
+        <p:spPr>
+          <a:xfrm>
+            <a:off x="2534790" y="5335997"/>
+            <a:ext cx="883048" cy="152401"/>
+          </a:xfrm>
+          <a:prstGeom prst="ellipse">
+            <a:avLst/>
+          </a:prstGeom>
+          <a:noFill/>
+          <a:ln w="6350">
+            <a:solidFill>
+              <a:srgbClr val="FF0000"/>
+            </a:solidFill>
+          </a:ln>
+        </p:spPr>
+        <p:style>
+          <a:lnRef idx="2">
+            <a:schemeClr val="accent1">
+              <a:shade val="50000"/>
+            </a:schemeClr>
+          </a:lnRef>
+          <a:fillRef idx="1">
+            <a:schemeClr val="accent1"/>
+          </a:fillRef>
+          <a:effectRef idx="0">
+            <a:schemeClr val="accent1"/>
+          </a:effectRef>
+          <a:fontRef idx="minor">
+            <a:schemeClr val="lt1"/>
+          </a:fontRef>
+        </p:style>
+        <p:txBody>
+          <a:bodyPr lIns="0" rIns="0" rtlCol="0" anchor="ctr"/>
+          <a:lstStyle/>
+          <a:p>
+            <a:pPr algn="ctr"/>
+            <a:endParaRPr lang="fr-CH">
+              <a:latin typeface="+mj-lt"/>
+            </a:endParaRPr>
+          </a:p>
+        </p:txBody>
+      </p:sp>
+      <p:sp>
+        <p:nvSpPr>
+          <p:cNvPr id="64" name="Ellipse 63">
+            <a:extLst>
+              <a:ext uri="{FF2B5EF4-FFF2-40B4-BE49-F238E27FC236}">
+                <a16:creationId xmlns:a16="http://schemas.microsoft.com/office/drawing/2014/main" id="{97E0D201-EDEE-4612-8B55-1D313A302C35}"/>
+              </a:ext>
+            </a:extLst>
+          </p:cNvPr>
+          <p:cNvSpPr/>
+          <p:nvPr/>
+        </p:nvSpPr>
+        <p:spPr>
+          <a:xfrm>
+            <a:off x="3410392" y="5304406"/>
+            <a:ext cx="742316" cy="615674"/>
+          </a:xfrm>
+          <a:prstGeom prst="ellipse">
+            <a:avLst/>
+          </a:prstGeom>
+          <a:noFill/>
+          <a:ln w="6350">
+            <a:solidFill>
+              <a:srgbClr val="FF0000"/>
+            </a:solidFill>
+          </a:ln>
+        </p:spPr>
+        <p:style>
+          <a:lnRef idx="2">
+            <a:schemeClr val="accent1">
+              <a:shade val="50000"/>
+            </a:schemeClr>
+          </a:lnRef>
+          <a:fillRef idx="1">
+            <a:schemeClr val="accent1"/>
+          </a:fillRef>
+          <a:effectRef idx="0">
+            <a:schemeClr val="accent1"/>
+          </a:effectRef>
+          <a:fontRef idx="minor">
+            <a:schemeClr val="lt1"/>
+          </a:fontRef>
+        </p:style>
+        <p:txBody>
+          <a:bodyPr lIns="0" rIns="0" rtlCol="0" anchor="ctr"/>
+          <a:lstStyle/>
+          <a:p>
+            <a:pPr algn="ctr"/>
+            <a:endParaRPr lang="fr-CH">
+              <a:latin typeface="+mj-lt"/>
+            </a:endParaRPr>
+          </a:p>
+        </p:txBody>
+      </p:sp>
+      <p:cxnSp>
+        <p:nvCxnSpPr>
+          <p:cNvPr id="65" name="Connecteur droit 64">
+            <a:extLst>
+              <a:ext uri="{FF2B5EF4-FFF2-40B4-BE49-F238E27FC236}">
+                <a16:creationId xmlns:a16="http://schemas.microsoft.com/office/drawing/2014/main" id="{5319FB74-CF1A-46A6-B643-D74E71E07F60}"/>
+              </a:ext>
+            </a:extLst>
+          </p:cNvPr>
+          <p:cNvCxnSpPr>
+            <a:cxnSpLocks/>
+            <a:stCxn id="17" idx="0"/>
+            <a:endCxn id="8" idx="3"/>
+          </p:cNvCxnSpPr>
+          <p:nvPr/>
+        </p:nvCxnSpPr>
+        <p:spPr>
+          <a:xfrm flipH="1" flipV="1">
+            <a:off x="1682992" y="4416546"/>
+            <a:ext cx="1402563" cy="441954"/>
+          </a:xfrm>
+          <a:prstGeom prst="line">
+            <a:avLst/>
+          </a:prstGeom>
+          <a:ln w="6350">
+            <a:solidFill>
+              <a:srgbClr val="FF0000"/>
+            </a:solidFill>
+          </a:ln>
+        </p:spPr>
+        <p:style>
+          <a:lnRef idx="1">
+            <a:schemeClr val="accent1"/>
+          </a:lnRef>
+          <a:fillRef idx="0">
+            <a:schemeClr val="accent1"/>
+          </a:fillRef>
+          <a:effectRef idx="0">
+            <a:schemeClr val="accent1"/>
+          </a:effectRef>
+          <a:fontRef idx="minor">
+            <a:schemeClr val="tx1"/>
+          </a:fontRef>
+        </p:style>
+      </p:cxnSp>
+      <p:sp>
+        <p:nvSpPr>
+          <p:cNvPr id="88" name="Rectangle 87">
+            <a:extLst>
+              <a:ext uri="{FF2B5EF4-FFF2-40B4-BE49-F238E27FC236}">
+                <a16:creationId xmlns:a16="http://schemas.microsoft.com/office/drawing/2014/main" id="{515DFBE0-52B5-4E9C-8F61-BFAA8D2A8F2B}"/>
+              </a:ext>
+            </a:extLst>
+          </p:cNvPr>
+          <p:cNvSpPr/>
+          <p:nvPr/>
+        </p:nvSpPr>
+        <p:spPr>
+          <a:xfrm>
+            <a:off x="4383439" y="4911811"/>
+            <a:ext cx="1910387" cy="492849"/>
+          </a:xfrm>
+          <a:prstGeom prst="rect">
+            <a:avLst/>
+          </a:prstGeom>
+          <a:solidFill>
+            <a:schemeClr val="bg1"/>
+          </a:solidFill>
+          <a:ln>
+            <a:noFill/>
+          </a:ln>
+        </p:spPr>
+        <p:style>
+          <a:lnRef idx="2">
+            <a:schemeClr val="accent1">
+              <a:shade val="50000"/>
+            </a:schemeClr>
+          </a:lnRef>
+          <a:fillRef idx="1">
+            <a:schemeClr val="accent1"/>
+          </a:fillRef>
+          <a:effectRef idx="0">
+            <a:schemeClr val="accent1"/>
+          </a:effectRef>
+          <a:fontRef idx="minor">
+            <a:schemeClr val="lt1"/>
+          </a:fontRef>
+        </p:style>
+        <p:txBody>
+          <a:bodyPr lIns="0" rIns="0" rtlCol="0" anchor="ctr"/>
+          <a:lstStyle/>
+          <a:p>
+            <a:pPr algn="ctr"/>
+            <a:r>
+              <a:rPr lang="fr-CH" sz="1100" dirty="0">
+                <a:solidFill>
+                  <a:srgbClr val="FF0000"/>
+                </a:solidFill>
+                <a:latin typeface="+mj-lt"/>
+              </a:rPr>
+              <a:t>Définit si les muettes doivent être marquées dans la fonction «Syllabes»</a:t>
+            </a:r>
+          </a:p>
+        </p:txBody>
+      </p:sp>
+      <p:cxnSp>
+        <p:nvCxnSpPr>
+          <p:cNvPr id="92" name="Connecteur droit 91">
+            <a:extLst>
+              <a:ext uri="{FF2B5EF4-FFF2-40B4-BE49-F238E27FC236}">
+                <a16:creationId xmlns:a16="http://schemas.microsoft.com/office/drawing/2014/main" id="{A7D78156-95A4-44D8-A1F6-46664E880BAD}"/>
+              </a:ext>
+            </a:extLst>
+          </p:cNvPr>
+          <p:cNvCxnSpPr>
+            <a:cxnSpLocks/>
+            <a:stCxn id="88" idx="1"/>
+            <a:endCxn id="63" idx="7"/>
+          </p:cNvCxnSpPr>
+          <p:nvPr/>
+        </p:nvCxnSpPr>
+        <p:spPr>
+          <a:xfrm flipH="1">
+            <a:off x="3288519" y="5158236"/>
+            <a:ext cx="1094920" cy="200080"/>
+          </a:xfrm>
+          <a:prstGeom prst="line">
+            <a:avLst/>
+          </a:prstGeom>
+          <a:ln w="6350">
+            <a:solidFill>
+              <a:srgbClr val="FF0000"/>
+            </a:solidFill>
+          </a:ln>
+        </p:spPr>
+        <p:style>
+          <a:lnRef idx="1">
+            <a:schemeClr val="accent1"/>
+          </a:lnRef>
+          <a:fillRef idx="0">
+            <a:schemeClr val="accent1"/>
+          </a:fillRef>
+          <a:effectRef idx="0">
+            <a:schemeClr val="accent1"/>
+          </a:effectRef>
+          <a:fontRef idx="minor">
+            <a:schemeClr val="tx1"/>
+          </a:fontRef>
+        </p:style>
+      </p:cxnSp>
+      <p:sp>
+        <p:nvSpPr>
+          <p:cNvPr id="102" name="Rectangle 101">
+            <a:extLst>
+              <a:ext uri="{FF2B5EF4-FFF2-40B4-BE49-F238E27FC236}">
+                <a16:creationId xmlns:a16="http://schemas.microsoft.com/office/drawing/2014/main" id="{BAD0AACA-091F-45E6-92DF-1915396E9AD6}"/>
+              </a:ext>
+            </a:extLst>
+          </p:cNvPr>
+          <p:cNvSpPr/>
+          <p:nvPr/>
+        </p:nvSpPr>
+        <p:spPr>
+          <a:xfrm>
+            <a:off x="4698736" y="5570131"/>
+            <a:ext cx="1099612" cy="492849"/>
+          </a:xfrm>
+          <a:prstGeom prst="rect">
+            <a:avLst/>
+          </a:prstGeom>
+          <a:solidFill>
+            <a:schemeClr val="bg1"/>
+          </a:solidFill>
+          <a:ln>
+            <a:noFill/>
+          </a:ln>
+        </p:spPr>
+        <p:style>
+          <a:lnRef idx="2">
+            <a:schemeClr val="accent1">
+              <a:shade val="50000"/>
+            </a:schemeClr>
+          </a:lnRef>
+          <a:fillRef idx="1">
+            <a:schemeClr val="accent1"/>
+          </a:fillRef>
+          <a:effectRef idx="0">
+            <a:schemeClr val="accent1"/>
+          </a:effectRef>
+          <a:fontRef idx="minor">
+            <a:schemeClr val="lt1"/>
+          </a:fontRef>
+        </p:style>
+        <p:txBody>
+          <a:bodyPr lIns="0" rIns="0" rtlCol="0" anchor="ctr"/>
+          <a:lstStyle/>
+          <a:p>
+            <a:pPr algn="ctr"/>
+            <a:r>
+              <a:rPr lang="fr-CH" sz="1100" dirty="0">
+                <a:solidFill>
+                  <a:srgbClr val="FF0000"/>
+                </a:solidFill>
+                <a:latin typeface="+mj-lt"/>
+              </a:rPr>
+              <a:t>Options pour le mode «Poésie»</a:t>
+            </a:r>
+          </a:p>
+        </p:txBody>
+      </p:sp>
+      <p:cxnSp>
+        <p:nvCxnSpPr>
+          <p:cNvPr id="103" name="Connecteur droit 102">
+            <a:extLst>
+              <a:ext uri="{FF2B5EF4-FFF2-40B4-BE49-F238E27FC236}">
+                <a16:creationId xmlns:a16="http://schemas.microsoft.com/office/drawing/2014/main" id="{32729115-5402-4881-AF73-B54CF5D0037A}"/>
+              </a:ext>
+            </a:extLst>
+          </p:cNvPr>
+          <p:cNvCxnSpPr>
+            <a:cxnSpLocks/>
+            <a:stCxn id="102" idx="1"/>
+            <a:endCxn id="64" idx="6"/>
+          </p:cNvCxnSpPr>
+          <p:nvPr/>
+        </p:nvCxnSpPr>
+        <p:spPr>
+          <a:xfrm flipH="1" flipV="1">
+            <a:off x="4152708" y="5612243"/>
+            <a:ext cx="546028" cy="204313"/>
+          </a:xfrm>
+          <a:prstGeom prst="line">
+            <a:avLst/>
+          </a:prstGeom>
+          <a:ln w="6350">
+            <a:solidFill>
+              <a:srgbClr val="FF0000"/>
+            </a:solidFill>
+          </a:ln>
+        </p:spPr>
+        <p:style>
+          <a:lnRef idx="1">
+            <a:schemeClr val="accent1"/>
+          </a:lnRef>
+          <a:fillRef idx="0">
+            <a:schemeClr val="accent1"/>
+          </a:fillRef>
+          <a:effectRef idx="0">
+            <a:schemeClr val="accent1"/>
+          </a:effectRef>
+          <a:fontRef idx="minor">
+            <a:schemeClr val="tx1"/>
+          </a:fontRef>
+        </p:style>
+      </p:cxnSp>
+      <p:sp>
+        <p:nvSpPr>
+          <p:cNvPr id="117" name="Rectangle 116">
+            <a:extLst>
+              <a:ext uri="{FF2B5EF4-FFF2-40B4-BE49-F238E27FC236}">
+                <a16:creationId xmlns:a16="http://schemas.microsoft.com/office/drawing/2014/main" id="{32DBBF76-86A5-48B3-AF41-B4ADBC7AF6B5}"/>
+              </a:ext>
+            </a:extLst>
+          </p:cNvPr>
+          <p:cNvSpPr/>
+          <p:nvPr/>
+        </p:nvSpPr>
+        <p:spPr>
+          <a:xfrm>
+            <a:off x="4441930" y="6117103"/>
+            <a:ext cx="1476270" cy="492849"/>
+          </a:xfrm>
+          <a:prstGeom prst="rect">
+            <a:avLst/>
+          </a:prstGeom>
+          <a:solidFill>
+            <a:schemeClr val="bg1"/>
+          </a:solidFill>
+          <a:ln>
+            <a:noFill/>
+          </a:ln>
+        </p:spPr>
+        <p:style>
+          <a:lnRef idx="2">
+            <a:schemeClr val="accent1">
+              <a:shade val="50000"/>
+            </a:schemeClr>
+          </a:lnRef>
+          <a:fillRef idx="1">
+            <a:schemeClr val="accent1"/>
+          </a:fillRef>
+          <a:effectRef idx="0">
+            <a:schemeClr val="accent1"/>
+          </a:effectRef>
+          <a:fontRef idx="minor">
+            <a:schemeClr val="lt1"/>
+          </a:fontRef>
+        </p:style>
+        <p:txBody>
+          <a:bodyPr lIns="0" rIns="0" rtlCol="0" anchor="ctr"/>
+          <a:lstStyle/>
+          <a:p>
+            <a:pPr algn="ctr"/>
+            <a:r>
+              <a:rPr lang="fr-CH" sz="1100" dirty="0">
+                <a:solidFill>
+                  <a:srgbClr val="FF0000"/>
+                </a:solidFill>
+                <a:latin typeface="+mj-lt"/>
+              </a:rPr>
+              <a:t>Définit comment les syllabes sont coupées en cas de double consonne. </a:t>
+            </a:r>
+          </a:p>
+        </p:txBody>
+      </p:sp>
+      <p:cxnSp>
+        <p:nvCxnSpPr>
+          <p:cNvPr id="118" name="Connecteur droit 117">
+            <a:extLst>
+              <a:ext uri="{FF2B5EF4-FFF2-40B4-BE49-F238E27FC236}">
+                <a16:creationId xmlns:a16="http://schemas.microsoft.com/office/drawing/2014/main" id="{A097B29A-4BF5-482A-990D-8CE2997711BF}"/>
+              </a:ext>
+            </a:extLst>
+          </p:cNvPr>
+          <p:cNvCxnSpPr>
+            <a:cxnSpLocks/>
+            <a:stCxn id="117" idx="1"/>
+            <a:endCxn id="58" idx="4"/>
+          </p:cNvCxnSpPr>
+          <p:nvPr/>
+        </p:nvCxnSpPr>
+        <p:spPr>
+          <a:xfrm flipH="1" flipV="1">
+            <a:off x="2947288" y="5933941"/>
+            <a:ext cx="1494642" cy="429587"/>
+          </a:xfrm>
+          <a:prstGeom prst="line">
+            <a:avLst/>
+          </a:prstGeom>
+          <a:ln w="6350">
+            <a:solidFill>
+              <a:srgbClr val="FF0000"/>
+            </a:solidFill>
+          </a:ln>
+        </p:spPr>
+        <p:style>
+          <a:lnRef idx="1">
+            <a:schemeClr val="accent1"/>
+          </a:lnRef>
+          <a:fillRef idx="0">
+            <a:schemeClr val="accent1"/>
+          </a:fillRef>
+          <a:effectRef idx="0">
+            <a:schemeClr val="accent1"/>
+          </a:effectRef>
+          <a:fontRef idx="minor">
+            <a:schemeClr val="tx1"/>
+          </a:fontRef>
+        </p:style>
+      </p:cxnSp>
+      <p:sp>
+        <p:nvSpPr>
+          <p:cNvPr id="137" name="Ellipse 136">
+            <a:extLst>
+              <a:ext uri="{FF2B5EF4-FFF2-40B4-BE49-F238E27FC236}">
+                <a16:creationId xmlns:a16="http://schemas.microsoft.com/office/drawing/2014/main" id="{CCA32F3F-81F5-49CD-911B-FCAEF808CC78}"/>
+              </a:ext>
+            </a:extLst>
+          </p:cNvPr>
+          <p:cNvSpPr/>
+          <p:nvPr/>
+        </p:nvSpPr>
+        <p:spPr>
+          <a:xfrm>
+            <a:off x="2307580" y="6229290"/>
+            <a:ext cx="1494642" cy="179568"/>
+          </a:xfrm>
+          <a:prstGeom prst="ellipse">
+            <a:avLst/>
+          </a:prstGeom>
+          <a:noFill/>
+          <a:ln w="6350">
+            <a:solidFill>
+              <a:srgbClr val="FF0000"/>
+            </a:solidFill>
+          </a:ln>
+        </p:spPr>
+        <p:style>
+          <a:lnRef idx="2">
+            <a:schemeClr val="accent1">
+              <a:shade val="50000"/>
+            </a:schemeClr>
+          </a:lnRef>
+          <a:fillRef idx="1">
+            <a:schemeClr val="accent1"/>
+          </a:fillRef>
+          <a:effectRef idx="0">
+            <a:schemeClr val="accent1"/>
+          </a:effectRef>
+          <a:fontRef idx="minor">
+            <a:schemeClr val="lt1"/>
+          </a:fontRef>
+        </p:style>
+        <p:txBody>
+          <a:bodyPr lIns="0" rIns="0" rtlCol="0" anchor="ctr"/>
+          <a:lstStyle/>
+          <a:p>
+            <a:pPr algn="ctr"/>
+            <a:endParaRPr lang="fr-CH">
+              <a:latin typeface="+mj-lt"/>
+            </a:endParaRPr>
+          </a:p>
+        </p:txBody>
+      </p:sp>
+      <p:sp>
+        <p:nvSpPr>
+          <p:cNvPr id="139" name="Rectangle 138">
+            <a:extLst>
+              <a:ext uri="{FF2B5EF4-FFF2-40B4-BE49-F238E27FC236}">
+                <a16:creationId xmlns:a16="http://schemas.microsoft.com/office/drawing/2014/main" id="{0053888D-F04F-4273-9888-775F3064D701}"/>
+              </a:ext>
+            </a:extLst>
+          </p:cNvPr>
+          <p:cNvSpPr/>
+          <p:nvPr/>
+        </p:nvSpPr>
+        <p:spPr>
+          <a:xfrm>
+            <a:off x="185160" y="6463280"/>
+            <a:ext cx="1476270" cy="1181313"/>
+          </a:xfrm>
+          <a:prstGeom prst="rect">
+            <a:avLst/>
+          </a:prstGeom>
+          <a:solidFill>
+            <a:schemeClr val="bg1"/>
+          </a:solidFill>
+          <a:ln>
+            <a:noFill/>
+          </a:ln>
+        </p:spPr>
+        <p:style>
+          <a:lnRef idx="2">
+            <a:schemeClr val="accent1">
+              <a:shade val="50000"/>
+            </a:schemeClr>
+          </a:lnRef>
+          <a:fillRef idx="1">
+            <a:schemeClr val="accent1"/>
+          </a:fillRef>
+          <a:effectRef idx="0">
+            <a:schemeClr val="accent1"/>
+          </a:effectRef>
+          <a:fontRef idx="minor">
+            <a:schemeClr val="lt1"/>
+          </a:fontRef>
+        </p:style>
+        <p:txBody>
+          <a:bodyPr lIns="0" rIns="0" rtlCol="0" anchor="ctr"/>
+          <a:lstStyle/>
+          <a:p>
+            <a:pPr algn="ctr"/>
+            <a:r>
+              <a:rPr lang="fr-CH" sz="1100" dirty="0">
+                <a:solidFill>
+                  <a:srgbClr val="FF0000"/>
+                </a:solidFill>
+                <a:latin typeface="+mj-lt"/>
+              </a:rPr>
+              <a:t>Réinitialise les couleurs utilisées pour les fonctions avec couleurs alternées et remet les paramètre pour la fonction «Syllabes» à leur valeur par défaut. </a:t>
+            </a:r>
+          </a:p>
+        </p:txBody>
+      </p:sp>
+      <p:cxnSp>
+        <p:nvCxnSpPr>
+          <p:cNvPr id="140" name="Connecteur droit 139">
+            <a:extLst>
+              <a:ext uri="{FF2B5EF4-FFF2-40B4-BE49-F238E27FC236}">
+                <a16:creationId xmlns:a16="http://schemas.microsoft.com/office/drawing/2014/main" id="{2865372A-D81D-4CC8-9CB4-EAA82596E6EC}"/>
+              </a:ext>
+            </a:extLst>
+          </p:cNvPr>
+          <p:cNvCxnSpPr>
+            <a:cxnSpLocks/>
+            <a:endCxn id="137" idx="2"/>
+          </p:cNvCxnSpPr>
+          <p:nvPr/>
+        </p:nvCxnSpPr>
+        <p:spPr>
+          <a:xfrm flipV="1">
+            <a:off x="1684151" y="6319074"/>
+            <a:ext cx="623429" cy="368967"/>
+          </a:xfrm>
+          <a:prstGeom prst="line">
+            <a:avLst/>
+          </a:prstGeom>
+          <a:ln w="6350">
+            <a:solidFill>
+              <a:srgbClr val="FF0000"/>
+            </a:solidFill>
+          </a:ln>
+        </p:spPr>
+        <p:style>
+          <a:lnRef idx="1">
+            <a:schemeClr val="accent1"/>
+          </a:lnRef>
+          <a:fillRef idx="0">
+            <a:schemeClr val="accent1"/>
+          </a:fillRef>
+          <a:effectRef idx="0">
+            <a:schemeClr val="accent1"/>
+          </a:effectRef>
+          <a:fontRef idx="minor">
+            <a:schemeClr val="tx1"/>
+          </a:fontRef>
+        </p:style>
+      </p:cxnSp>
+      <p:sp>
+        <p:nvSpPr>
+          <p:cNvPr id="72" name="Ellipse 71">
+            <a:extLst>
+              <a:ext uri="{FF2B5EF4-FFF2-40B4-BE49-F238E27FC236}">
+                <a16:creationId xmlns:a16="http://schemas.microsoft.com/office/drawing/2014/main" id="{93898657-13F1-42D8-8990-94EE187CCC5A}"/>
+              </a:ext>
+            </a:extLst>
+          </p:cNvPr>
+          <p:cNvSpPr/>
+          <p:nvPr/>
+        </p:nvSpPr>
+        <p:spPr>
+          <a:xfrm>
+            <a:off x="1875583" y="6600427"/>
+            <a:ext cx="336306" cy="336306"/>
+          </a:xfrm>
+          <a:prstGeom prst="ellipse">
+            <a:avLst/>
+          </a:prstGeom>
+          <a:noFill/>
+          <a:ln w="6350">
+            <a:solidFill>
+              <a:srgbClr val="FF0000"/>
+            </a:solidFill>
+          </a:ln>
+        </p:spPr>
+        <p:style>
+          <a:lnRef idx="2">
+            <a:schemeClr val="accent1">
+              <a:shade val="50000"/>
+            </a:schemeClr>
+          </a:lnRef>
+          <a:fillRef idx="1">
+            <a:schemeClr val="accent1"/>
+          </a:fillRef>
+          <a:effectRef idx="0">
+            <a:schemeClr val="accent1"/>
+          </a:effectRef>
+          <a:fontRef idx="minor">
+            <a:schemeClr val="lt1"/>
+          </a:fontRef>
+        </p:style>
+        <p:txBody>
+          <a:bodyPr lIns="0" rIns="0" rtlCol="0" anchor="ctr"/>
+          <a:lstStyle/>
+          <a:p>
+            <a:pPr algn="ctr"/>
+            <a:endParaRPr lang="fr-CH">
+              <a:latin typeface="+mj-lt"/>
+            </a:endParaRPr>
+          </a:p>
+        </p:txBody>
+      </p:sp>
+      <p:sp>
+        <p:nvSpPr>
+          <p:cNvPr id="74" name="Ellipse 73">
+            <a:extLst>
+              <a:ext uri="{FF2B5EF4-FFF2-40B4-BE49-F238E27FC236}">
+                <a16:creationId xmlns:a16="http://schemas.microsoft.com/office/drawing/2014/main" id="{10E74CA3-02AE-4960-BC8D-CC1CC8B9F83E}"/>
+              </a:ext>
+            </a:extLst>
+          </p:cNvPr>
+          <p:cNvSpPr/>
+          <p:nvPr/>
+        </p:nvSpPr>
+        <p:spPr>
+          <a:xfrm>
+            <a:off x="3920710" y="6600014"/>
+            <a:ext cx="336306" cy="336306"/>
+          </a:xfrm>
+          <a:prstGeom prst="ellipse">
+            <a:avLst/>
+          </a:prstGeom>
+          <a:noFill/>
+          <a:ln w="6350">
+            <a:solidFill>
+              <a:srgbClr val="FF0000"/>
+            </a:solidFill>
+          </a:ln>
+        </p:spPr>
+        <p:style>
+          <a:lnRef idx="2">
+            <a:schemeClr val="accent1">
+              <a:shade val="50000"/>
+            </a:schemeClr>
+          </a:lnRef>
+          <a:fillRef idx="1">
+            <a:schemeClr val="accent1"/>
+          </a:fillRef>
+          <a:effectRef idx="0">
+            <a:schemeClr val="accent1"/>
+          </a:effectRef>
+          <a:fontRef idx="minor">
+            <a:schemeClr val="lt1"/>
+          </a:fontRef>
+        </p:style>
+        <p:txBody>
+          <a:bodyPr lIns="0" rIns="0" rtlCol="0" anchor="ctr"/>
+          <a:lstStyle/>
+          <a:p>
+            <a:pPr algn="ctr"/>
+            <a:endParaRPr lang="fr-CH">
+              <a:latin typeface="+mj-lt"/>
+            </a:endParaRPr>
+          </a:p>
+        </p:txBody>
+      </p:sp>
+      <p:sp>
+        <p:nvSpPr>
+          <p:cNvPr id="75" name="Rectangle 74">
+            <a:extLst>
+              <a:ext uri="{FF2B5EF4-FFF2-40B4-BE49-F238E27FC236}">
+                <a16:creationId xmlns:a16="http://schemas.microsoft.com/office/drawing/2014/main" id="{7516957F-4040-4B41-BAA4-EC90C5D27E84}"/>
+              </a:ext>
+            </a:extLst>
+          </p:cNvPr>
+          <p:cNvSpPr/>
+          <p:nvPr/>
+        </p:nvSpPr>
+        <p:spPr>
+          <a:xfrm>
+            <a:off x="990599" y="8072477"/>
+            <a:ext cx="1128917" cy="309502"/>
+          </a:xfrm>
+          <a:prstGeom prst="rect">
+            <a:avLst/>
+          </a:prstGeom>
+          <a:solidFill>
+            <a:schemeClr val="bg1"/>
+          </a:solidFill>
+          <a:ln>
+            <a:noFill/>
+          </a:ln>
+        </p:spPr>
+        <p:style>
+          <a:lnRef idx="2">
+            <a:schemeClr val="accent1">
+              <a:shade val="50000"/>
+            </a:schemeClr>
+          </a:lnRef>
+          <a:fillRef idx="1">
+            <a:schemeClr val="accent1"/>
+          </a:fillRef>
+          <a:effectRef idx="0">
+            <a:schemeClr val="accent1"/>
+          </a:effectRef>
+          <a:fontRef idx="minor">
+            <a:schemeClr val="lt1"/>
+          </a:fontRef>
+        </p:style>
+        <p:txBody>
+          <a:bodyPr lIns="0" rIns="0" rtlCol="0" anchor="ctr"/>
+          <a:lstStyle/>
+          <a:p>
+            <a:pPr algn="ctr"/>
+            <a:r>
+              <a:rPr lang="fr-CH" sz="1100" dirty="0">
+                <a:solidFill>
+                  <a:srgbClr val="FF0000"/>
+                </a:solidFill>
+                <a:latin typeface="+mj-lt"/>
+              </a:rPr>
+              <a:t>Dessine des arcs sous les syllabes</a:t>
+            </a:r>
+          </a:p>
+        </p:txBody>
+      </p:sp>
+      <p:cxnSp>
+        <p:nvCxnSpPr>
+          <p:cNvPr id="76" name="Connecteur droit 75">
+            <a:extLst>
+              <a:ext uri="{FF2B5EF4-FFF2-40B4-BE49-F238E27FC236}">
+                <a16:creationId xmlns:a16="http://schemas.microsoft.com/office/drawing/2014/main" id="{948D30B0-8A77-49F7-9CC2-13123A5B2887}"/>
+              </a:ext>
+            </a:extLst>
+          </p:cNvPr>
+          <p:cNvCxnSpPr>
+            <a:cxnSpLocks/>
+            <a:stCxn id="75" idx="0"/>
+            <a:endCxn id="72" idx="4"/>
+          </p:cNvCxnSpPr>
+          <p:nvPr/>
+        </p:nvCxnSpPr>
+        <p:spPr>
+          <a:xfrm flipV="1">
+            <a:off x="1555058" y="6936733"/>
+            <a:ext cx="488678" cy="1135744"/>
+          </a:xfrm>
+          <a:prstGeom prst="line">
+            <a:avLst/>
+          </a:prstGeom>
+          <a:ln w="6350">
+            <a:solidFill>
+              <a:srgbClr val="FF0000"/>
+            </a:solidFill>
+          </a:ln>
+        </p:spPr>
+        <p:style>
+          <a:lnRef idx="1">
+            <a:schemeClr val="accent1"/>
+          </a:lnRef>
+          <a:fillRef idx="0">
+            <a:schemeClr val="accent1"/>
+          </a:fillRef>
+          <a:effectRef idx="0">
+            <a:schemeClr val="accent1"/>
+          </a:effectRef>
+          <a:fontRef idx="minor">
+            <a:schemeClr val="tx1"/>
+          </a:fontRef>
+        </p:style>
+      </p:cxnSp>
+      <p:sp>
+        <p:nvSpPr>
+          <p:cNvPr id="79" name="Rectangle 78">
+            <a:extLst>
+              <a:ext uri="{FF2B5EF4-FFF2-40B4-BE49-F238E27FC236}">
+                <a16:creationId xmlns:a16="http://schemas.microsoft.com/office/drawing/2014/main" id="{54855422-58AC-4A9F-82D4-CA74E6FE5D52}"/>
+              </a:ext>
+            </a:extLst>
+          </p:cNvPr>
+          <p:cNvSpPr/>
+          <p:nvPr/>
+        </p:nvSpPr>
+        <p:spPr>
+          <a:xfrm>
+            <a:off x="4621062" y="6829465"/>
+            <a:ext cx="870102" cy="309502"/>
+          </a:xfrm>
+          <a:prstGeom prst="rect">
+            <a:avLst/>
+          </a:prstGeom>
+          <a:solidFill>
+            <a:schemeClr val="bg1"/>
+          </a:solidFill>
+          <a:ln>
+            <a:noFill/>
+          </a:ln>
+        </p:spPr>
+        <p:style>
+          <a:lnRef idx="2">
+            <a:schemeClr val="accent1">
+              <a:shade val="50000"/>
+            </a:schemeClr>
+          </a:lnRef>
+          <a:fillRef idx="1">
+            <a:schemeClr val="accent1"/>
+          </a:fillRef>
+          <a:effectRef idx="0">
+            <a:schemeClr val="accent1"/>
+          </a:effectRef>
+          <a:fontRef idx="minor">
+            <a:schemeClr val="lt1"/>
+          </a:fontRef>
+        </p:style>
+        <p:txBody>
+          <a:bodyPr lIns="0" rIns="0" rtlCol="0" anchor="ctr"/>
+          <a:lstStyle/>
+          <a:p>
+            <a:pPr algn="ctr"/>
+            <a:r>
+              <a:rPr lang="fr-CH" sz="1100" dirty="0">
+                <a:solidFill>
+                  <a:srgbClr val="FF0000"/>
+                </a:solidFill>
+                <a:latin typeface="+mj-lt"/>
+              </a:rPr>
+              <a:t>Efface les arcs</a:t>
+            </a:r>
+          </a:p>
+        </p:txBody>
+      </p:sp>
+      <p:cxnSp>
+        <p:nvCxnSpPr>
+          <p:cNvPr id="80" name="Connecteur droit 79">
+            <a:extLst>
+              <a:ext uri="{FF2B5EF4-FFF2-40B4-BE49-F238E27FC236}">
+                <a16:creationId xmlns:a16="http://schemas.microsoft.com/office/drawing/2014/main" id="{833BE26B-4F7A-4CD9-B747-37BAABFF96DA}"/>
+              </a:ext>
+            </a:extLst>
+          </p:cNvPr>
+          <p:cNvCxnSpPr>
+            <a:cxnSpLocks/>
+            <a:stCxn id="79" idx="1"/>
+            <a:endCxn id="74" idx="6"/>
+          </p:cNvCxnSpPr>
+          <p:nvPr/>
+        </p:nvCxnSpPr>
+        <p:spPr>
+          <a:xfrm flipH="1" flipV="1">
+            <a:off x="4257016" y="6768167"/>
+            <a:ext cx="364046" cy="216049"/>
+          </a:xfrm>
+          <a:prstGeom prst="line">
+            <a:avLst/>
+          </a:prstGeom>
+          <a:ln w="6350">
+            <a:solidFill>
+              <a:srgbClr val="FF0000"/>
+            </a:solidFill>
+          </a:ln>
+        </p:spPr>
+        <p:style>
+          <a:lnRef idx="1">
+            <a:schemeClr val="accent1"/>
+          </a:lnRef>
+          <a:fillRef idx="0">
+            <a:schemeClr val="accent1"/>
+          </a:fillRef>
+          <a:effectRef idx="0">
+            <a:schemeClr val="accent1"/>
+          </a:effectRef>
+          <a:fontRef idx="minor">
+            <a:schemeClr val="tx1"/>
+          </a:fontRef>
+        </p:style>
+      </p:cxnSp>
+      <p:sp>
+        <p:nvSpPr>
+          <p:cNvPr id="84" name="Ellipse 83">
+            <a:extLst>
+              <a:ext uri="{FF2B5EF4-FFF2-40B4-BE49-F238E27FC236}">
+                <a16:creationId xmlns:a16="http://schemas.microsoft.com/office/drawing/2014/main" id="{789B0E4E-44FA-4E09-BA9A-C3DC88DA7D20}"/>
+              </a:ext>
+            </a:extLst>
+          </p:cNvPr>
+          <p:cNvSpPr/>
+          <p:nvPr/>
+        </p:nvSpPr>
+        <p:spPr>
+          <a:xfrm>
+            <a:off x="1826519" y="6546715"/>
+            <a:ext cx="2504590" cy="1439462"/>
+          </a:xfrm>
+          <a:prstGeom prst="ellipse">
+            <a:avLst/>
+          </a:prstGeom>
+          <a:noFill/>
+          <a:ln w="6350">
+            <a:solidFill>
+              <a:srgbClr val="FF0000"/>
+            </a:solidFill>
+          </a:ln>
+        </p:spPr>
+        <p:style>
+          <a:lnRef idx="2">
+            <a:schemeClr val="accent1">
+              <a:shade val="50000"/>
+            </a:schemeClr>
+          </a:lnRef>
+          <a:fillRef idx="1">
+            <a:schemeClr val="accent1"/>
+          </a:fillRef>
+          <a:effectRef idx="0">
+            <a:schemeClr val="accent1"/>
+          </a:effectRef>
+          <a:fontRef idx="minor">
+            <a:schemeClr val="lt1"/>
+          </a:fontRef>
+        </p:style>
+        <p:txBody>
+          <a:bodyPr lIns="0" rIns="0" rtlCol="0" anchor="ctr"/>
+          <a:lstStyle/>
+          <a:p>
+            <a:pPr algn="ctr"/>
+            <a:endParaRPr lang="fr-CH">
+              <a:latin typeface="+mj-lt"/>
+            </a:endParaRPr>
+          </a:p>
+        </p:txBody>
+      </p:sp>
+      <p:sp>
+        <p:nvSpPr>
+          <p:cNvPr id="86" name="Rectangle 85">
+            <a:extLst>
+              <a:ext uri="{FF2B5EF4-FFF2-40B4-BE49-F238E27FC236}">
+                <a16:creationId xmlns:a16="http://schemas.microsoft.com/office/drawing/2014/main" id="{BB38AD15-FA62-491D-AFB4-26897786F48C}"/>
+              </a:ext>
+            </a:extLst>
+          </p:cNvPr>
+          <p:cNvSpPr/>
+          <p:nvPr/>
+        </p:nvSpPr>
+        <p:spPr>
+          <a:xfrm>
+            <a:off x="3908968" y="8054761"/>
+            <a:ext cx="870102" cy="309502"/>
+          </a:xfrm>
+          <a:prstGeom prst="rect">
+            <a:avLst/>
+          </a:prstGeom>
+          <a:solidFill>
+            <a:schemeClr val="bg1"/>
+          </a:solidFill>
+          <a:ln>
+            <a:noFill/>
+          </a:ln>
+        </p:spPr>
+        <p:style>
+          <a:lnRef idx="2">
+            <a:schemeClr val="accent1">
+              <a:shade val="50000"/>
+            </a:schemeClr>
+          </a:lnRef>
+          <a:fillRef idx="1">
+            <a:schemeClr val="accent1"/>
+          </a:fillRef>
+          <a:effectRef idx="0">
+            <a:schemeClr val="accent1"/>
+          </a:effectRef>
+          <a:fontRef idx="minor">
+            <a:schemeClr val="lt1"/>
+          </a:fontRef>
+        </p:style>
+        <p:txBody>
+          <a:bodyPr lIns="0" rIns="0" rtlCol="0" anchor="ctr"/>
+          <a:lstStyle/>
+          <a:p>
+            <a:pPr algn="ctr"/>
+            <a:r>
+              <a:rPr lang="fr-CH" sz="1100" dirty="0">
+                <a:solidFill>
+                  <a:srgbClr val="FF0000"/>
+                </a:solidFill>
+                <a:latin typeface="+mj-lt"/>
+              </a:rPr>
+              <a:t>Configuration des arcs</a:t>
+            </a:r>
+          </a:p>
+        </p:txBody>
+      </p:sp>
+      <p:cxnSp>
+        <p:nvCxnSpPr>
+          <p:cNvPr id="87" name="Connecteur droit 86">
+            <a:extLst>
+              <a:ext uri="{FF2B5EF4-FFF2-40B4-BE49-F238E27FC236}">
+                <a16:creationId xmlns:a16="http://schemas.microsoft.com/office/drawing/2014/main" id="{691A667A-F330-4FA4-A984-BAC5C78CD672}"/>
+              </a:ext>
+            </a:extLst>
+          </p:cNvPr>
+          <p:cNvCxnSpPr>
+            <a:cxnSpLocks/>
+            <a:stCxn id="86" idx="1"/>
+            <a:endCxn id="84" idx="4"/>
+          </p:cNvCxnSpPr>
+          <p:nvPr/>
+        </p:nvCxnSpPr>
+        <p:spPr>
+          <a:xfrm flipH="1" flipV="1">
+            <a:off x="3078814" y="7986177"/>
+            <a:ext cx="830154" cy="223335"/>
+          </a:xfrm>
+          <a:prstGeom prst="line">
+            <a:avLst/>
+          </a:prstGeom>
+          <a:ln w="6350">
+            <a:solidFill>
+              <a:srgbClr val="FF0000"/>
+            </a:solidFill>
+          </a:ln>
+        </p:spPr>
+        <p:style>
+          <a:lnRef idx="1">
+            <a:schemeClr val="accent1"/>
+          </a:lnRef>
+          <a:fillRef idx="0">
+            <a:schemeClr val="accent1"/>
+          </a:fillRef>
+          <a:effectRef idx="0">
+            <a:schemeClr val="accent1"/>
+          </a:effectRef>
+          <a:fontRef idx="minor">
+            <a:schemeClr val="tx1"/>
+          </a:fontRef>
+        </p:style>
+      </p:cxnSp>
+    </p:spTree>
+    <p:extLst>
+      <p:ext uri="{BB962C8B-B14F-4D97-AF65-F5344CB8AC3E}">
+        <p14:creationId xmlns:p14="http://schemas.microsoft.com/office/powerpoint/2010/main" val="3771296981"/>
+      </p:ext>
+    </p:extLst>
+  </p:cSld>
+  <p:clrMapOvr>
+    <a:masterClrMapping/>
+  </p:clrMapOvr>
+</p:sld>
+</file>
+
+<file path=ppt/slides/slide5.xml><?xml version="1.0" encoding="utf-8"?>
+<p:sld xmlns:a="http://schemas.openxmlformats.org/drawingml/2006/main" xmlns:r="http://schemas.openxmlformats.org/officeDocument/2006/relationships" xmlns:p="http://schemas.openxmlformats.org/presentationml/2006/main">
+  <p:cSld>
+    <p:spTree>
+      <p:nvGrpSpPr>
+        <p:cNvPr id="1" name=""/>
+        <p:cNvGrpSpPr/>
+        <p:nvPr/>
+      </p:nvGrpSpPr>
+      <p:grpSpPr>
+        <a:xfrm>
+          <a:off x="0" y="0"/>
+          <a:ext cx="0" cy="0"/>
+          <a:chOff x="0" y="0"/>
+          <a:chExt cx="0" cy="0"/>
+        </a:xfrm>
+      </p:grpSpPr>
+      <p:sp>
+        <p:nvSpPr>
+          <p:cNvPr id="3" name="Forme libre : forme 2">
+            <a:extLst>
+              <a:ext uri="{FF2B5EF4-FFF2-40B4-BE49-F238E27FC236}">
+                <a16:creationId xmlns:a16="http://schemas.microsoft.com/office/drawing/2014/main" id="{ECD85553-470B-4CC7-909B-7F52A594A9D7}"/>
+              </a:ext>
+            </a:extLst>
+          </p:cNvPr>
+          <p:cNvSpPr/>
+          <p:nvPr/>
+        </p:nvSpPr>
+        <p:spPr>
+          <a:xfrm>
+            <a:off x="1366838" y="5891214"/>
+            <a:ext cx="4071937" cy="789982"/>
+          </a:xfrm>
+          <a:custGeom>
+            <a:avLst/>
+            <a:gdLst>
+              <a:gd name="connsiteX0" fmla="*/ 0 w 4071937"/>
+              <a:gd name="connsiteY0" fmla="*/ 4762 h 4762"/>
+              <a:gd name="connsiteX1" fmla="*/ 4071937 w 4071937"/>
+              <a:gd name="connsiteY1" fmla="*/ 0 h 4762"/>
+              <a:gd name="connsiteX0" fmla="*/ 0 w 10000"/>
+              <a:gd name="connsiteY0" fmla="*/ 10000 h 990107"/>
+              <a:gd name="connsiteX1" fmla="*/ 10000 w 10000"/>
+              <a:gd name="connsiteY1" fmla="*/ 0 h 990107"/>
+              <a:gd name="connsiteX0" fmla="*/ 0 w 10000"/>
+              <a:gd name="connsiteY0" fmla="*/ 10000 h 1658929"/>
+              <a:gd name="connsiteX1" fmla="*/ 10000 w 10000"/>
+              <a:gd name="connsiteY1" fmla="*/ 0 h 1658929"/>
+            </a:gdLst>
+            <a:ahLst/>
+            <a:cxnLst>
+              <a:cxn ang="0">
+                <a:pos x="connsiteX0" y="connsiteY0"/>
+              </a:cxn>
+              <a:cxn ang="0">
+                <a:pos x="connsiteX1" y="connsiteY1"/>
+              </a:cxn>
+            </a:cxnLst>
+            <a:rect l="l" t="t" r="r" b="b"/>
+            <a:pathLst>
+              <a:path w="10000" h="1658929">
+                <a:moveTo>
+                  <a:pt x="0" y="10000"/>
+                </a:moveTo>
+                <a:cubicBezTo>
+                  <a:pt x="1403" y="2196896"/>
+                  <a:pt x="8644" y="2223566"/>
+                  <a:pt x="10000" y="0"/>
+                </a:cubicBezTo>
+              </a:path>
+            </a:pathLst>
+          </a:custGeom>
+          <a:noFill/>
+          <a:ln w="38100">
+            <a:solidFill>
+              <a:schemeClr val="accent1">
+                <a:lumMod val="75000"/>
+              </a:schemeClr>
+            </a:solidFill>
+          </a:ln>
+        </p:spPr>
+        <p:style>
+          <a:lnRef idx="2">
+            <a:schemeClr val="accent1">
+              <a:shade val="50000"/>
+            </a:schemeClr>
+          </a:lnRef>
+          <a:fillRef idx="1">
+            <a:schemeClr val="accent1"/>
+          </a:fillRef>
+          <a:effectRef idx="0">
+            <a:schemeClr val="accent1"/>
+          </a:effectRef>
+          <a:fontRef idx="minor">
+            <a:schemeClr val="lt1"/>
+          </a:fontRef>
+        </p:style>
+        <p:txBody>
+          <a:bodyPr rtlCol="0" anchor="ctr"/>
+          <a:lstStyle/>
+          <a:p>
+            <a:pPr algn="ctr"/>
+            <a:endParaRPr lang="fr-CH"/>
+          </a:p>
+        </p:txBody>
+      </p:sp>
+      <p:cxnSp>
+        <p:nvCxnSpPr>
+          <p:cNvPr id="5" name="Connecteur droit 4">
+            <a:extLst>
+              <a:ext uri="{FF2B5EF4-FFF2-40B4-BE49-F238E27FC236}">
+                <a16:creationId xmlns:a16="http://schemas.microsoft.com/office/drawing/2014/main" id="{0C342E6F-A1D5-41F9-85D6-9015DCDF36D5}"/>
+              </a:ext>
+            </a:extLst>
+          </p:cNvPr>
+          <p:cNvCxnSpPr>
+            <a:cxnSpLocks/>
+          </p:cNvCxnSpPr>
+          <p:nvPr/>
+        </p:nvCxnSpPr>
+        <p:spPr>
+          <a:xfrm>
+            <a:off x="814388" y="6919910"/>
+            <a:ext cx="5048250" cy="4"/>
+          </a:xfrm>
+          <a:prstGeom prst="line">
+            <a:avLst/>
+          </a:prstGeom>
+          <a:ln>
+            <a:solidFill>
+              <a:schemeClr val="accent2">
+                <a:lumMod val="60000"/>
+                <a:lumOff val="40000"/>
+              </a:schemeClr>
+            </a:solidFill>
+          </a:ln>
+        </p:spPr>
+        <p:style>
+          <a:lnRef idx="1">
+            <a:schemeClr val="accent1"/>
+          </a:lnRef>
+          <a:fillRef idx="0">
+            <a:schemeClr val="accent1"/>
+          </a:fillRef>
+          <a:effectRef idx="0">
+            <a:schemeClr val="accent1"/>
+          </a:effectRef>
+          <a:fontRef idx="minor">
+            <a:schemeClr val="tx1"/>
+          </a:fontRef>
+        </p:style>
+      </p:cxnSp>
+      <p:cxnSp>
+        <p:nvCxnSpPr>
+          <p:cNvPr id="9" name="Connecteur droit 8">
+            <a:extLst>
+              <a:ext uri="{FF2B5EF4-FFF2-40B4-BE49-F238E27FC236}">
+                <a16:creationId xmlns:a16="http://schemas.microsoft.com/office/drawing/2014/main" id="{BA90C32A-29ED-4CA5-9032-4CC35FA4B2BA}"/>
+              </a:ext>
+            </a:extLst>
+          </p:cNvPr>
+          <p:cNvCxnSpPr>
+            <a:cxnSpLocks/>
+          </p:cNvCxnSpPr>
+          <p:nvPr/>
+        </p:nvCxnSpPr>
+        <p:spPr>
+          <a:xfrm>
+            <a:off x="1362075" y="5891213"/>
+            <a:ext cx="561975" cy="1028701"/>
+          </a:xfrm>
+          <a:prstGeom prst="line">
+            <a:avLst/>
+          </a:prstGeom>
+          <a:ln>
+            <a:solidFill>
+              <a:schemeClr val="accent2">
+                <a:lumMod val="60000"/>
+                <a:lumOff val="40000"/>
+              </a:schemeClr>
+            </a:solidFill>
+          </a:ln>
+        </p:spPr>
+        <p:style>
+          <a:lnRef idx="1">
+            <a:schemeClr val="accent1"/>
+          </a:lnRef>
+          <a:fillRef idx="0">
+            <a:schemeClr val="accent1"/>
+          </a:fillRef>
+          <a:effectRef idx="0">
+            <a:schemeClr val="accent1"/>
+          </a:effectRef>
+          <a:fontRef idx="minor">
+            <a:schemeClr val="tx1"/>
+          </a:fontRef>
+        </p:style>
+      </p:cxnSp>
+      <p:cxnSp>
+        <p:nvCxnSpPr>
+          <p:cNvPr id="11" name="Connecteur droit 10">
+            <a:extLst>
+              <a:ext uri="{FF2B5EF4-FFF2-40B4-BE49-F238E27FC236}">
+                <a16:creationId xmlns:a16="http://schemas.microsoft.com/office/drawing/2014/main" id="{4FE13A2F-1CB7-46D4-B77F-D826271FA099}"/>
+              </a:ext>
+            </a:extLst>
+          </p:cNvPr>
+          <p:cNvCxnSpPr>
+            <a:cxnSpLocks/>
+          </p:cNvCxnSpPr>
+          <p:nvPr/>
+        </p:nvCxnSpPr>
+        <p:spPr>
+          <a:xfrm flipH="1">
+            <a:off x="4891088" y="5891213"/>
+            <a:ext cx="547687" cy="1028701"/>
+          </a:xfrm>
+          <a:prstGeom prst="line">
+            <a:avLst/>
+          </a:prstGeom>
+          <a:ln>
+            <a:solidFill>
+              <a:schemeClr val="accent2">
+                <a:lumMod val="60000"/>
+                <a:lumOff val="40000"/>
+              </a:schemeClr>
+            </a:solidFill>
+          </a:ln>
+        </p:spPr>
+        <p:style>
+          <a:lnRef idx="1">
+            <a:schemeClr val="accent1"/>
+          </a:lnRef>
+          <a:fillRef idx="0">
+            <a:schemeClr val="accent1"/>
+          </a:fillRef>
+          <a:effectRef idx="0">
+            <a:schemeClr val="accent1"/>
+          </a:effectRef>
+          <a:fontRef idx="minor">
+            <a:schemeClr val="tx1"/>
+          </a:fontRef>
+        </p:style>
+      </p:cxnSp>
+      <p:cxnSp>
+        <p:nvCxnSpPr>
+          <p:cNvPr id="13" name="Connecteur droit 12">
+            <a:extLst>
+              <a:ext uri="{FF2B5EF4-FFF2-40B4-BE49-F238E27FC236}">
+                <a16:creationId xmlns:a16="http://schemas.microsoft.com/office/drawing/2014/main" id="{C5B5FE62-2380-43B7-A9DE-73F1BA61E5BB}"/>
+              </a:ext>
+            </a:extLst>
+          </p:cNvPr>
+          <p:cNvCxnSpPr>
+            <a:cxnSpLocks/>
+          </p:cNvCxnSpPr>
+          <p:nvPr/>
+        </p:nvCxnSpPr>
+        <p:spPr>
+          <a:xfrm>
+            <a:off x="1362075" y="5762625"/>
+            <a:ext cx="0" cy="1657350"/>
+          </a:xfrm>
+          <a:prstGeom prst="line">
+            <a:avLst/>
+          </a:prstGeom>
+          <a:ln>
+            <a:solidFill>
+              <a:schemeClr val="accent2">
+                <a:lumMod val="60000"/>
+                <a:lumOff val="40000"/>
+              </a:schemeClr>
+            </a:solidFill>
+          </a:ln>
+        </p:spPr>
+        <p:style>
+          <a:lnRef idx="1">
+            <a:schemeClr val="accent1"/>
+          </a:lnRef>
+          <a:fillRef idx="0">
+            <a:schemeClr val="accent1"/>
+          </a:fillRef>
+          <a:effectRef idx="0">
+            <a:schemeClr val="accent1"/>
+          </a:effectRef>
+          <a:fontRef idx="minor">
+            <a:schemeClr val="tx1"/>
+          </a:fontRef>
+        </p:style>
+      </p:cxnSp>
+      <p:cxnSp>
+        <p:nvCxnSpPr>
+          <p:cNvPr id="14" name="Connecteur droit 13">
+            <a:extLst>
+              <a:ext uri="{FF2B5EF4-FFF2-40B4-BE49-F238E27FC236}">
+                <a16:creationId xmlns:a16="http://schemas.microsoft.com/office/drawing/2014/main" id="{EFA14D0D-2056-4D65-B4C3-38C90CB75439}"/>
+              </a:ext>
+            </a:extLst>
+          </p:cNvPr>
+          <p:cNvCxnSpPr>
+            <a:cxnSpLocks/>
+          </p:cNvCxnSpPr>
+          <p:nvPr/>
+        </p:nvCxnSpPr>
+        <p:spPr>
+          <a:xfrm>
+            <a:off x="5438775" y="5762625"/>
+            <a:ext cx="0" cy="1657350"/>
+          </a:xfrm>
+          <a:prstGeom prst="line">
+            <a:avLst/>
+          </a:prstGeom>
+          <a:ln>
+            <a:solidFill>
+              <a:schemeClr val="accent2">
+                <a:lumMod val="60000"/>
+                <a:lumOff val="40000"/>
+              </a:schemeClr>
+            </a:solidFill>
+          </a:ln>
+        </p:spPr>
+        <p:style>
+          <a:lnRef idx="1">
+            <a:schemeClr val="accent1"/>
+          </a:lnRef>
+          <a:fillRef idx="0">
+            <a:schemeClr val="accent1"/>
+          </a:fillRef>
+          <a:effectRef idx="0">
+            <a:schemeClr val="accent1"/>
+          </a:effectRef>
+          <a:fontRef idx="minor">
+            <a:schemeClr val="tx1"/>
+          </a:fontRef>
+        </p:style>
+      </p:cxnSp>
+      <p:cxnSp>
+        <p:nvCxnSpPr>
+          <p:cNvPr id="20" name="Connecteur droit 19">
+            <a:extLst>
+              <a:ext uri="{FF2B5EF4-FFF2-40B4-BE49-F238E27FC236}">
+                <a16:creationId xmlns:a16="http://schemas.microsoft.com/office/drawing/2014/main" id="{03CBCCF1-12D1-4D4E-86EF-820AF513ECC6}"/>
+              </a:ext>
+            </a:extLst>
+          </p:cNvPr>
+          <p:cNvCxnSpPr>
+            <a:cxnSpLocks/>
+          </p:cNvCxnSpPr>
+          <p:nvPr/>
+        </p:nvCxnSpPr>
+        <p:spPr>
+          <a:xfrm>
+            <a:off x="814388" y="5891213"/>
+            <a:ext cx="5114925" cy="0"/>
+          </a:xfrm>
+          <a:prstGeom prst="line">
+            <a:avLst/>
+          </a:prstGeom>
+          <a:ln>
+            <a:solidFill>
+              <a:schemeClr val="accent2">
+                <a:lumMod val="60000"/>
+                <a:lumOff val="40000"/>
+              </a:schemeClr>
+            </a:solidFill>
+          </a:ln>
+        </p:spPr>
+        <p:style>
+          <a:lnRef idx="1">
+            <a:schemeClr val="accent1"/>
+          </a:lnRef>
+          <a:fillRef idx="0">
+            <a:schemeClr val="accent1"/>
+          </a:fillRef>
+          <a:effectRef idx="0">
+            <a:schemeClr val="accent1"/>
+          </a:effectRef>
+          <a:fontRef idx="minor">
+            <a:schemeClr val="tx1"/>
+          </a:fontRef>
+        </p:style>
+      </p:cxnSp>
+      <p:cxnSp>
+        <p:nvCxnSpPr>
+          <p:cNvPr id="26" name="Connecteur droit 25">
+            <a:extLst>
+              <a:ext uri="{FF2B5EF4-FFF2-40B4-BE49-F238E27FC236}">
+                <a16:creationId xmlns:a16="http://schemas.microsoft.com/office/drawing/2014/main" id="{CF06A6D1-A44A-42D9-805B-973E095C6466}"/>
+              </a:ext>
+            </a:extLst>
+          </p:cNvPr>
+          <p:cNvCxnSpPr/>
+          <p:nvPr/>
+        </p:nvCxnSpPr>
+        <p:spPr>
+          <a:xfrm>
+            <a:off x="1924050" y="6719888"/>
+            <a:ext cx="0" cy="495300"/>
+          </a:xfrm>
+          <a:prstGeom prst="line">
+            <a:avLst/>
+          </a:prstGeom>
+          <a:ln>
+            <a:solidFill>
+              <a:schemeClr val="accent2">
+                <a:lumMod val="60000"/>
+                <a:lumOff val="40000"/>
+              </a:schemeClr>
+            </a:solidFill>
+            <a:prstDash val="dash"/>
+          </a:ln>
+        </p:spPr>
+        <p:style>
+          <a:lnRef idx="1">
+            <a:schemeClr val="accent1"/>
+          </a:lnRef>
+          <a:fillRef idx="0">
+            <a:schemeClr val="accent1"/>
+          </a:fillRef>
+          <a:effectRef idx="0">
+            <a:schemeClr val="accent1"/>
+          </a:effectRef>
+          <a:fontRef idx="minor">
+            <a:schemeClr val="tx1"/>
+          </a:fontRef>
+        </p:style>
+      </p:cxnSp>
+      <p:cxnSp>
+        <p:nvCxnSpPr>
+          <p:cNvPr id="27" name="Connecteur droit 26">
+            <a:extLst>
+              <a:ext uri="{FF2B5EF4-FFF2-40B4-BE49-F238E27FC236}">
+                <a16:creationId xmlns:a16="http://schemas.microsoft.com/office/drawing/2014/main" id="{C8554FC4-AF4E-4B86-BA4A-E1DEF9C143B2}"/>
+              </a:ext>
+            </a:extLst>
+          </p:cNvPr>
+          <p:cNvCxnSpPr/>
+          <p:nvPr/>
+        </p:nvCxnSpPr>
+        <p:spPr>
+          <a:xfrm>
+            <a:off x="4881563" y="6738935"/>
+            <a:ext cx="0" cy="495300"/>
+          </a:xfrm>
+          <a:prstGeom prst="line">
+            <a:avLst/>
+          </a:prstGeom>
+          <a:ln>
+            <a:solidFill>
+              <a:schemeClr val="accent2">
+                <a:lumMod val="60000"/>
+                <a:lumOff val="40000"/>
+              </a:schemeClr>
+            </a:solidFill>
+            <a:prstDash val="dash"/>
+          </a:ln>
+        </p:spPr>
+        <p:style>
+          <a:lnRef idx="1">
+            <a:schemeClr val="accent1"/>
+          </a:lnRef>
+          <a:fillRef idx="0">
+            <a:schemeClr val="accent1"/>
+          </a:fillRef>
+          <a:effectRef idx="0">
+            <a:schemeClr val="accent1"/>
+          </a:effectRef>
+          <a:fontRef idx="minor">
+            <a:schemeClr val="tx1"/>
+          </a:fontRef>
+        </p:style>
+      </p:cxnSp>
+      <p:cxnSp>
+        <p:nvCxnSpPr>
+          <p:cNvPr id="29" name="Connecteur droit avec flèche 28">
+            <a:extLst>
+              <a:ext uri="{FF2B5EF4-FFF2-40B4-BE49-F238E27FC236}">
+                <a16:creationId xmlns:a16="http://schemas.microsoft.com/office/drawing/2014/main" id="{1F2B8E8B-44B4-42F5-BE05-4BB069748992}"/>
+              </a:ext>
+            </a:extLst>
+          </p:cNvPr>
+          <p:cNvCxnSpPr/>
+          <p:nvPr/>
+        </p:nvCxnSpPr>
+        <p:spPr>
+          <a:xfrm>
+            <a:off x="1924050" y="7105650"/>
+            <a:ext cx="2967038" cy="0"/>
+          </a:xfrm>
+          <a:prstGeom prst="straightConnector1">
+            <a:avLst/>
+          </a:prstGeom>
+          <a:ln>
+            <a:solidFill>
+              <a:schemeClr val="accent2">
+                <a:lumMod val="60000"/>
+                <a:lumOff val="40000"/>
+              </a:schemeClr>
+            </a:solidFill>
+            <a:headEnd type="triangle" w="med" len="med"/>
+            <a:tailEnd type="triangle" w="med" len="med"/>
+          </a:ln>
+        </p:spPr>
+        <p:style>
+          <a:lnRef idx="1">
+            <a:schemeClr val="accent1"/>
+          </a:lnRef>
+          <a:fillRef idx="0">
+            <a:schemeClr val="accent1"/>
+          </a:fillRef>
+          <a:effectRef idx="0">
+            <a:schemeClr val="accent1"/>
+          </a:effectRef>
+          <a:fontRef idx="minor">
+            <a:schemeClr val="tx1"/>
+          </a:fontRef>
+        </p:style>
+      </p:cxnSp>
+      <p:sp>
+        <p:nvSpPr>
+          <p:cNvPr id="30" name="ZoneTexte 29">
+            <a:extLst>
+              <a:ext uri="{FF2B5EF4-FFF2-40B4-BE49-F238E27FC236}">
+                <a16:creationId xmlns:a16="http://schemas.microsoft.com/office/drawing/2014/main" id="{AD97EE12-7F44-4931-8DCB-E96B7970F3D6}"/>
+              </a:ext>
+            </a:extLst>
+          </p:cNvPr>
+          <p:cNvSpPr txBox="1"/>
+          <p:nvPr/>
+        </p:nvSpPr>
+        <p:spPr>
+          <a:xfrm>
+            <a:off x="2947448" y="6967538"/>
+            <a:ext cx="905954" cy="276999"/>
+          </a:xfrm>
+          <a:prstGeom prst="rect">
+            <a:avLst/>
+          </a:prstGeom>
+          <a:solidFill>
+            <a:schemeClr val="bg1"/>
+          </a:solidFill>
+        </p:spPr>
+        <p:txBody>
+          <a:bodyPr wrap="none" rtlCol="0">
+            <a:spAutoFit/>
+          </a:bodyPr>
+          <a:lstStyle/>
+          <a:p>
+            <a:r>
+              <a:rPr lang="fr-CH" sz="1200" dirty="0">
+                <a:solidFill>
+                  <a:schemeClr val="accent2">
+                    <a:lumMod val="50000"/>
+                  </a:schemeClr>
+                </a:solidFill>
+              </a:rPr>
+              <a:t>Écartement</a:t>
+            </a:r>
+          </a:p>
+        </p:txBody>
+      </p:sp>
+      <p:sp>
+        <p:nvSpPr>
+          <p:cNvPr id="32" name="ZoneTexte 31">
+            <a:extLst>
+              <a:ext uri="{FF2B5EF4-FFF2-40B4-BE49-F238E27FC236}">
+                <a16:creationId xmlns:a16="http://schemas.microsoft.com/office/drawing/2014/main" id="{1F78F2D1-D268-49BD-8630-357C15CA50B7}"/>
+              </a:ext>
+            </a:extLst>
+          </p:cNvPr>
+          <p:cNvSpPr txBox="1"/>
+          <p:nvPr/>
+        </p:nvSpPr>
+        <p:spPr>
+          <a:xfrm>
+            <a:off x="713296" y="5659846"/>
+            <a:ext cx="1582100" cy="276999"/>
+          </a:xfrm>
+          <a:prstGeom prst="rect">
+            <a:avLst/>
+          </a:prstGeom>
+          <a:noFill/>
+        </p:spPr>
+        <p:txBody>
+          <a:bodyPr wrap="none" rtlCol="0">
+            <a:spAutoFit/>
+          </a:bodyPr>
+          <a:lstStyle/>
+          <a:p>
+            <a:r>
+              <a:rPr lang="fr-CH" sz="1200" dirty="0">
+                <a:solidFill>
+                  <a:schemeClr val="accent2">
+                    <a:lumMod val="50000"/>
+                  </a:schemeClr>
+                </a:solidFill>
+              </a:rPr>
+              <a:t>Ligne de base du texte</a:t>
+            </a:r>
+          </a:p>
+        </p:txBody>
+      </p:sp>
+      <p:cxnSp>
+        <p:nvCxnSpPr>
+          <p:cNvPr id="36" name="Connecteur droit avec flèche 35">
+            <a:extLst>
+              <a:ext uri="{FF2B5EF4-FFF2-40B4-BE49-F238E27FC236}">
+                <a16:creationId xmlns:a16="http://schemas.microsoft.com/office/drawing/2014/main" id="{FEAC59AA-62F6-49F6-8D63-4C2E488ECD13}"/>
+              </a:ext>
+            </a:extLst>
+          </p:cNvPr>
+          <p:cNvCxnSpPr>
+            <a:cxnSpLocks/>
+          </p:cNvCxnSpPr>
+          <p:nvPr/>
+        </p:nvCxnSpPr>
+        <p:spPr>
+          <a:xfrm>
+            <a:off x="1357313" y="7430273"/>
+            <a:ext cx="4081462" cy="0"/>
+          </a:xfrm>
+          <a:prstGeom prst="straightConnector1">
+            <a:avLst/>
+          </a:prstGeom>
+          <a:ln>
+            <a:solidFill>
+              <a:schemeClr val="accent2">
+                <a:lumMod val="60000"/>
+                <a:lumOff val="40000"/>
+              </a:schemeClr>
+            </a:solidFill>
+            <a:headEnd type="triangle" w="med" len="med"/>
+            <a:tailEnd type="triangle" w="med" len="med"/>
+          </a:ln>
+        </p:spPr>
+        <p:style>
+          <a:lnRef idx="1">
+            <a:schemeClr val="accent1"/>
+          </a:lnRef>
+          <a:fillRef idx="0">
+            <a:schemeClr val="accent1"/>
+          </a:fillRef>
+          <a:effectRef idx="0">
+            <a:schemeClr val="accent1"/>
+          </a:effectRef>
+          <a:fontRef idx="minor">
+            <a:schemeClr val="tx1"/>
+          </a:fontRef>
+        </p:style>
+      </p:cxnSp>
+      <p:sp>
+        <p:nvSpPr>
+          <p:cNvPr id="37" name="ZoneTexte 36">
+            <a:extLst>
+              <a:ext uri="{FF2B5EF4-FFF2-40B4-BE49-F238E27FC236}">
+                <a16:creationId xmlns:a16="http://schemas.microsoft.com/office/drawing/2014/main" id="{44F956DD-BE77-49E6-9EDA-690E97E17E77}"/>
+              </a:ext>
+            </a:extLst>
+          </p:cNvPr>
+          <p:cNvSpPr txBox="1"/>
+          <p:nvPr/>
+        </p:nvSpPr>
+        <p:spPr>
+          <a:xfrm>
+            <a:off x="2738441" y="7292161"/>
+            <a:ext cx="1385881" cy="276999"/>
+          </a:xfrm>
+          <a:prstGeom prst="rect">
+            <a:avLst/>
+          </a:prstGeom>
+          <a:solidFill>
+            <a:schemeClr val="bg1"/>
+          </a:solidFill>
+        </p:spPr>
+        <p:txBody>
+          <a:bodyPr wrap="square" rtlCol="0">
+            <a:spAutoFit/>
+          </a:bodyPr>
+          <a:lstStyle/>
+          <a:p>
+            <a:pPr algn="ctr"/>
+            <a:r>
+              <a:rPr lang="fr-CH" sz="1200" dirty="0">
+                <a:solidFill>
+                  <a:schemeClr val="accent2">
+                    <a:lumMod val="50000"/>
+                  </a:schemeClr>
+                </a:solidFill>
+              </a:rPr>
+              <a:t>Écartement 100 %</a:t>
+            </a:r>
+          </a:p>
+        </p:txBody>
+      </p:sp>
+    </p:spTree>
+    <p:extLst>
+      <p:ext uri="{BB962C8B-B14F-4D97-AF65-F5344CB8AC3E}">
+        <p14:creationId xmlns:p14="http://schemas.microsoft.com/office/powerpoint/2010/main" val="1459646665"/>
+      </p:ext>
+    </p:extLst>
+  </p:cSld>
+  <p:clrMapOvr>
+    <a:masterClrMapping/>
+  </p:clrMapOvr>
+</p:sld>
+</file>
+
+<file path=ppt/slides/slide6.xml><?xml version="1.0" encoding="utf-8"?>
+<p:sld xmlns:a="http://schemas.openxmlformats.org/drawingml/2006/main" xmlns:r="http://schemas.openxmlformats.org/officeDocument/2006/relationships" xmlns:p="http://schemas.openxmlformats.org/presentationml/2006/main">
+  <p:cSld>
+    <p:spTree>
+      <p:nvGrpSpPr>
+        <p:cNvPr id="1" name=""/>
+        <p:cNvGrpSpPr/>
+        <p:nvPr/>
+      </p:nvGrpSpPr>
+      <p:grpSpPr>
+        <a:xfrm>
+          <a:off x="0" y="0"/>
+          <a:ext cx="0" cy="0"/>
+          <a:chOff x="0" y="0"/>
+          <a:chExt cx="0" cy="0"/>
+        </a:xfrm>
+      </p:grpSpPr>
+      <p:pic>
+        <p:nvPicPr>
           <p:cNvPr id="2" name="Image 1">
             <a:extLst>
               <a:ext uri="{FF2B5EF4-FFF2-40B4-BE49-F238E27FC236}">
